--- a/защита_презентация.pptx
+++ b/защита_презентация.pptx
@@ -12,6 +12,10 @@
     <p:sldId id="260" r:id="rId6"/>
     <p:sldId id="261" r:id="rId7"/>
     <p:sldId id="262" r:id="rId8"/>
+    <p:sldId id="263" r:id="rId9"/>
+    <p:sldId id="264" r:id="rId10"/>
+    <p:sldId id="265" r:id="rId11"/>
+    <p:sldId id="266" r:id="rId12"/>
   </p:sldIdLst>
   <p:sldSz cx="12192000" cy="6858000"/>
   <p:notesSz cx="6858000" cy="9144000"/>
@@ -346,7 +350,7 @@
           <a:p>
             <a:fld id="{68B95865-D8BF-4CFB-B7A5-269F27BF2998}" type="datetimeFigureOut">
               <a:rPr lang="ru-RU" smtClean="0"/>
-              <a:t>11.08.2024</a:t>
+              <a:t>18.08.2024</a:t>
             </a:fld>
             <a:endParaRPr lang="ru-RU"/>
           </a:p>
@@ -554,7 +558,7 @@
           <a:p>
             <a:fld id="{68B95865-D8BF-4CFB-B7A5-269F27BF2998}" type="datetimeFigureOut">
               <a:rPr lang="ru-RU" smtClean="0"/>
-              <a:t>11.08.2024</a:t>
+              <a:t>18.08.2024</a:t>
             </a:fld>
             <a:endParaRPr lang="ru-RU"/>
           </a:p>
@@ -812,7 +816,7 @@
           <a:p>
             <a:fld id="{68B95865-D8BF-4CFB-B7A5-269F27BF2998}" type="datetimeFigureOut">
               <a:rPr lang="ru-RU" smtClean="0"/>
-              <a:t>11.08.2024</a:t>
+              <a:t>18.08.2024</a:t>
             </a:fld>
             <a:endParaRPr lang="ru-RU"/>
           </a:p>
@@ -982,7 +986,7 @@
           <a:p>
             <a:fld id="{68B95865-D8BF-4CFB-B7A5-269F27BF2998}" type="datetimeFigureOut">
               <a:rPr lang="ru-RU" smtClean="0"/>
-              <a:t>11.08.2024</a:t>
+              <a:t>18.08.2024</a:t>
             </a:fld>
             <a:endParaRPr lang="ru-RU"/>
           </a:p>
@@ -1319,7 +1323,7 @@
           <a:p>
             <a:fld id="{68B95865-D8BF-4CFB-B7A5-269F27BF2998}" type="datetimeFigureOut">
               <a:rPr lang="ru-RU" smtClean="0"/>
-              <a:t>11.08.2024</a:t>
+              <a:t>18.08.2024</a:t>
             </a:fld>
             <a:endParaRPr lang="ru-RU"/>
           </a:p>
@@ -1594,7 +1598,7 @@
           <a:p>
             <a:fld id="{68B95865-D8BF-4CFB-B7A5-269F27BF2998}" type="datetimeFigureOut">
               <a:rPr lang="ru-RU" smtClean="0"/>
-              <a:t>11.08.2024</a:t>
+              <a:t>18.08.2024</a:t>
             </a:fld>
             <a:endParaRPr lang="ru-RU"/>
           </a:p>
@@ -1978,7 +1982,7 @@
           <a:p>
             <a:fld id="{68B95865-D8BF-4CFB-B7A5-269F27BF2998}" type="datetimeFigureOut">
               <a:rPr lang="ru-RU" smtClean="0"/>
-              <a:t>11.08.2024</a:t>
+              <a:t>18.08.2024</a:t>
             </a:fld>
             <a:endParaRPr lang="ru-RU"/>
           </a:p>
@@ -2101,7 +2105,7 @@
           <a:p>
             <a:fld id="{68B95865-D8BF-4CFB-B7A5-269F27BF2998}" type="datetimeFigureOut">
               <a:rPr lang="ru-RU" smtClean="0"/>
-              <a:t>11.08.2024</a:t>
+              <a:t>18.08.2024</a:t>
             </a:fld>
             <a:endParaRPr lang="ru-RU"/>
           </a:p>
@@ -2274,7 +2278,7 @@
           <a:p>
             <a:fld id="{68B95865-D8BF-4CFB-B7A5-269F27BF2998}" type="datetimeFigureOut">
               <a:rPr lang="ru-RU" smtClean="0"/>
-              <a:t>11.08.2024</a:t>
+              <a:t>18.08.2024</a:t>
             </a:fld>
             <a:endParaRPr lang="ru-RU"/>
           </a:p>
@@ -2630,7 +2634,7 @@
           <a:p>
             <a:fld id="{68B95865-D8BF-4CFB-B7A5-269F27BF2998}" type="datetimeFigureOut">
               <a:rPr lang="ru-RU" smtClean="0"/>
-              <a:t>11.08.2024</a:t>
+              <a:t>18.08.2024</a:t>
             </a:fld>
             <a:endParaRPr lang="ru-RU"/>
           </a:p>
@@ -3014,7 +3018,7 @@
           <a:p>
             <a:fld id="{68B95865-D8BF-4CFB-B7A5-269F27BF2998}" type="datetimeFigureOut">
               <a:rPr lang="ru-RU" smtClean="0"/>
-              <a:t>11.08.2024</a:t>
+              <a:t>18.08.2024</a:t>
             </a:fld>
             <a:endParaRPr lang="ru-RU"/>
           </a:p>
@@ -3303,7 +3307,7 @@
           <a:p>
             <a:fld id="{68B95865-D8BF-4CFB-B7A5-269F27BF2998}" type="datetimeFigureOut">
               <a:rPr lang="ru-RU" smtClean="0"/>
-              <a:t>11.08.2024</a:t>
+              <a:t>18.08.2024</a:t>
             </a:fld>
             <a:endParaRPr lang="ru-RU"/>
           </a:p>
@@ -3901,6 +3905,4306 @@
 </p:sld>
 </file>
 
+<file path=ppt/slides/slide10.xml><?xml version="1.0" encoding="utf-8"?>
+<p:sld xmlns:a="http://schemas.openxmlformats.org/drawingml/2006/main" xmlns:r="http://schemas.openxmlformats.org/officeDocument/2006/relationships" xmlns:p="http://schemas.openxmlformats.org/presentationml/2006/main">
+  <p:cSld>
+    <p:spTree>
+      <p:nvGrpSpPr>
+        <p:cNvPr id="1" name=""/>
+        <p:cNvGrpSpPr/>
+        <p:nvPr/>
+      </p:nvGrpSpPr>
+      <p:grpSpPr>
+        <a:xfrm>
+          <a:off x="0" y="0"/>
+          <a:ext cx="0" cy="0"/>
+          <a:chOff x="0" y="0"/>
+          <a:chExt cx="0" cy="0"/>
+        </a:xfrm>
+      </p:grpSpPr>
+      <p:sp>
+        <p:nvSpPr>
+          <p:cNvPr id="2" name="Заголовок 1">
+            <a:extLst>
+              <a:ext uri="{FF2B5EF4-FFF2-40B4-BE49-F238E27FC236}">
+                <a16:creationId xmlns:a16="http://schemas.microsoft.com/office/drawing/2014/main" id="{D579B1CC-5619-4A05-801A-EBF944BA2BF6}"/>
+              </a:ext>
+            </a:extLst>
+          </p:cNvPr>
+          <p:cNvSpPr>
+            <a:spLocks noGrp="1"/>
+          </p:cNvSpPr>
+          <p:nvPr>
+            <p:ph type="title"/>
+          </p:nvPr>
+        </p:nvSpPr>
+        <p:spPr>
+          <a:xfrm>
+            <a:off x="371185" y="253748"/>
+            <a:ext cx="9992705" cy="659971"/>
+          </a:xfrm>
+        </p:spPr>
+        <p:txBody>
+          <a:bodyPr>
+            <a:normAutofit fontScale="90000"/>
+          </a:bodyPr>
+          <a:lstStyle/>
+          <a:p>
+            <a:r>
+              <a:rPr lang="ru-RU" dirty="0"/>
+              <a:t>Агрегация</a:t>
+            </a:r>
+          </a:p>
+        </p:txBody>
+      </p:sp>
+      <p:pic>
+        <p:nvPicPr>
+          <p:cNvPr id="11" name="Рисунок 10">
+            <a:extLst>
+              <a:ext uri="{FF2B5EF4-FFF2-40B4-BE49-F238E27FC236}">
+                <a16:creationId xmlns:a16="http://schemas.microsoft.com/office/drawing/2014/main" id="{8ACFD1FD-8A59-4699-AFA1-F288C71AA139}"/>
+              </a:ext>
+            </a:extLst>
+          </p:cNvPr>
+          <p:cNvPicPr>
+            <a:picLocks noChangeAspect="1"/>
+          </p:cNvPicPr>
+          <p:nvPr/>
+        </p:nvPicPr>
+        <p:blipFill>
+          <a:blip r:embed="rId2"/>
+          <a:stretch>
+            <a:fillRect/>
+          </a:stretch>
+        </p:blipFill>
+        <p:spPr>
+          <a:xfrm>
+            <a:off x="371185" y="937082"/>
+            <a:ext cx="5926836" cy="437388"/>
+          </a:xfrm>
+          <a:prstGeom prst="rect">
+            <a:avLst/>
+          </a:prstGeom>
+        </p:spPr>
+      </p:pic>
+      <p:pic>
+        <p:nvPicPr>
+          <p:cNvPr id="13" name="Рисунок 12">
+            <a:extLst>
+              <a:ext uri="{FF2B5EF4-FFF2-40B4-BE49-F238E27FC236}">
+                <a16:creationId xmlns:a16="http://schemas.microsoft.com/office/drawing/2014/main" id="{E9AF7EA7-24A0-4919-A160-B6682A389869}"/>
+              </a:ext>
+            </a:extLst>
+          </p:cNvPr>
+          <p:cNvPicPr>
+            <a:picLocks noChangeAspect="1"/>
+          </p:cNvPicPr>
+          <p:nvPr/>
+        </p:nvPicPr>
+        <p:blipFill>
+          <a:blip r:embed="rId3"/>
+          <a:stretch>
+            <a:fillRect/>
+          </a:stretch>
+        </p:blipFill>
+        <p:spPr>
+          <a:xfrm>
+            <a:off x="1197542" y="1402847"/>
+            <a:ext cx="1456923" cy="2354491"/>
+          </a:xfrm>
+          <a:prstGeom prst="rect">
+            <a:avLst/>
+          </a:prstGeom>
+        </p:spPr>
+      </p:pic>
+      <p:sp>
+        <p:nvSpPr>
+          <p:cNvPr id="15" name="Прямоугольник 14">
+            <a:extLst>
+              <a:ext uri="{FF2B5EF4-FFF2-40B4-BE49-F238E27FC236}">
+                <a16:creationId xmlns:a16="http://schemas.microsoft.com/office/drawing/2014/main" id="{C7F8511F-5909-4444-ADC6-40C6839CDF9E}"/>
+              </a:ext>
+            </a:extLst>
+          </p:cNvPr>
+          <p:cNvSpPr/>
+          <p:nvPr/>
+        </p:nvSpPr>
+        <p:spPr>
+          <a:xfrm>
+            <a:off x="1197542" y="1402847"/>
+            <a:ext cx="1456923" cy="2354491"/>
+          </a:xfrm>
+          <a:prstGeom prst="rect">
+            <a:avLst/>
+          </a:prstGeom>
+          <a:noFill/>
+          <a:ln w="76200">
+            <a:solidFill>
+              <a:schemeClr val="accent1">
+                <a:lumMod val="60000"/>
+                <a:lumOff val="40000"/>
+              </a:schemeClr>
+            </a:solidFill>
+          </a:ln>
+        </p:spPr>
+        <p:style>
+          <a:lnRef idx="2">
+            <a:schemeClr val="accent1">
+              <a:shade val="50000"/>
+            </a:schemeClr>
+          </a:lnRef>
+          <a:fillRef idx="1">
+            <a:schemeClr val="accent1"/>
+          </a:fillRef>
+          <a:effectRef idx="0">
+            <a:schemeClr val="accent1"/>
+          </a:effectRef>
+          <a:fontRef idx="minor">
+            <a:schemeClr val="lt1"/>
+          </a:fontRef>
+        </p:style>
+        <p:txBody>
+          <a:bodyPr rtlCol="0" anchor="ctr"/>
+          <a:lstStyle/>
+          <a:p>
+            <a:pPr algn="ctr"/>
+            <a:endParaRPr lang="ru-RU"/>
+          </a:p>
+        </p:txBody>
+      </p:sp>
+      <p:pic>
+        <p:nvPicPr>
+          <p:cNvPr id="16" name="Рисунок 15">
+            <a:extLst>
+              <a:ext uri="{FF2B5EF4-FFF2-40B4-BE49-F238E27FC236}">
+                <a16:creationId xmlns:a16="http://schemas.microsoft.com/office/drawing/2014/main" id="{B4A4C056-3F45-4A37-AAF7-A271768B6465}"/>
+              </a:ext>
+            </a:extLst>
+          </p:cNvPr>
+          <p:cNvPicPr>
+            <a:picLocks noChangeAspect="1"/>
+          </p:cNvPicPr>
+          <p:nvPr/>
+        </p:nvPicPr>
+        <p:blipFill>
+          <a:blip r:embed="rId4"/>
+          <a:stretch>
+            <a:fillRect/>
+          </a:stretch>
+        </p:blipFill>
+        <p:spPr>
+          <a:xfrm>
+            <a:off x="2822059" y="1374470"/>
+            <a:ext cx="3273941" cy="2382868"/>
+          </a:xfrm>
+          <a:prstGeom prst="rect">
+            <a:avLst/>
+          </a:prstGeom>
+        </p:spPr>
+      </p:pic>
+      <p:sp>
+        <p:nvSpPr>
+          <p:cNvPr id="21" name="Прямоугольник 20">
+            <a:extLst>
+              <a:ext uri="{FF2B5EF4-FFF2-40B4-BE49-F238E27FC236}">
+                <a16:creationId xmlns:a16="http://schemas.microsoft.com/office/drawing/2014/main" id="{640ABE35-872E-4876-87C2-F8C9F5C10F64}"/>
+              </a:ext>
+            </a:extLst>
+          </p:cNvPr>
+          <p:cNvSpPr/>
+          <p:nvPr/>
+        </p:nvSpPr>
+        <p:spPr>
+          <a:xfrm>
+            <a:off x="2822059" y="1402168"/>
+            <a:ext cx="3273941" cy="2354491"/>
+          </a:xfrm>
+          <a:prstGeom prst="rect">
+            <a:avLst/>
+          </a:prstGeom>
+          <a:noFill/>
+          <a:ln w="76200">
+            <a:solidFill>
+              <a:schemeClr val="accent1">
+                <a:lumMod val="60000"/>
+                <a:lumOff val="40000"/>
+              </a:schemeClr>
+            </a:solidFill>
+          </a:ln>
+        </p:spPr>
+        <p:style>
+          <a:lnRef idx="2">
+            <a:schemeClr val="accent1">
+              <a:shade val="50000"/>
+            </a:schemeClr>
+          </a:lnRef>
+          <a:fillRef idx="1">
+            <a:schemeClr val="accent1"/>
+          </a:fillRef>
+          <a:effectRef idx="0">
+            <a:schemeClr val="accent1"/>
+          </a:effectRef>
+          <a:fontRef idx="minor">
+            <a:schemeClr val="lt1"/>
+          </a:fontRef>
+        </p:style>
+        <p:txBody>
+          <a:bodyPr rtlCol="0" anchor="ctr"/>
+          <a:lstStyle/>
+          <a:p>
+            <a:pPr algn="ctr"/>
+            <a:endParaRPr lang="ru-RU"/>
+          </a:p>
+        </p:txBody>
+      </p:sp>
+      <p:sp>
+        <p:nvSpPr>
+          <p:cNvPr id="19" name="Прямоугольник 18">
+            <a:extLst>
+              <a:ext uri="{FF2B5EF4-FFF2-40B4-BE49-F238E27FC236}">
+                <a16:creationId xmlns:a16="http://schemas.microsoft.com/office/drawing/2014/main" id="{E4A2D469-4A90-4EE1-A122-25B6E21CD7AE}"/>
+              </a:ext>
+            </a:extLst>
+          </p:cNvPr>
+          <p:cNvSpPr/>
+          <p:nvPr/>
+        </p:nvSpPr>
+        <p:spPr>
+          <a:xfrm>
+            <a:off x="4412938" y="1428713"/>
+            <a:ext cx="1109707" cy="2327945"/>
+          </a:xfrm>
+          <a:prstGeom prst="rect">
+            <a:avLst/>
+          </a:prstGeom>
+          <a:noFill/>
+          <a:ln w="76200">
+            <a:solidFill>
+              <a:srgbClr val="92D050"/>
+            </a:solidFill>
+          </a:ln>
+        </p:spPr>
+        <p:style>
+          <a:lnRef idx="2">
+            <a:schemeClr val="accent1">
+              <a:shade val="50000"/>
+            </a:schemeClr>
+          </a:lnRef>
+          <a:fillRef idx="1">
+            <a:schemeClr val="accent1"/>
+          </a:fillRef>
+          <a:effectRef idx="0">
+            <a:schemeClr val="accent1"/>
+          </a:effectRef>
+          <a:fontRef idx="minor">
+            <a:schemeClr val="lt1"/>
+          </a:fontRef>
+        </p:style>
+        <p:txBody>
+          <a:bodyPr rtlCol="0" anchor="ctr"/>
+          <a:lstStyle/>
+          <a:p>
+            <a:pPr algn="ctr"/>
+            <a:endParaRPr lang="ru-RU"/>
+          </a:p>
+        </p:txBody>
+      </p:sp>
+      <p:sp>
+        <p:nvSpPr>
+          <p:cNvPr id="22" name="TextBox 21">
+            <a:extLst>
+              <a:ext uri="{FF2B5EF4-FFF2-40B4-BE49-F238E27FC236}">
+                <a16:creationId xmlns:a16="http://schemas.microsoft.com/office/drawing/2014/main" id="{DE31F991-3CF4-42A8-9829-781A5DB48BB0}"/>
+              </a:ext>
+            </a:extLst>
+          </p:cNvPr>
+          <p:cNvSpPr txBox="1"/>
+          <p:nvPr/>
+        </p:nvSpPr>
+        <p:spPr>
+          <a:xfrm>
+            <a:off x="7431344" y="2091657"/>
+            <a:ext cx="3746377" cy="492443"/>
+          </a:xfrm>
+          <a:prstGeom prst="rect">
+            <a:avLst/>
+          </a:prstGeom>
+          <a:noFill/>
+        </p:spPr>
+        <p:txBody>
+          <a:bodyPr wrap="square" rtlCol="0">
+            <a:spAutoFit/>
+          </a:bodyPr>
+          <a:lstStyle/>
+          <a:p>
+            <a:r>
+              <a:rPr lang="ru-RU" sz="1400" b="1" dirty="0">
+                <a:solidFill>
+                  <a:srgbClr val="00B050"/>
+                </a:solidFill>
+              </a:rPr>
+              <a:t>[ 9,  1, 12,  0]</a:t>
+            </a:r>
+            <a:endParaRPr lang="en-US" sz="1400" b="1" dirty="0">
+              <a:solidFill>
+                <a:srgbClr val="00B050"/>
+              </a:solidFill>
+            </a:endParaRPr>
+          </a:p>
+          <a:p>
+            <a:r>
+              <a:rPr lang="en-US" sz="1200" b="1" dirty="0">
+                <a:solidFill>
+                  <a:srgbClr val="0070C0"/>
+                </a:solidFill>
+              </a:rPr>
+              <a:t> x7   x1   </a:t>
+            </a:r>
+            <a:r>
+              <a:rPr lang="en-US" sz="1200" b="1" dirty="0" err="1">
+                <a:solidFill>
+                  <a:srgbClr val="0070C0"/>
+                </a:solidFill>
+              </a:rPr>
+              <a:t>x1</a:t>
+            </a:r>
+            <a:r>
+              <a:rPr lang="en-US" sz="1200" b="1" dirty="0">
+                <a:solidFill>
+                  <a:srgbClr val="0070C0"/>
+                </a:solidFill>
+              </a:rPr>
+              <a:t>   </a:t>
+            </a:r>
+            <a:r>
+              <a:rPr lang="en-US" sz="1200" b="1" dirty="0" err="1">
+                <a:solidFill>
+                  <a:srgbClr val="0070C0"/>
+                </a:solidFill>
+              </a:rPr>
+              <a:t>x1</a:t>
+            </a:r>
+            <a:endParaRPr lang="ru-RU" sz="1200" b="1" dirty="0">
+              <a:solidFill>
+                <a:srgbClr val="0070C0"/>
+              </a:solidFill>
+            </a:endParaRPr>
+          </a:p>
+        </p:txBody>
+      </p:sp>
+      <p:sp>
+        <p:nvSpPr>
+          <p:cNvPr id="25" name="Прямоугольник 24">
+            <a:extLst>
+              <a:ext uri="{FF2B5EF4-FFF2-40B4-BE49-F238E27FC236}">
+                <a16:creationId xmlns:a16="http://schemas.microsoft.com/office/drawing/2014/main" id="{598E920A-43D8-47F1-9A92-345EA8FDBE22}"/>
+              </a:ext>
+            </a:extLst>
+          </p:cNvPr>
+          <p:cNvSpPr/>
+          <p:nvPr/>
+        </p:nvSpPr>
+        <p:spPr>
+          <a:xfrm>
+            <a:off x="6601282" y="2091657"/>
+            <a:ext cx="2081813" cy="492443"/>
+          </a:xfrm>
+          <a:prstGeom prst="rect">
+            <a:avLst/>
+          </a:prstGeom>
+          <a:noFill/>
+          <a:ln w="76200">
+            <a:solidFill>
+              <a:srgbClr val="92D050"/>
+            </a:solidFill>
+          </a:ln>
+        </p:spPr>
+        <p:style>
+          <a:lnRef idx="2">
+            <a:schemeClr val="accent1">
+              <a:shade val="50000"/>
+            </a:schemeClr>
+          </a:lnRef>
+          <a:fillRef idx="1">
+            <a:schemeClr val="accent1"/>
+          </a:fillRef>
+          <a:effectRef idx="0">
+            <a:schemeClr val="accent1"/>
+          </a:effectRef>
+          <a:fontRef idx="minor">
+            <a:schemeClr val="lt1"/>
+          </a:fontRef>
+        </p:style>
+        <p:txBody>
+          <a:bodyPr rtlCol="0" anchor="ctr"/>
+          <a:lstStyle/>
+          <a:p>
+            <a:pPr algn="ctr"/>
+            <a:endParaRPr lang="ru-RU"/>
+          </a:p>
+        </p:txBody>
+      </p:sp>
+      <p:cxnSp>
+        <p:nvCxnSpPr>
+          <p:cNvPr id="26" name="Соединитель: изогнутый 25">
+            <a:extLst>
+              <a:ext uri="{FF2B5EF4-FFF2-40B4-BE49-F238E27FC236}">
+                <a16:creationId xmlns:a16="http://schemas.microsoft.com/office/drawing/2014/main" id="{9E941BE0-928E-487F-BCAB-C81DAD73D3B0}"/>
+              </a:ext>
+            </a:extLst>
+          </p:cNvPr>
+          <p:cNvCxnSpPr>
+            <a:cxnSpLocks/>
+            <a:stCxn id="19" idx="1"/>
+            <a:endCxn id="25" idx="0"/>
+          </p:cNvCxnSpPr>
+          <p:nvPr/>
+        </p:nvCxnSpPr>
+        <p:spPr>
+          <a:xfrm rot="10800000" flipH="1">
+            <a:off x="4412937" y="2091658"/>
+            <a:ext cx="3229251" cy="501029"/>
+          </a:xfrm>
+          <a:prstGeom prst="curvedConnector4">
+            <a:avLst>
+              <a:gd name="adj1" fmla="val -7079"/>
+              <a:gd name="adj2" fmla="val 368309"/>
+            </a:avLst>
+          </a:prstGeom>
+          <a:ln w="28575">
+            <a:solidFill>
+              <a:srgbClr val="00B050"/>
+            </a:solidFill>
+            <a:tailEnd type="triangle"/>
+          </a:ln>
+          <a:effectLst>
+            <a:glow rad="63500">
+              <a:schemeClr val="accent1">
+                <a:satMod val="175000"/>
+                <a:alpha val="40000"/>
+              </a:schemeClr>
+            </a:glow>
+          </a:effectLst>
+        </p:spPr>
+        <p:style>
+          <a:lnRef idx="1">
+            <a:schemeClr val="accent1"/>
+          </a:lnRef>
+          <a:fillRef idx="0">
+            <a:schemeClr val="accent1"/>
+          </a:fillRef>
+          <a:effectRef idx="0">
+            <a:schemeClr val="accent1"/>
+          </a:effectRef>
+          <a:fontRef idx="minor">
+            <a:schemeClr val="tx1"/>
+          </a:fontRef>
+        </p:style>
+      </p:cxnSp>
+      <p:sp>
+        <p:nvSpPr>
+          <p:cNvPr id="46" name="TextBox 45">
+            <a:extLst>
+              <a:ext uri="{FF2B5EF4-FFF2-40B4-BE49-F238E27FC236}">
+                <a16:creationId xmlns:a16="http://schemas.microsoft.com/office/drawing/2014/main" id="{ACA730E8-062B-4464-B034-4587E48CA60F}"/>
+              </a:ext>
+            </a:extLst>
+          </p:cNvPr>
+          <p:cNvSpPr txBox="1"/>
+          <p:nvPr/>
+        </p:nvSpPr>
+        <p:spPr>
+          <a:xfrm>
+            <a:off x="6667864" y="2183989"/>
+            <a:ext cx="3746377" cy="307777"/>
+          </a:xfrm>
+          <a:prstGeom prst="rect">
+            <a:avLst/>
+          </a:prstGeom>
+          <a:noFill/>
+        </p:spPr>
+        <p:txBody>
+          <a:bodyPr wrap="square" rtlCol="0">
+            <a:spAutoFit/>
+          </a:bodyPr>
+          <a:lstStyle/>
+          <a:p>
+            <a:r>
+              <a:rPr lang="en-US" sz="1400" b="1" dirty="0">
+                <a:solidFill>
+                  <a:srgbClr val="00B050"/>
+                </a:solidFill>
+              </a:rPr>
+              <a:t>‘id’ == 0</a:t>
+            </a:r>
+            <a:endParaRPr lang="ru-RU" sz="1400" b="1" dirty="0">
+              <a:solidFill>
+                <a:srgbClr val="00B050"/>
+              </a:solidFill>
+            </a:endParaRPr>
+          </a:p>
+        </p:txBody>
+      </p:sp>
+      <p:pic>
+        <p:nvPicPr>
+          <p:cNvPr id="54" name="Рисунок 53">
+            <a:extLst>
+              <a:ext uri="{FF2B5EF4-FFF2-40B4-BE49-F238E27FC236}">
+                <a16:creationId xmlns:a16="http://schemas.microsoft.com/office/drawing/2014/main" id="{7BF77D5C-DE1A-437B-86BD-A989D6100CB8}"/>
+              </a:ext>
+            </a:extLst>
+          </p:cNvPr>
+          <p:cNvPicPr>
+            <a:picLocks noChangeAspect="1"/>
+          </p:cNvPicPr>
+          <p:nvPr/>
+        </p:nvPicPr>
+        <p:blipFill>
+          <a:blip r:embed="rId5"/>
+          <a:stretch>
+            <a:fillRect/>
+          </a:stretch>
+        </p:blipFill>
+        <p:spPr>
+          <a:xfrm>
+            <a:off x="563414" y="3911031"/>
+            <a:ext cx="11423198" cy="2198543"/>
+          </a:xfrm>
+          <a:prstGeom prst="rect">
+            <a:avLst/>
+          </a:prstGeom>
+        </p:spPr>
+      </p:pic>
+      <p:sp>
+        <p:nvSpPr>
+          <p:cNvPr id="58" name="Прямоугольник 57">
+            <a:extLst>
+              <a:ext uri="{FF2B5EF4-FFF2-40B4-BE49-F238E27FC236}">
+                <a16:creationId xmlns:a16="http://schemas.microsoft.com/office/drawing/2014/main" id="{D7E56B55-2E8B-475D-82B0-43D19B85D735}"/>
+              </a:ext>
+            </a:extLst>
+          </p:cNvPr>
+          <p:cNvSpPr/>
+          <p:nvPr/>
+        </p:nvSpPr>
+        <p:spPr>
+          <a:xfrm>
+            <a:off x="563414" y="3911031"/>
+            <a:ext cx="11423198" cy="2198543"/>
+          </a:xfrm>
+          <a:prstGeom prst="rect">
+            <a:avLst/>
+          </a:prstGeom>
+          <a:noFill/>
+          <a:ln w="76200">
+            <a:solidFill>
+              <a:srgbClr val="92D050"/>
+            </a:solidFill>
+          </a:ln>
+        </p:spPr>
+        <p:style>
+          <a:lnRef idx="2">
+            <a:schemeClr val="accent1">
+              <a:shade val="50000"/>
+            </a:schemeClr>
+          </a:lnRef>
+          <a:fillRef idx="1">
+            <a:schemeClr val="accent1"/>
+          </a:fillRef>
+          <a:effectRef idx="0">
+            <a:schemeClr val="accent1"/>
+          </a:effectRef>
+          <a:fontRef idx="minor">
+            <a:schemeClr val="lt1"/>
+          </a:fontRef>
+        </p:style>
+        <p:txBody>
+          <a:bodyPr rtlCol="0" anchor="ctr"/>
+          <a:lstStyle/>
+          <a:p>
+            <a:pPr algn="ctr"/>
+            <a:endParaRPr lang="ru-RU"/>
+          </a:p>
+        </p:txBody>
+      </p:sp>
+      <p:sp>
+        <p:nvSpPr>
+          <p:cNvPr id="62" name="Прямоугольник 61">
+            <a:extLst>
+              <a:ext uri="{FF2B5EF4-FFF2-40B4-BE49-F238E27FC236}">
+                <a16:creationId xmlns:a16="http://schemas.microsoft.com/office/drawing/2014/main" id="{C9F0D3C2-A059-469F-97E3-8A377ACD363A}"/>
+              </a:ext>
+            </a:extLst>
+          </p:cNvPr>
+          <p:cNvSpPr/>
+          <p:nvPr/>
+        </p:nvSpPr>
+        <p:spPr>
+          <a:xfrm>
+            <a:off x="705974" y="3919618"/>
+            <a:ext cx="11280637" cy="845638"/>
+          </a:xfrm>
+          <a:prstGeom prst="rect">
+            <a:avLst/>
+          </a:prstGeom>
+          <a:noFill/>
+          <a:ln w="76200">
+            <a:solidFill>
+              <a:srgbClr val="00B050"/>
+            </a:solidFill>
+          </a:ln>
+          <a:effectLst>
+            <a:glow rad="127000">
+              <a:srgbClr val="92D050">
+                <a:alpha val="66000"/>
+              </a:srgbClr>
+            </a:glow>
+          </a:effectLst>
+        </p:spPr>
+        <p:style>
+          <a:lnRef idx="2">
+            <a:schemeClr val="accent1">
+              <a:shade val="50000"/>
+            </a:schemeClr>
+          </a:lnRef>
+          <a:fillRef idx="1">
+            <a:schemeClr val="accent1"/>
+          </a:fillRef>
+          <a:effectRef idx="0">
+            <a:schemeClr val="accent1"/>
+          </a:effectRef>
+          <a:fontRef idx="minor">
+            <a:schemeClr val="lt1"/>
+          </a:fontRef>
+        </p:style>
+        <p:txBody>
+          <a:bodyPr rtlCol="0" anchor="ctr"/>
+          <a:lstStyle/>
+          <a:p>
+            <a:pPr algn="ctr"/>
+            <a:endParaRPr lang="ru-RU"/>
+          </a:p>
+        </p:txBody>
+      </p:sp>
+      <p:cxnSp>
+        <p:nvCxnSpPr>
+          <p:cNvPr id="64" name="Прямая соединительная линия 63">
+            <a:extLst>
+              <a:ext uri="{FF2B5EF4-FFF2-40B4-BE49-F238E27FC236}">
+                <a16:creationId xmlns:a16="http://schemas.microsoft.com/office/drawing/2014/main" id="{37EF44F2-B806-4603-8462-7E2C9369291B}"/>
+              </a:ext>
+            </a:extLst>
+          </p:cNvPr>
+          <p:cNvCxnSpPr>
+            <a:cxnSpLocks/>
+          </p:cNvCxnSpPr>
+          <p:nvPr/>
+        </p:nvCxnSpPr>
+        <p:spPr>
+          <a:xfrm>
+            <a:off x="9223900" y="4578018"/>
+            <a:ext cx="435007" cy="0"/>
+          </a:xfrm>
+          <a:prstGeom prst="line">
+            <a:avLst/>
+          </a:prstGeom>
+          <a:ln w="28575">
+            <a:solidFill>
+              <a:srgbClr val="0070C0"/>
+            </a:solidFill>
+          </a:ln>
+        </p:spPr>
+        <p:style>
+          <a:lnRef idx="1">
+            <a:schemeClr val="dk1"/>
+          </a:lnRef>
+          <a:fillRef idx="0">
+            <a:schemeClr val="dk1"/>
+          </a:fillRef>
+          <a:effectRef idx="0">
+            <a:schemeClr val="dk1"/>
+          </a:effectRef>
+          <a:fontRef idx="minor">
+            <a:schemeClr val="tx1"/>
+          </a:fontRef>
+        </p:style>
+      </p:cxnSp>
+      <p:cxnSp>
+        <p:nvCxnSpPr>
+          <p:cNvPr id="68" name="Прямая соединительная линия 67">
+            <a:extLst>
+              <a:ext uri="{FF2B5EF4-FFF2-40B4-BE49-F238E27FC236}">
+                <a16:creationId xmlns:a16="http://schemas.microsoft.com/office/drawing/2014/main" id="{F6EFB0F9-F798-41EE-8DD4-34565BC4877F}"/>
+              </a:ext>
+            </a:extLst>
+          </p:cNvPr>
+          <p:cNvCxnSpPr>
+            <a:cxnSpLocks/>
+          </p:cNvCxnSpPr>
+          <p:nvPr/>
+        </p:nvCxnSpPr>
+        <p:spPr>
+          <a:xfrm>
+            <a:off x="11462559" y="4579497"/>
+            <a:ext cx="435007" cy="0"/>
+          </a:xfrm>
+          <a:prstGeom prst="line">
+            <a:avLst/>
+          </a:prstGeom>
+          <a:ln w="28575">
+            <a:solidFill>
+              <a:srgbClr val="0070C0"/>
+            </a:solidFill>
+          </a:ln>
+        </p:spPr>
+        <p:style>
+          <a:lnRef idx="1">
+            <a:schemeClr val="dk1"/>
+          </a:lnRef>
+          <a:fillRef idx="0">
+            <a:schemeClr val="dk1"/>
+          </a:fillRef>
+          <a:effectRef idx="0">
+            <a:schemeClr val="dk1"/>
+          </a:effectRef>
+          <a:fontRef idx="minor">
+            <a:schemeClr val="tx1"/>
+          </a:fontRef>
+        </p:style>
+      </p:cxnSp>
+      <p:cxnSp>
+        <p:nvCxnSpPr>
+          <p:cNvPr id="69" name="Прямая соединительная линия 68">
+            <a:extLst>
+              <a:ext uri="{FF2B5EF4-FFF2-40B4-BE49-F238E27FC236}">
+                <a16:creationId xmlns:a16="http://schemas.microsoft.com/office/drawing/2014/main" id="{9B08870A-9563-493B-8FA6-3EF349FCB662}"/>
+              </a:ext>
+            </a:extLst>
+          </p:cNvPr>
+          <p:cNvCxnSpPr>
+            <a:cxnSpLocks/>
+          </p:cNvCxnSpPr>
+          <p:nvPr/>
+        </p:nvCxnSpPr>
+        <p:spPr>
+          <a:xfrm>
+            <a:off x="4946331" y="4579495"/>
+            <a:ext cx="435007" cy="0"/>
+          </a:xfrm>
+          <a:prstGeom prst="line">
+            <a:avLst/>
+          </a:prstGeom>
+          <a:ln w="28575">
+            <a:solidFill>
+              <a:srgbClr val="0070C0"/>
+            </a:solidFill>
+          </a:ln>
+        </p:spPr>
+        <p:style>
+          <a:lnRef idx="1">
+            <a:schemeClr val="dk1"/>
+          </a:lnRef>
+          <a:fillRef idx="0">
+            <a:schemeClr val="dk1"/>
+          </a:fillRef>
+          <a:effectRef idx="0">
+            <a:schemeClr val="dk1"/>
+          </a:effectRef>
+          <a:fontRef idx="minor">
+            <a:schemeClr val="tx1"/>
+          </a:fontRef>
+        </p:style>
+      </p:cxnSp>
+      <p:cxnSp>
+        <p:nvCxnSpPr>
+          <p:cNvPr id="70" name="Прямая соединительная линия 69">
+            <a:extLst>
+              <a:ext uri="{FF2B5EF4-FFF2-40B4-BE49-F238E27FC236}">
+                <a16:creationId xmlns:a16="http://schemas.microsoft.com/office/drawing/2014/main" id="{CDB29D31-6F07-4309-A19C-701D4A125751}"/>
+              </a:ext>
+            </a:extLst>
+          </p:cNvPr>
+          <p:cNvCxnSpPr>
+            <a:cxnSpLocks/>
+          </p:cNvCxnSpPr>
+          <p:nvPr/>
+        </p:nvCxnSpPr>
+        <p:spPr>
+          <a:xfrm>
+            <a:off x="2806811" y="4579495"/>
+            <a:ext cx="435007" cy="0"/>
+          </a:xfrm>
+          <a:prstGeom prst="line">
+            <a:avLst/>
+          </a:prstGeom>
+          <a:ln w="28575">
+            <a:solidFill>
+              <a:srgbClr val="0070C0"/>
+            </a:solidFill>
+          </a:ln>
+        </p:spPr>
+        <p:style>
+          <a:lnRef idx="1">
+            <a:schemeClr val="dk1"/>
+          </a:lnRef>
+          <a:fillRef idx="0">
+            <a:schemeClr val="dk1"/>
+          </a:fillRef>
+          <a:effectRef idx="0">
+            <a:schemeClr val="dk1"/>
+          </a:effectRef>
+          <a:fontRef idx="minor">
+            <a:schemeClr val="tx1"/>
+          </a:fontRef>
+        </p:style>
+      </p:cxnSp>
+      <p:cxnSp>
+        <p:nvCxnSpPr>
+          <p:cNvPr id="71" name="Прямая соединительная линия 70">
+            <a:extLst>
+              <a:ext uri="{FF2B5EF4-FFF2-40B4-BE49-F238E27FC236}">
+                <a16:creationId xmlns:a16="http://schemas.microsoft.com/office/drawing/2014/main" id="{323E14B1-D738-4529-AF79-ECEE11EA2D5C}"/>
+              </a:ext>
+            </a:extLst>
+          </p:cNvPr>
+          <p:cNvCxnSpPr>
+            <a:cxnSpLocks/>
+          </p:cNvCxnSpPr>
+          <p:nvPr/>
+        </p:nvCxnSpPr>
+        <p:spPr>
+          <a:xfrm>
+            <a:off x="7094730" y="4579496"/>
+            <a:ext cx="435007" cy="0"/>
+          </a:xfrm>
+          <a:prstGeom prst="line">
+            <a:avLst/>
+          </a:prstGeom>
+          <a:ln w="28575">
+            <a:solidFill>
+              <a:srgbClr val="FF0000"/>
+            </a:solidFill>
+          </a:ln>
+        </p:spPr>
+        <p:style>
+          <a:lnRef idx="1">
+            <a:schemeClr val="dk1"/>
+          </a:lnRef>
+          <a:fillRef idx="0">
+            <a:schemeClr val="dk1"/>
+          </a:fillRef>
+          <a:effectRef idx="0">
+            <a:schemeClr val="dk1"/>
+          </a:effectRef>
+          <a:fontRef idx="minor">
+            <a:schemeClr val="tx1"/>
+          </a:fontRef>
+        </p:style>
+      </p:cxnSp>
+      <p:cxnSp>
+        <p:nvCxnSpPr>
+          <p:cNvPr id="59" name="Соединитель: изогнутый 58">
+            <a:extLst>
+              <a:ext uri="{FF2B5EF4-FFF2-40B4-BE49-F238E27FC236}">
+                <a16:creationId xmlns:a16="http://schemas.microsoft.com/office/drawing/2014/main" id="{0DB96A12-6119-413C-B235-8FB4FC53BC6A}"/>
+              </a:ext>
+            </a:extLst>
+          </p:cNvPr>
+          <p:cNvCxnSpPr>
+            <a:cxnSpLocks/>
+            <a:stCxn id="25" idx="2"/>
+            <a:endCxn id="58" idx="0"/>
+          </p:cNvCxnSpPr>
+          <p:nvPr/>
+        </p:nvCxnSpPr>
+        <p:spPr>
+          <a:xfrm rot="5400000">
+            <a:off x="6295136" y="2563977"/>
+            <a:ext cx="1326931" cy="1367176"/>
+          </a:xfrm>
+          <a:prstGeom prst="curvedConnector3">
+            <a:avLst>
+              <a:gd name="adj1" fmla="val 50000"/>
+            </a:avLst>
+          </a:prstGeom>
+          <a:ln w="28575">
+            <a:solidFill>
+              <a:srgbClr val="00B050"/>
+            </a:solidFill>
+            <a:tailEnd type="triangle"/>
+          </a:ln>
+          <a:effectLst>
+            <a:glow rad="63500">
+              <a:schemeClr val="accent1">
+                <a:satMod val="175000"/>
+                <a:alpha val="40000"/>
+              </a:schemeClr>
+            </a:glow>
+          </a:effectLst>
+        </p:spPr>
+        <p:style>
+          <a:lnRef idx="1">
+            <a:schemeClr val="accent1"/>
+          </a:lnRef>
+          <a:fillRef idx="0">
+            <a:schemeClr val="accent1"/>
+          </a:fillRef>
+          <a:effectRef idx="0">
+            <a:schemeClr val="accent1"/>
+          </a:effectRef>
+          <a:fontRef idx="minor">
+            <a:schemeClr val="tx1"/>
+          </a:fontRef>
+        </p:style>
+      </p:cxnSp>
+    </p:spTree>
+    <p:extLst>
+      <p:ext uri="{BB962C8B-B14F-4D97-AF65-F5344CB8AC3E}">
+        <p14:creationId xmlns:p14="http://schemas.microsoft.com/office/powerpoint/2010/main" val="1052075251"/>
+      </p:ext>
+    </p:extLst>
+  </p:cSld>
+  <p:clrMapOvr>
+    <a:masterClrMapping/>
+  </p:clrMapOvr>
+  <p:timing>
+    <p:tnLst>
+      <p:par>
+        <p:cTn id="1" dur="indefinite" restart="never" nodeType="tmRoot">
+          <p:childTnLst>
+            <p:seq concurrent="1" nextAc="seek">
+              <p:cTn id="2" dur="indefinite" nodeType="mainSeq">
+                <p:childTnLst>
+                  <p:par>
+                    <p:cTn id="3" fill="hold">
+                      <p:stCondLst>
+                        <p:cond delay="indefinite"/>
+                      </p:stCondLst>
+                      <p:childTnLst>
+                        <p:par>
+                          <p:cTn id="4" fill="hold">
+                            <p:stCondLst>
+                              <p:cond delay="0"/>
+                            </p:stCondLst>
+                            <p:childTnLst>
+                              <p:par>
+                                <p:cTn id="5" presetID="14" presetClass="exit" presetSubtype="10" fill="hold" grpId="0" nodeType="clickEffect">
+                                  <p:stCondLst>
+                                    <p:cond delay="0"/>
+                                  </p:stCondLst>
+                                  <p:childTnLst>
+                                    <p:animEffect transition="out" filter="randombar(horizontal)">
+                                      <p:cBhvr>
+                                        <p:cTn id="6" dur="500"/>
+                                        <p:tgtEl>
+                                          <p:spTgt spid="2"/>
+                                        </p:tgtEl>
+                                      </p:cBhvr>
+                                    </p:animEffect>
+                                    <p:set>
+                                      <p:cBhvr>
+                                        <p:cTn id="7" dur="1" fill="hold">
+                                          <p:stCondLst>
+                                            <p:cond delay="499"/>
+                                          </p:stCondLst>
+                                        </p:cTn>
+                                        <p:tgtEl>
+                                          <p:spTgt spid="2"/>
+                                        </p:tgtEl>
+                                        <p:attrNameLst>
+                                          <p:attrName>style.visibility</p:attrName>
+                                        </p:attrNameLst>
+                                      </p:cBhvr>
+                                      <p:to>
+                                        <p:strVal val="hidden"/>
+                                      </p:to>
+                                    </p:set>
+                                  </p:childTnLst>
+                                </p:cTn>
+                              </p:par>
+                              <p:par>
+                                <p:cTn id="8" presetID="14" presetClass="exit" presetSubtype="10" fill="hold" nodeType="withEffect">
+                                  <p:stCondLst>
+                                    <p:cond delay="0"/>
+                                  </p:stCondLst>
+                                  <p:childTnLst>
+                                    <p:animEffect transition="out" filter="randombar(horizontal)">
+                                      <p:cBhvr>
+                                        <p:cTn id="9" dur="500"/>
+                                        <p:tgtEl>
+                                          <p:spTgt spid="11"/>
+                                        </p:tgtEl>
+                                      </p:cBhvr>
+                                    </p:animEffect>
+                                    <p:set>
+                                      <p:cBhvr>
+                                        <p:cTn id="10" dur="1" fill="hold">
+                                          <p:stCondLst>
+                                            <p:cond delay="499"/>
+                                          </p:stCondLst>
+                                        </p:cTn>
+                                        <p:tgtEl>
+                                          <p:spTgt spid="11"/>
+                                        </p:tgtEl>
+                                        <p:attrNameLst>
+                                          <p:attrName>style.visibility</p:attrName>
+                                        </p:attrNameLst>
+                                      </p:cBhvr>
+                                      <p:to>
+                                        <p:strVal val="hidden"/>
+                                      </p:to>
+                                    </p:set>
+                                  </p:childTnLst>
+                                </p:cTn>
+                              </p:par>
+                              <p:par>
+                                <p:cTn id="11" presetID="14" presetClass="exit" presetSubtype="10" fill="hold" nodeType="withEffect">
+                                  <p:stCondLst>
+                                    <p:cond delay="0"/>
+                                  </p:stCondLst>
+                                  <p:childTnLst>
+                                    <p:animEffect transition="out" filter="randombar(horizontal)">
+                                      <p:cBhvr>
+                                        <p:cTn id="12" dur="500"/>
+                                        <p:tgtEl>
+                                          <p:spTgt spid="13"/>
+                                        </p:tgtEl>
+                                      </p:cBhvr>
+                                    </p:animEffect>
+                                    <p:set>
+                                      <p:cBhvr>
+                                        <p:cTn id="13" dur="1" fill="hold">
+                                          <p:stCondLst>
+                                            <p:cond delay="499"/>
+                                          </p:stCondLst>
+                                        </p:cTn>
+                                        <p:tgtEl>
+                                          <p:spTgt spid="13"/>
+                                        </p:tgtEl>
+                                        <p:attrNameLst>
+                                          <p:attrName>style.visibility</p:attrName>
+                                        </p:attrNameLst>
+                                      </p:cBhvr>
+                                      <p:to>
+                                        <p:strVal val="hidden"/>
+                                      </p:to>
+                                    </p:set>
+                                  </p:childTnLst>
+                                </p:cTn>
+                              </p:par>
+                              <p:par>
+                                <p:cTn id="14" presetID="14" presetClass="exit" presetSubtype="10" fill="hold" grpId="0" nodeType="withEffect">
+                                  <p:stCondLst>
+                                    <p:cond delay="0"/>
+                                  </p:stCondLst>
+                                  <p:childTnLst>
+                                    <p:animEffect transition="out" filter="randombar(horizontal)">
+                                      <p:cBhvr>
+                                        <p:cTn id="15" dur="500"/>
+                                        <p:tgtEl>
+                                          <p:spTgt spid="15"/>
+                                        </p:tgtEl>
+                                      </p:cBhvr>
+                                    </p:animEffect>
+                                    <p:set>
+                                      <p:cBhvr>
+                                        <p:cTn id="16" dur="1" fill="hold">
+                                          <p:stCondLst>
+                                            <p:cond delay="499"/>
+                                          </p:stCondLst>
+                                        </p:cTn>
+                                        <p:tgtEl>
+                                          <p:spTgt spid="15"/>
+                                        </p:tgtEl>
+                                        <p:attrNameLst>
+                                          <p:attrName>style.visibility</p:attrName>
+                                        </p:attrNameLst>
+                                      </p:cBhvr>
+                                      <p:to>
+                                        <p:strVal val="hidden"/>
+                                      </p:to>
+                                    </p:set>
+                                  </p:childTnLst>
+                                </p:cTn>
+                              </p:par>
+                              <p:par>
+                                <p:cTn id="17" presetID="14" presetClass="exit" presetSubtype="10" fill="hold" nodeType="withEffect">
+                                  <p:stCondLst>
+                                    <p:cond delay="0"/>
+                                  </p:stCondLst>
+                                  <p:childTnLst>
+                                    <p:animEffect transition="out" filter="randombar(horizontal)">
+                                      <p:cBhvr>
+                                        <p:cTn id="18" dur="500"/>
+                                        <p:tgtEl>
+                                          <p:spTgt spid="16"/>
+                                        </p:tgtEl>
+                                      </p:cBhvr>
+                                    </p:animEffect>
+                                    <p:set>
+                                      <p:cBhvr>
+                                        <p:cTn id="19" dur="1" fill="hold">
+                                          <p:stCondLst>
+                                            <p:cond delay="499"/>
+                                          </p:stCondLst>
+                                        </p:cTn>
+                                        <p:tgtEl>
+                                          <p:spTgt spid="16"/>
+                                        </p:tgtEl>
+                                        <p:attrNameLst>
+                                          <p:attrName>style.visibility</p:attrName>
+                                        </p:attrNameLst>
+                                      </p:cBhvr>
+                                      <p:to>
+                                        <p:strVal val="hidden"/>
+                                      </p:to>
+                                    </p:set>
+                                  </p:childTnLst>
+                                </p:cTn>
+                              </p:par>
+                              <p:par>
+                                <p:cTn id="20" presetID="14" presetClass="exit" presetSubtype="10" fill="hold" grpId="0" nodeType="withEffect">
+                                  <p:stCondLst>
+                                    <p:cond delay="0"/>
+                                  </p:stCondLst>
+                                  <p:childTnLst>
+                                    <p:animEffect transition="out" filter="randombar(horizontal)">
+                                      <p:cBhvr>
+                                        <p:cTn id="21" dur="500"/>
+                                        <p:tgtEl>
+                                          <p:spTgt spid="21"/>
+                                        </p:tgtEl>
+                                      </p:cBhvr>
+                                    </p:animEffect>
+                                    <p:set>
+                                      <p:cBhvr>
+                                        <p:cTn id="22" dur="1" fill="hold">
+                                          <p:stCondLst>
+                                            <p:cond delay="499"/>
+                                          </p:stCondLst>
+                                        </p:cTn>
+                                        <p:tgtEl>
+                                          <p:spTgt spid="21"/>
+                                        </p:tgtEl>
+                                        <p:attrNameLst>
+                                          <p:attrName>style.visibility</p:attrName>
+                                        </p:attrNameLst>
+                                      </p:cBhvr>
+                                      <p:to>
+                                        <p:strVal val="hidden"/>
+                                      </p:to>
+                                    </p:set>
+                                  </p:childTnLst>
+                                </p:cTn>
+                              </p:par>
+                              <p:par>
+                                <p:cTn id="23" presetID="14" presetClass="exit" presetSubtype="10" fill="hold" grpId="0" nodeType="withEffect">
+                                  <p:stCondLst>
+                                    <p:cond delay="0"/>
+                                  </p:stCondLst>
+                                  <p:childTnLst>
+                                    <p:animEffect transition="out" filter="randombar(horizontal)">
+                                      <p:cBhvr>
+                                        <p:cTn id="24" dur="500"/>
+                                        <p:tgtEl>
+                                          <p:spTgt spid="19"/>
+                                        </p:tgtEl>
+                                      </p:cBhvr>
+                                    </p:animEffect>
+                                    <p:set>
+                                      <p:cBhvr>
+                                        <p:cTn id="25" dur="1" fill="hold">
+                                          <p:stCondLst>
+                                            <p:cond delay="499"/>
+                                          </p:stCondLst>
+                                        </p:cTn>
+                                        <p:tgtEl>
+                                          <p:spTgt spid="19"/>
+                                        </p:tgtEl>
+                                        <p:attrNameLst>
+                                          <p:attrName>style.visibility</p:attrName>
+                                        </p:attrNameLst>
+                                      </p:cBhvr>
+                                      <p:to>
+                                        <p:strVal val="hidden"/>
+                                      </p:to>
+                                    </p:set>
+                                  </p:childTnLst>
+                                </p:cTn>
+                              </p:par>
+                              <p:par>
+                                <p:cTn id="26" presetID="14" presetClass="exit" presetSubtype="10" fill="hold" grpId="0" nodeType="withEffect">
+                                  <p:stCondLst>
+                                    <p:cond delay="0"/>
+                                  </p:stCondLst>
+                                  <p:childTnLst>
+                                    <p:animEffect transition="out" filter="randombar(horizontal)">
+                                      <p:cBhvr>
+                                        <p:cTn id="27" dur="500"/>
+                                        <p:tgtEl>
+                                          <p:spTgt spid="22"/>
+                                        </p:tgtEl>
+                                      </p:cBhvr>
+                                    </p:animEffect>
+                                    <p:set>
+                                      <p:cBhvr>
+                                        <p:cTn id="28" dur="1" fill="hold">
+                                          <p:stCondLst>
+                                            <p:cond delay="499"/>
+                                          </p:stCondLst>
+                                        </p:cTn>
+                                        <p:tgtEl>
+                                          <p:spTgt spid="22"/>
+                                        </p:tgtEl>
+                                        <p:attrNameLst>
+                                          <p:attrName>style.visibility</p:attrName>
+                                        </p:attrNameLst>
+                                      </p:cBhvr>
+                                      <p:to>
+                                        <p:strVal val="hidden"/>
+                                      </p:to>
+                                    </p:set>
+                                  </p:childTnLst>
+                                </p:cTn>
+                              </p:par>
+                              <p:par>
+                                <p:cTn id="29" presetID="14" presetClass="exit" presetSubtype="10" fill="hold" grpId="0" nodeType="withEffect">
+                                  <p:stCondLst>
+                                    <p:cond delay="0"/>
+                                  </p:stCondLst>
+                                  <p:childTnLst>
+                                    <p:animEffect transition="out" filter="randombar(horizontal)">
+                                      <p:cBhvr>
+                                        <p:cTn id="30" dur="500"/>
+                                        <p:tgtEl>
+                                          <p:spTgt spid="25"/>
+                                        </p:tgtEl>
+                                      </p:cBhvr>
+                                    </p:animEffect>
+                                    <p:set>
+                                      <p:cBhvr>
+                                        <p:cTn id="31" dur="1" fill="hold">
+                                          <p:stCondLst>
+                                            <p:cond delay="499"/>
+                                          </p:stCondLst>
+                                        </p:cTn>
+                                        <p:tgtEl>
+                                          <p:spTgt spid="25"/>
+                                        </p:tgtEl>
+                                        <p:attrNameLst>
+                                          <p:attrName>style.visibility</p:attrName>
+                                        </p:attrNameLst>
+                                      </p:cBhvr>
+                                      <p:to>
+                                        <p:strVal val="hidden"/>
+                                      </p:to>
+                                    </p:set>
+                                  </p:childTnLst>
+                                </p:cTn>
+                              </p:par>
+                              <p:par>
+                                <p:cTn id="32" presetID="14" presetClass="exit" presetSubtype="10" fill="hold" nodeType="withEffect">
+                                  <p:stCondLst>
+                                    <p:cond delay="0"/>
+                                  </p:stCondLst>
+                                  <p:childTnLst>
+                                    <p:animEffect transition="out" filter="randombar(horizontal)">
+                                      <p:cBhvr>
+                                        <p:cTn id="33" dur="500"/>
+                                        <p:tgtEl>
+                                          <p:spTgt spid="26"/>
+                                        </p:tgtEl>
+                                      </p:cBhvr>
+                                    </p:animEffect>
+                                    <p:set>
+                                      <p:cBhvr>
+                                        <p:cTn id="34" dur="1" fill="hold">
+                                          <p:stCondLst>
+                                            <p:cond delay="499"/>
+                                          </p:stCondLst>
+                                        </p:cTn>
+                                        <p:tgtEl>
+                                          <p:spTgt spid="26"/>
+                                        </p:tgtEl>
+                                        <p:attrNameLst>
+                                          <p:attrName>style.visibility</p:attrName>
+                                        </p:attrNameLst>
+                                      </p:cBhvr>
+                                      <p:to>
+                                        <p:strVal val="hidden"/>
+                                      </p:to>
+                                    </p:set>
+                                  </p:childTnLst>
+                                </p:cTn>
+                              </p:par>
+                              <p:par>
+                                <p:cTn id="35" presetID="14" presetClass="exit" presetSubtype="10" fill="hold" grpId="0" nodeType="withEffect">
+                                  <p:stCondLst>
+                                    <p:cond delay="0"/>
+                                  </p:stCondLst>
+                                  <p:childTnLst>
+                                    <p:animEffect transition="out" filter="randombar(horizontal)">
+                                      <p:cBhvr>
+                                        <p:cTn id="36" dur="500"/>
+                                        <p:tgtEl>
+                                          <p:spTgt spid="46"/>
+                                        </p:tgtEl>
+                                      </p:cBhvr>
+                                    </p:animEffect>
+                                    <p:set>
+                                      <p:cBhvr>
+                                        <p:cTn id="37" dur="1" fill="hold">
+                                          <p:stCondLst>
+                                            <p:cond delay="499"/>
+                                          </p:stCondLst>
+                                        </p:cTn>
+                                        <p:tgtEl>
+                                          <p:spTgt spid="46"/>
+                                        </p:tgtEl>
+                                        <p:attrNameLst>
+                                          <p:attrName>style.visibility</p:attrName>
+                                        </p:attrNameLst>
+                                      </p:cBhvr>
+                                      <p:to>
+                                        <p:strVal val="hidden"/>
+                                      </p:to>
+                                    </p:set>
+                                  </p:childTnLst>
+                                </p:cTn>
+                              </p:par>
+                              <p:par>
+                                <p:cTn id="38" presetID="14" presetClass="exit" presetSubtype="10" fill="hold" nodeType="withEffect">
+                                  <p:stCondLst>
+                                    <p:cond delay="0"/>
+                                  </p:stCondLst>
+                                  <p:childTnLst>
+                                    <p:animEffect transition="out" filter="randombar(horizontal)">
+                                      <p:cBhvr>
+                                        <p:cTn id="39" dur="500"/>
+                                        <p:tgtEl>
+                                          <p:spTgt spid="54"/>
+                                        </p:tgtEl>
+                                      </p:cBhvr>
+                                    </p:animEffect>
+                                    <p:set>
+                                      <p:cBhvr>
+                                        <p:cTn id="40" dur="1" fill="hold">
+                                          <p:stCondLst>
+                                            <p:cond delay="499"/>
+                                          </p:stCondLst>
+                                        </p:cTn>
+                                        <p:tgtEl>
+                                          <p:spTgt spid="54"/>
+                                        </p:tgtEl>
+                                        <p:attrNameLst>
+                                          <p:attrName>style.visibility</p:attrName>
+                                        </p:attrNameLst>
+                                      </p:cBhvr>
+                                      <p:to>
+                                        <p:strVal val="hidden"/>
+                                      </p:to>
+                                    </p:set>
+                                  </p:childTnLst>
+                                </p:cTn>
+                              </p:par>
+                              <p:par>
+                                <p:cTn id="41" presetID="14" presetClass="exit" presetSubtype="10" fill="hold" grpId="0" nodeType="withEffect">
+                                  <p:stCondLst>
+                                    <p:cond delay="0"/>
+                                  </p:stCondLst>
+                                  <p:childTnLst>
+                                    <p:animEffect transition="out" filter="randombar(horizontal)">
+                                      <p:cBhvr>
+                                        <p:cTn id="42" dur="500"/>
+                                        <p:tgtEl>
+                                          <p:spTgt spid="58"/>
+                                        </p:tgtEl>
+                                      </p:cBhvr>
+                                    </p:animEffect>
+                                    <p:set>
+                                      <p:cBhvr>
+                                        <p:cTn id="43" dur="1" fill="hold">
+                                          <p:stCondLst>
+                                            <p:cond delay="499"/>
+                                          </p:stCondLst>
+                                        </p:cTn>
+                                        <p:tgtEl>
+                                          <p:spTgt spid="58"/>
+                                        </p:tgtEl>
+                                        <p:attrNameLst>
+                                          <p:attrName>style.visibility</p:attrName>
+                                        </p:attrNameLst>
+                                      </p:cBhvr>
+                                      <p:to>
+                                        <p:strVal val="hidden"/>
+                                      </p:to>
+                                    </p:set>
+                                  </p:childTnLst>
+                                </p:cTn>
+                              </p:par>
+                              <p:par>
+                                <p:cTn id="44" presetID="14" presetClass="exit" presetSubtype="10" fill="hold" grpId="0" nodeType="withEffect">
+                                  <p:stCondLst>
+                                    <p:cond delay="0"/>
+                                  </p:stCondLst>
+                                  <p:childTnLst>
+                                    <p:animEffect transition="out" filter="randombar(horizontal)">
+                                      <p:cBhvr>
+                                        <p:cTn id="45" dur="500"/>
+                                        <p:tgtEl>
+                                          <p:spTgt spid="62"/>
+                                        </p:tgtEl>
+                                      </p:cBhvr>
+                                    </p:animEffect>
+                                    <p:set>
+                                      <p:cBhvr>
+                                        <p:cTn id="46" dur="1" fill="hold">
+                                          <p:stCondLst>
+                                            <p:cond delay="499"/>
+                                          </p:stCondLst>
+                                        </p:cTn>
+                                        <p:tgtEl>
+                                          <p:spTgt spid="62"/>
+                                        </p:tgtEl>
+                                        <p:attrNameLst>
+                                          <p:attrName>style.visibility</p:attrName>
+                                        </p:attrNameLst>
+                                      </p:cBhvr>
+                                      <p:to>
+                                        <p:strVal val="hidden"/>
+                                      </p:to>
+                                    </p:set>
+                                  </p:childTnLst>
+                                </p:cTn>
+                              </p:par>
+                              <p:par>
+                                <p:cTn id="47" presetID="14" presetClass="exit" presetSubtype="10" fill="hold" nodeType="withEffect">
+                                  <p:stCondLst>
+                                    <p:cond delay="0"/>
+                                  </p:stCondLst>
+                                  <p:childTnLst>
+                                    <p:animEffect transition="out" filter="randombar(horizontal)">
+                                      <p:cBhvr>
+                                        <p:cTn id="48" dur="500"/>
+                                        <p:tgtEl>
+                                          <p:spTgt spid="64"/>
+                                        </p:tgtEl>
+                                      </p:cBhvr>
+                                    </p:animEffect>
+                                    <p:set>
+                                      <p:cBhvr>
+                                        <p:cTn id="49" dur="1" fill="hold">
+                                          <p:stCondLst>
+                                            <p:cond delay="499"/>
+                                          </p:stCondLst>
+                                        </p:cTn>
+                                        <p:tgtEl>
+                                          <p:spTgt spid="64"/>
+                                        </p:tgtEl>
+                                        <p:attrNameLst>
+                                          <p:attrName>style.visibility</p:attrName>
+                                        </p:attrNameLst>
+                                      </p:cBhvr>
+                                      <p:to>
+                                        <p:strVal val="hidden"/>
+                                      </p:to>
+                                    </p:set>
+                                  </p:childTnLst>
+                                </p:cTn>
+                              </p:par>
+                              <p:par>
+                                <p:cTn id="50" presetID="14" presetClass="exit" presetSubtype="10" fill="hold" nodeType="withEffect">
+                                  <p:stCondLst>
+                                    <p:cond delay="0"/>
+                                  </p:stCondLst>
+                                  <p:childTnLst>
+                                    <p:animEffect transition="out" filter="randombar(horizontal)">
+                                      <p:cBhvr>
+                                        <p:cTn id="51" dur="500"/>
+                                        <p:tgtEl>
+                                          <p:spTgt spid="68"/>
+                                        </p:tgtEl>
+                                      </p:cBhvr>
+                                    </p:animEffect>
+                                    <p:set>
+                                      <p:cBhvr>
+                                        <p:cTn id="52" dur="1" fill="hold">
+                                          <p:stCondLst>
+                                            <p:cond delay="499"/>
+                                          </p:stCondLst>
+                                        </p:cTn>
+                                        <p:tgtEl>
+                                          <p:spTgt spid="68"/>
+                                        </p:tgtEl>
+                                        <p:attrNameLst>
+                                          <p:attrName>style.visibility</p:attrName>
+                                        </p:attrNameLst>
+                                      </p:cBhvr>
+                                      <p:to>
+                                        <p:strVal val="hidden"/>
+                                      </p:to>
+                                    </p:set>
+                                  </p:childTnLst>
+                                </p:cTn>
+                              </p:par>
+                              <p:par>
+                                <p:cTn id="53" presetID="14" presetClass="exit" presetSubtype="10" fill="hold" nodeType="withEffect">
+                                  <p:stCondLst>
+                                    <p:cond delay="0"/>
+                                  </p:stCondLst>
+                                  <p:childTnLst>
+                                    <p:animEffect transition="out" filter="randombar(horizontal)">
+                                      <p:cBhvr>
+                                        <p:cTn id="54" dur="500"/>
+                                        <p:tgtEl>
+                                          <p:spTgt spid="69"/>
+                                        </p:tgtEl>
+                                      </p:cBhvr>
+                                    </p:animEffect>
+                                    <p:set>
+                                      <p:cBhvr>
+                                        <p:cTn id="55" dur="1" fill="hold">
+                                          <p:stCondLst>
+                                            <p:cond delay="499"/>
+                                          </p:stCondLst>
+                                        </p:cTn>
+                                        <p:tgtEl>
+                                          <p:spTgt spid="69"/>
+                                        </p:tgtEl>
+                                        <p:attrNameLst>
+                                          <p:attrName>style.visibility</p:attrName>
+                                        </p:attrNameLst>
+                                      </p:cBhvr>
+                                      <p:to>
+                                        <p:strVal val="hidden"/>
+                                      </p:to>
+                                    </p:set>
+                                  </p:childTnLst>
+                                </p:cTn>
+                              </p:par>
+                              <p:par>
+                                <p:cTn id="56" presetID="14" presetClass="exit" presetSubtype="10" fill="hold" nodeType="withEffect">
+                                  <p:stCondLst>
+                                    <p:cond delay="0"/>
+                                  </p:stCondLst>
+                                  <p:childTnLst>
+                                    <p:animEffect transition="out" filter="randombar(horizontal)">
+                                      <p:cBhvr>
+                                        <p:cTn id="57" dur="500"/>
+                                        <p:tgtEl>
+                                          <p:spTgt spid="70"/>
+                                        </p:tgtEl>
+                                      </p:cBhvr>
+                                    </p:animEffect>
+                                    <p:set>
+                                      <p:cBhvr>
+                                        <p:cTn id="58" dur="1" fill="hold">
+                                          <p:stCondLst>
+                                            <p:cond delay="499"/>
+                                          </p:stCondLst>
+                                        </p:cTn>
+                                        <p:tgtEl>
+                                          <p:spTgt spid="70"/>
+                                        </p:tgtEl>
+                                        <p:attrNameLst>
+                                          <p:attrName>style.visibility</p:attrName>
+                                        </p:attrNameLst>
+                                      </p:cBhvr>
+                                      <p:to>
+                                        <p:strVal val="hidden"/>
+                                      </p:to>
+                                    </p:set>
+                                  </p:childTnLst>
+                                </p:cTn>
+                              </p:par>
+                              <p:par>
+                                <p:cTn id="59" presetID="14" presetClass="exit" presetSubtype="10" fill="hold" nodeType="withEffect">
+                                  <p:stCondLst>
+                                    <p:cond delay="0"/>
+                                  </p:stCondLst>
+                                  <p:childTnLst>
+                                    <p:animEffect transition="out" filter="randombar(horizontal)">
+                                      <p:cBhvr>
+                                        <p:cTn id="60" dur="500"/>
+                                        <p:tgtEl>
+                                          <p:spTgt spid="71"/>
+                                        </p:tgtEl>
+                                      </p:cBhvr>
+                                    </p:animEffect>
+                                    <p:set>
+                                      <p:cBhvr>
+                                        <p:cTn id="61" dur="1" fill="hold">
+                                          <p:stCondLst>
+                                            <p:cond delay="499"/>
+                                          </p:stCondLst>
+                                        </p:cTn>
+                                        <p:tgtEl>
+                                          <p:spTgt spid="71"/>
+                                        </p:tgtEl>
+                                        <p:attrNameLst>
+                                          <p:attrName>style.visibility</p:attrName>
+                                        </p:attrNameLst>
+                                      </p:cBhvr>
+                                      <p:to>
+                                        <p:strVal val="hidden"/>
+                                      </p:to>
+                                    </p:set>
+                                  </p:childTnLst>
+                                </p:cTn>
+                              </p:par>
+                              <p:par>
+                                <p:cTn id="62" presetID="14" presetClass="exit" presetSubtype="10" fill="hold" nodeType="withEffect">
+                                  <p:stCondLst>
+                                    <p:cond delay="0"/>
+                                  </p:stCondLst>
+                                  <p:childTnLst>
+                                    <p:animEffect transition="out" filter="randombar(horizontal)">
+                                      <p:cBhvr>
+                                        <p:cTn id="63" dur="500"/>
+                                        <p:tgtEl>
+                                          <p:spTgt spid="59"/>
+                                        </p:tgtEl>
+                                      </p:cBhvr>
+                                    </p:animEffect>
+                                    <p:set>
+                                      <p:cBhvr>
+                                        <p:cTn id="64" dur="1" fill="hold">
+                                          <p:stCondLst>
+                                            <p:cond delay="499"/>
+                                          </p:stCondLst>
+                                        </p:cTn>
+                                        <p:tgtEl>
+                                          <p:spTgt spid="59"/>
+                                        </p:tgtEl>
+                                        <p:attrNameLst>
+                                          <p:attrName>style.visibility</p:attrName>
+                                        </p:attrNameLst>
+                                      </p:cBhvr>
+                                      <p:to>
+                                        <p:strVal val="hidden"/>
+                                      </p:to>
+                                    </p:set>
+                                  </p:childTnLst>
+                                </p:cTn>
+                              </p:par>
+                            </p:childTnLst>
+                          </p:cTn>
+                        </p:par>
+                      </p:childTnLst>
+                    </p:cTn>
+                  </p:par>
+                </p:childTnLst>
+              </p:cTn>
+              <p:prevCondLst>
+                <p:cond evt="onPrev" delay="0">
+                  <p:tgtEl>
+                    <p:sldTgt/>
+                  </p:tgtEl>
+                </p:cond>
+              </p:prevCondLst>
+              <p:nextCondLst>
+                <p:cond evt="onNext" delay="0">
+                  <p:tgtEl>
+                    <p:sldTgt/>
+                  </p:tgtEl>
+                </p:cond>
+              </p:nextCondLst>
+            </p:seq>
+          </p:childTnLst>
+        </p:cTn>
+      </p:par>
+    </p:tnLst>
+    <p:bldLst>
+      <p:bldP spid="2" grpId="0"/>
+      <p:bldP spid="15" grpId="0" animBg="1"/>
+      <p:bldP spid="21" grpId="0" animBg="1"/>
+      <p:bldP spid="19" grpId="0" animBg="1"/>
+      <p:bldP spid="22" grpId="0"/>
+      <p:bldP spid="25" grpId="0" animBg="1"/>
+      <p:bldP spid="46" grpId="0"/>
+      <p:bldP spid="58" grpId="0" animBg="1"/>
+      <p:bldP spid="62" grpId="0" animBg="1"/>
+    </p:bldLst>
+  </p:timing>
+</p:sld>
+</file>
+
+<file path=ppt/slides/slide11.xml><?xml version="1.0" encoding="utf-8"?>
+<p:sld xmlns:a="http://schemas.openxmlformats.org/drawingml/2006/main" xmlns:r="http://schemas.openxmlformats.org/officeDocument/2006/relationships" xmlns:p="http://schemas.openxmlformats.org/presentationml/2006/main">
+  <p:cSld>
+    <p:spTree>
+      <p:nvGrpSpPr>
+        <p:cNvPr id="1" name=""/>
+        <p:cNvGrpSpPr/>
+        <p:nvPr/>
+      </p:nvGrpSpPr>
+      <p:grpSpPr>
+        <a:xfrm>
+          <a:off x="0" y="0"/>
+          <a:ext cx="0" cy="0"/>
+          <a:chOff x="0" y="0"/>
+          <a:chExt cx="0" cy="0"/>
+        </a:xfrm>
+      </p:grpSpPr>
+      <p:sp>
+        <p:nvSpPr>
+          <p:cNvPr id="2" name="Заголовок 1">
+            <a:extLst>
+              <a:ext uri="{FF2B5EF4-FFF2-40B4-BE49-F238E27FC236}">
+                <a16:creationId xmlns:a16="http://schemas.microsoft.com/office/drawing/2014/main" id="{D579B1CC-5619-4A05-801A-EBF944BA2BF6}"/>
+              </a:ext>
+            </a:extLst>
+          </p:cNvPr>
+          <p:cNvSpPr>
+            <a:spLocks noGrp="1"/>
+          </p:cNvSpPr>
+          <p:nvPr>
+            <p:ph type="title"/>
+          </p:nvPr>
+        </p:nvSpPr>
+        <p:spPr>
+          <a:xfrm>
+            <a:off x="3741635" y="2042016"/>
+            <a:ext cx="6119916" cy="322391"/>
+          </a:xfrm>
+          <a:scene3d>
+            <a:camera prst="orthographicFront">
+              <a:rot lat="1800000" lon="1800000" rev="0"/>
+            </a:camera>
+            <a:lightRig rig="threePt" dir="t"/>
+          </a:scene3d>
+        </p:spPr>
+        <p:txBody>
+          <a:bodyPr>
+            <a:noAutofit/>
+          </a:bodyPr>
+          <a:lstStyle/>
+          <a:p>
+            <a:r>
+              <a:rPr lang="ru-RU" sz="2000" dirty="0"/>
+              <a:t>Агрегация</a:t>
+            </a:r>
+          </a:p>
+        </p:txBody>
+      </p:sp>
+      <p:pic>
+        <p:nvPicPr>
+          <p:cNvPr id="11" name="Рисунок 10">
+            <a:extLst>
+              <a:ext uri="{FF2B5EF4-FFF2-40B4-BE49-F238E27FC236}">
+                <a16:creationId xmlns:a16="http://schemas.microsoft.com/office/drawing/2014/main" id="{8ACFD1FD-8A59-4699-AFA1-F288C71AA139}"/>
+              </a:ext>
+            </a:extLst>
+          </p:cNvPr>
+          <p:cNvPicPr>
+            <a:picLocks noChangeAspect="1"/>
+          </p:cNvPicPr>
+          <p:nvPr/>
+        </p:nvPicPr>
+        <p:blipFill>
+          <a:blip r:embed="rId2"/>
+          <a:stretch>
+            <a:fillRect/>
+          </a:stretch>
+        </p:blipFill>
+        <p:spPr>
+          <a:xfrm>
+            <a:off x="4117436" y="1997063"/>
+            <a:ext cx="1894601" cy="139817"/>
+          </a:xfrm>
+          <a:prstGeom prst="rect">
+            <a:avLst/>
+          </a:prstGeom>
+          <a:scene3d>
+            <a:camera prst="orthographicFront">
+              <a:rot lat="1800000" lon="1800000" rev="0"/>
+            </a:camera>
+            <a:lightRig rig="threePt" dir="t"/>
+          </a:scene3d>
+        </p:spPr>
+      </p:pic>
+      <p:pic>
+        <p:nvPicPr>
+          <p:cNvPr id="13" name="Рисунок 12">
+            <a:extLst>
+              <a:ext uri="{FF2B5EF4-FFF2-40B4-BE49-F238E27FC236}">
+                <a16:creationId xmlns:a16="http://schemas.microsoft.com/office/drawing/2014/main" id="{E9AF7EA7-24A0-4919-A160-B6682A389869}"/>
+              </a:ext>
+            </a:extLst>
+          </p:cNvPr>
+          <p:cNvPicPr>
+            <a:picLocks noChangeAspect="1"/>
+          </p:cNvPicPr>
+          <p:nvPr/>
+        </p:nvPicPr>
+        <p:blipFill>
+          <a:blip r:embed="rId3"/>
+          <a:stretch>
+            <a:fillRect/>
+          </a:stretch>
+        </p:blipFill>
+        <p:spPr>
+          <a:xfrm>
+            <a:off x="4796188" y="2237485"/>
+            <a:ext cx="711701" cy="1150159"/>
+          </a:xfrm>
+          <a:prstGeom prst="rect">
+            <a:avLst/>
+          </a:prstGeom>
+          <a:scene3d>
+            <a:camera prst="orthographicFront">
+              <a:rot lat="1800000" lon="1800000" rev="0"/>
+            </a:camera>
+            <a:lightRig rig="threePt" dir="t"/>
+          </a:scene3d>
+        </p:spPr>
+      </p:pic>
+      <p:sp>
+        <p:nvSpPr>
+          <p:cNvPr id="15" name="Прямоугольник 14">
+            <a:extLst>
+              <a:ext uri="{FF2B5EF4-FFF2-40B4-BE49-F238E27FC236}">
+                <a16:creationId xmlns:a16="http://schemas.microsoft.com/office/drawing/2014/main" id="{C7F8511F-5909-4444-ADC6-40C6839CDF9E}"/>
+              </a:ext>
+            </a:extLst>
+          </p:cNvPr>
+          <p:cNvSpPr/>
+          <p:nvPr/>
+        </p:nvSpPr>
+        <p:spPr>
+          <a:xfrm>
+            <a:off x="4766663" y="2224637"/>
+            <a:ext cx="771253" cy="1150159"/>
+          </a:xfrm>
+          <a:prstGeom prst="rect">
+            <a:avLst/>
+          </a:prstGeom>
+          <a:noFill/>
+          <a:ln w="76200">
+            <a:solidFill>
+              <a:schemeClr val="accent1">
+                <a:lumMod val="60000"/>
+                <a:lumOff val="40000"/>
+              </a:schemeClr>
+            </a:solidFill>
+          </a:ln>
+          <a:scene3d>
+            <a:camera prst="orthographicFront">
+              <a:rot lat="1800000" lon="1800000" rev="0"/>
+            </a:camera>
+            <a:lightRig rig="threePt" dir="t"/>
+          </a:scene3d>
+        </p:spPr>
+        <p:style>
+          <a:lnRef idx="2">
+            <a:schemeClr val="accent1">
+              <a:shade val="50000"/>
+            </a:schemeClr>
+          </a:lnRef>
+          <a:fillRef idx="1">
+            <a:schemeClr val="accent1"/>
+          </a:fillRef>
+          <a:effectRef idx="0">
+            <a:schemeClr val="accent1"/>
+          </a:effectRef>
+          <a:fontRef idx="minor">
+            <a:schemeClr val="lt1"/>
+          </a:fontRef>
+        </p:style>
+        <p:txBody>
+          <a:bodyPr rtlCol="0" anchor="ctr"/>
+          <a:lstStyle/>
+          <a:p>
+            <a:pPr algn="ctr"/>
+            <a:endParaRPr lang="ru-RU"/>
+          </a:p>
+        </p:txBody>
+      </p:sp>
+      <p:pic>
+        <p:nvPicPr>
+          <p:cNvPr id="16" name="Рисунок 15">
+            <a:extLst>
+              <a:ext uri="{FF2B5EF4-FFF2-40B4-BE49-F238E27FC236}">
+                <a16:creationId xmlns:a16="http://schemas.microsoft.com/office/drawing/2014/main" id="{B4A4C056-3F45-4A37-AAF7-A271768B6465}"/>
+              </a:ext>
+            </a:extLst>
+          </p:cNvPr>
+          <p:cNvPicPr>
+            <a:picLocks noChangeAspect="1"/>
+          </p:cNvPicPr>
+          <p:nvPr/>
+        </p:nvPicPr>
+        <p:blipFill>
+          <a:blip r:embed="rId4"/>
+          <a:stretch>
+            <a:fillRect/>
+          </a:stretch>
+        </p:blipFill>
+        <p:spPr>
+          <a:xfrm>
+            <a:off x="5460591" y="2586484"/>
+            <a:ext cx="1599307" cy="1164021"/>
+          </a:xfrm>
+          <a:prstGeom prst="rect">
+            <a:avLst/>
+          </a:prstGeom>
+          <a:scene3d>
+            <a:camera prst="orthographicFront">
+              <a:rot lat="1800000" lon="1800000" rev="0"/>
+            </a:camera>
+            <a:lightRig rig="threePt" dir="t"/>
+          </a:scene3d>
+        </p:spPr>
+      </p:pic>
+      <p:sp>
+        <p:nvSpPr>
+          <p:cNvPr id="21" name="Прямоугольник 20">
+            <a:extLst>
+              <a:ext uri="{FF2B5EF4-FFF2-40B4-BE49-F238E27FC236}">
+                <a16:creationId xmlns:a16="http://schemas.microsoft.com/office/drawing/2014/main" id="{640ABE35-872E-4876-87C2-F8C9F5C10F64}"/>
+              </a:ext>
+            </a:extLst>
+          </p:cNvPr>
+          <p:cNvSpPr/>
+          <p:nvPr/>
+        </p:nvSpPr>
+        <p:spPr>
+          <a:xfrm>
+            <a:off x="5441586" y="2596416"/>
+            <a:ext cx="1618312" cy="1150159"/>
+          </a:xfrm>
+          <a:prstGeom prst="rect">
+            <a:avLst/>
+          </a:prstGeom>
+          <a:noFill/>
+          <a:ln w="76200">
+            <a:solidFill>
+              <a:schemeClr val="accent1">
+                <a:lumMod val="60000"/>
+                <a:lumOff val="40000"/>
+              </a:schemeClr>
+            </a:solidFill>
+          </a:ln>
+          <a:scene3d>
+            <a:camera prst="orthographicFront">
+              <a:rot lat="1800000" lon="1800000" rev="0"/>
+            </a:camera>
+            <a:lightRig rig="threePt" dir="t"/>
+          </a:scene3d>
+        </p:spPr>
+        <p:style>
+          <a:lnRef idx="2">
+            <a:schemeClr val="accent1">
+              <a:shade val="50000"/>
+            </a:schemeClr>
+          </a:lnRef>
+          <a:fillRef idx="1">
+            <a:schemeClr val="accent1"/>
+          </a:fillRef>
+          <a:effectRef idx="0">
+            <a:schemeClr val="accent1"/>
+          </a:effectRef>
+          <a:fontRef idx="minor">
+            <a:schemeClr val="lt1"/>
+          </a:fontRef>
+        </p:style>
+        <p:txBody>
+          <a:bodyPr rtlCol="0" anchor="ctr"/>
+          <a:lstStyle/>
+          <a:p>
+            <a:pPr algn="ctr"/>
+            <a:endParaRPr lang="ru-RU"/>
+          </a:p>
+        </p:txBody>
+      </p:sp>
+      <p:sp>
+        <p:nvSpPr>
+          <p:cNvPr id="19" name="Прямоугольник 18">
+            <a:extLst>
+              <a:ext uri="{FF2B5EF4-FFF2-40B4-BE49-F238E27FC236}">
+                <a16:creationId xmlns:a16="http://schemas.microsoft.com/office/drawing/2014/main" id="{E4A2D469-4A90-4EE1-A122-25B6E21CD7AE}"/>
+              </a:ext>
+            </a:extLst>
+          </p:cNvPr>
+          <p:cNvSpPr/>
+          <p:nvPr/>
+        </p:nvSpPr>
+        <p:spPr>
+          <a:xfrm flipH="1">
+            <a:off x="6235421" y="2622148"/>
+            <a:ext cx="620466" cy="1150159"/>
+          </a:xfrm>
+          <a:prstGeom prst="rect">
+            <a:avLst/>
+          </a:prstGeom>
+          <a:noFill/>
+          <a:ln w="76200">
+            <a:solidFill>
+              <a:srgbClr val="92D050"/>
+            </a:solidFill>
+          </a:ln>
+          <a:scene3d>
+            <a:camera prst="orthographicFront">
+              <a:rot lat="1800000" lon="1800000" rev="0"/>
+            </a:camera>
+            <a:lightRig rig="threePt" dir="t"/>
+          </a:scene3d>
+        </p:spPr>
+        <p:style>
+          <a:lnRef idx="2">
+            <a:schemeClr val="accent1">
+              <a:shade val="50000"/>
+            </a:schemeClr>
+          </a:lnRef>
+          <a:fillRef idx="1">
+            <a:schemeClr val="accent1"/>
+          </a:fillRef>
+          <a:effectRef idx="0">
+            <a:schemeClr val="accent1"/>
+          </a:effectRef>
+          <a:fontRef idx="minor">
+            <a:schemeClr val="lt1"/>
+          </a:fontRef>
+        </p:style>
+        <p:txBody>
+          <a:bodyPr rtlCol="0" anchor="ctr"/>
+          <a:lstStyle/>
+          <a:p>
+            <a:pPr algn="ctr"/>
+            <a:endParaRPr lang="ru-RU"/>
+          </a:p>
+        </p:txBody>
+      </p:sp>
+      <p:sp>
+        <p:nvSpPr>
+          <p:cNvPr id="22" name="TextBox 21">
+            <a:extLst>
+              <a:ext uri="{FF2B5EF4-FFF2-40B4-BE49-F238E27FC236}">
+                <a16:creationId xmlns:a16="http://schemas.microsoft.com/office/drawing/2014/main" id="{DE31F991-3CF4-42A8-9829-781A5DB48BB0}"/>
+              </a:ext>
+            </a:extLst>
+          </p:cNvPr>
+          <p:cNvSpPr txBox="1"/>
+          <p:nvPr/>
+        </p:nvSpPr>
+        <p:spPr>
+          <a:xfrm>
+            <a:off x="8139003" y="3558054"/>
+            <a:ext cx="1579306" cy="261610"/>
+          </a:xfrm>
+          <a:prstGeom prst="rect">
+            <a:avLst/>
+          </a:prstGeom>
+          <a:noFill/>
+          <a:scene3d>
+            <a:camera prst="orthographicFront">
+              <a:rot lat="1800000" lon="1800000" rev="0"/>
+            </a:camera>
+            <a:lightRig rig="threePt" dir="t"/>
+          </a:scene3d>
+        </p:spPr>
+        <p:txBody>
+          <a:bodyPr wrap="square" rtlCol="0">
+            <a:spAutoFit/>
+          </a:bodyPr>
+          <a:lstStyle/>
+          <a:p>
+            <a:r>
+              <a:rPr lang="ru-RU" sz="600" b="1" dirty="0">
+                <a:solidFill>
+                  <a:srgbClr val="00B050"/>
+                </a:solidFill>
+              </a:rPr>
+              <a:t>[ 9,  1, 12,  0]</a:t>
+            </a:r>
+            <a:endParaRPr lang="en-US" sz="600" b="1" dirty="0">
+              <a:solidFill>
+                <a:srgbClr val="00B050"/>
+              </a:solidFill>
+            </a:endParaRPr>
+          </a:p>
+          <a:p>
+            <a:r>
+              <a:rPr lang="en-US" sz="500" b="1" dirty="0">
+                <a:solidFill>
+                  <a:srgbClr val="0070C0"/>
+                </a:solidFill>
+              </a:rPr>
+              <a:t> x7   x1   </a:t>
+            </a:r>
+            <a:r>
+              <a:rPr lang="en-US" sz="500" b="1" dirty="0" err="1">
+                <a:solidFill>
+                  <a:srgbClr val="0070C0"/>
+                </a:solidFill>
+              </a:rPr>
+              <a:t>x1</a:t>
+            </a:r>
+            <a:r>
+              <a:rPr lang="en-US" sz="500" b="1" dirty="0">
+                <a:solidFill>
+                  <a:srgbClr val="0070C0"/>
+                </a:solidFill>
+              </a:rPr>
+              <a:t>   </a:t>
+            </a:r>
+            <a:r>
+              <a:rPr lang="en-US" sz="500" b="1" dirty="0" err="1">
+                <a:solidFill>
+                  <a:srgbClr val="0070C0"/>
+                </a:solidFill>
+              </a:rPr>
+              <a:t>x1</a:t>
+            </a:r>
+            <a:endParaRPr lang="ru-RU" sz="500" b="1" dirty="0">
+              <a:solidFill>
+                <a:srgbClr val="0070C0"/>
+              </a:solidFill>
+            </a:endParaRPr>
+          </a:p>
+        </p:txBody>
+      </p:sp>
+      <p:sp>
+        <p:nvSpPr>
+          <p:cNvPr id="25" name="Прямоугольник 24">
+            <a:extLst>
+              <a:ext uri="{FF2B5EF4-FFF2-40B4-BE49-F238E27FC236}">
+                <a16:creationId xmlns:a16="http://schemas.microsoft.com/office/drawing/2014/main" id="{598E920A-43D8-47F1-9A92-345EA8FDBE22}"/>
+              </a:ext>
+            </a:extLst>
+          </p:cNvPr>
+          <p:cNvSpPr/>
+          <p:nvPr/>
+        </p:nvSpPr>
+        <p:spPr>
+          <a:xfrm>
+            <a:off x="7657379" y="3384895"/>
+            <a:ext cx="1186608" cy="240557"/>
+          </a:xfrm>
+          <a:prstGeom prst="rect">
+            <a:avLst/>
+          </a:prstGeom>
+          <a:noFill/>
+          <a:ln w="76200">
+            <a:solidFill>
+              <a:srgbClr val="92D050"/>
+            </a:solidFill>
+          </a:ln>
+          <a:scene3d>
+            <a:camera prst="orthographicFront">
+              <a:rot lat="1800000" lon="1800000" rev="0"/>
+            </a:camera>
+            <a:lightRig rig="threePt" dir="t"/>
+          </a:scene3d>
+        </p:spPr>
+        <p:style>
+          <a:lnRef idx="2">
+            <a:schemeClr val="accent1">
+              <a:shade val="50000"/>
+            </a:schemeClr>
+          </a:lnRef>
+          <a:fillRef idx="1">
+            <a:schemeClr val="accent1"/>
+          </a:fillRef>
+          <a:effectRef idx="0">
+            <a:schemeClr val="accent1"/>
+          </a:effectRef>
+          <a:fontRef idx="minor">
+            <a:schemeClr val="lt1"/>
+          </a:fontRef>
+        </p:style>
+        <p:txBody>
+          <a:bodyPr rtlCol="0" anchor="ctr"/>
+          <a:lstStyle/>
+          <a:p>
+            <a:pPr algn="ctr"/>
+            <a:endParaRPr lang="ru-RU"/>
+          </a:p>
+        </p:txBody>
+      </p:sp>
+      <p:cxnSp>
+        <p:nvCxnSpPr>
+          <p:cNvPr id="26" name="Соединитель: изогнутый 25">
+            <a:extLst>
+              <a:ext uri="{FF2B5EF4-FFF2-40B4-BE49-F238E27FC236}">
+                <a16:creationId xmlns:a16="http://schemas.microsoft.com/office/drawing/2014/main" id="{9E941BE0-928E-487F-BCAB-C81DAD73D3B0}"/>
+              </a:ext>
+            </a:extLst>
+          </p:cNvPr>
+          <p:cNvCxnSpPr>
+            <a:cxnSpLocks/>
+            <a:stCxn id="19" idx="1"/>
+            <a:endCxn id="25" idx="0"/>
+          </p:cNvCxnSpPr>
+          <p:nvPr/>
+        </p:nvCxnSpPr>
+        <p:spPr>
+          <a:xfrm>
+            <a:off x="6855887" y="3197228"/>
+            <a:ext cx="1394796" cy="187667"/>
+          </a:xfrm>
+          <a:prstGeom prst="curvedConnector2">
+            <a:avLst/>
+          </a:prstGeom>
+          <a:ln w="28575">
+            <a:solidFill>
+              <a:srgbClr val="00B050"/>
+            </a:solidFill>
+            <a:tailEnd type="triangle"/>
+          </a:ln>
+          <a:effectLst>
+            <a:glow rad="63500">
+              <a:schemeClr val="accent1">
+                <a:satMod val="175000"/>
+                <a:alpha val="40000"/>
+              </a:schemeClr>
+            </a:glow>
+          </a:effectLst>
+          <a:scene3d>
+            <a:camera prst="orthographicFront">
+              <a:rot lat="1800000" lon="1800000" rev="0"/>
+            </a:camera>
+            <a:lightRig rig="threePt" dir="t"/>
+          </a:scene3d>
+        </p:spPr>
+        <p:style>
+          <a:lnRef idx="1">
+            <a:schemeClr val="accent1"/>
+          </a:lnRef>
+          <a:fillRef idx="0">
+            <a:schemeClr val="accent1"/>
+          </a:fillRef>
+          <a:effectRef idx="0">
+            <a:schemeClr val="accent1"/>
+          </a:effectRef>
+          <a:fontRef idx="minor">
+            <a:schemeClr val="tx1"/>
+          </a:fontRef>
+        </p:style>
+      </p:cxnSp>
+      <p:sp>
+        <p:nvSpPr>
+          <p:cNvPr id="46" name="TextBox 45">
+            <a:extLst>
+              <a:ext uri="{FF2B5EF4-FFF2-40B4-BE49-F238E27FC236}">
+                <a16:creationId xmlns:a16="http://schemas.microsoft.com/office/drawing/2014/main" id="{ACA730E8-062B-4464-B034-4587E48CA60F}"/>
+              </a:ext>
+            </a:extLst>
+          </p:cNvPr>
+          <p:cNvSpPr txBox="1"/>
+          <p:nvPr/>
+        </p:nvSpPr>
+        <p:spPr>
+          <a:xfrm>
+            <a:off x="7683442" y="3380658"/>
+            <a:ext cx="974323" cy="246221"/>
+          </a:xfrm>
+          <a:prstGeom prst="rect">
+            <a:avLst/>
+          </a:prstGeom>
+          <a:noFill/>
+          <a:scene3d>
+            <a:camera prst="orthographicFront">
+              <a:rot lat="1800000" lon="1800000" rev="0"/>
+            </a:camera>
+            <a:lightRig rig="threePt" dir="t"/>
+          </a:scene3d>
+        </p:spPr>
+        <p:txBody>
+          <a:bodyPr wrap="square" rtlCol="0">
+            <a:spAutoFit/>
+          </a:bodyPr>
+          <a:lstStyle/>
+          <a:p>
+            <a:r>
+              <a:rPr lang="en-US" sz="1000" b="1" dirty="0">
+                <a:solidFill>
+                  <a:srgbClr val="00B050"/>
+                </a:solidFill>
+              </a:rPr>
+              <a:t>‘id’ == 0</a:t>
+            </a:r>
+            <a:endParaRPr lang="ru-RU" sz="1000" b="1" dirty="0">
+              <a:solidFill>
+                <a:srgbClr val="00B050"/>
+              </a:solidFill>
+            </a:endParaRPr>
+          </a:p>
+        </p:txBody>
+      </p:sp>
+      <p:pic>
+        <p:nvPicPr>
+          <p:cNvPr id="54" name="Рисунок 53">
+            <a:extLst>
+              <a:ext uri="{FF2B5EF4-FFF2-40B4-BE49-F238E27FC236}">
+                <a16:creationId xmlns:a16="http://schemas.microsoft.com/office/drawing/2014/main" id="{7BF77D5C-DE1A-437B-86BD-A989D6100CB8}"/>
+              </a:ext>
+            </a:extLst>
+          </p:cNvPr>
+          <p:cNvPicPr>
+            <a:picLocks noChangeAspect="1"/>
+          </p:cNvPicPr>
+          <p:nvPr/>
+        </p:nvPicPr>
+        <p:blipFill>
+          <a:blip r:embed="rId5"/>
+          <a:stretch>
+            <a:fillRect/>
+          </a:stretch>
+        </p:blipFill>
+        <p:spPr>
+          <a:xfrm>
+            <a:off x="4026445" y="4044388"/>
+            <a:ext cx="5580182" cy="1073980"/>
+          </a:xfrm>
+          <a:prstGeom prst="rect">
+            <a:avLst/>
+          </a:prstGeom>
+          <a:scene3d>
+            <a:camera prst="orthographicFront">
+              <a:rot lat="1800000" lon="1800000" rev="0"/>
+            </a:camera>
+            <a:lightRig rig="threePt" dir="t"/>
+          </a:scene3d>
+        </p:spPr>
+      </p:pic>
+      <p:sp>
+        <p:nvSpPr>
+          <p:cNvPr id="58" name="Прямоугольник 57">
+            <a:extLst>
+              <a:ext uri="{FF2B5EF4-FFF2-40B4-BE49-F238E27FC236}">
+                <a16:creationId xmlns:a16="http://schemas.microsoft.com/office/drawing/2014/main" id="{D7E56B55-2E8B-475D-82B0-43D19B85D735}"/>
+              </a:ext>
+            </a:extLst>
+          </p:cNvPr>
+          <p:cNvSpPr/>
+          <p:nvPr/>
+        </p:nvSpPr>
+        <p:spPr>
+          <a:xfrm>
+            <a:off x="4026440" y="4044388"/>
+            <a:ext cx="5580187" cy="1073980"/>
+          </a:xfrm>
+          <a:prstGeom prst="rect">
+            <a:avLst/>
+          </a:prstGeom>
+          <a:noFill/>
+          <a:ln w="76200">
+            <a:solidFill>
+              <a:srgbClr val="92D050"/>
+            </a:solidFill>
+          </a:ln>
+          <a:scene3d>
+            <a:camera prst="orthographicFront">
+              <a:rot lat="1800000" lon="1800000" rev="0"/>
+            </a:camera>
+            <a:lightRig rig="threePt" dir="t"/>
+          </a:scene3d>
+        </p:spPr>
+        <p:style>
+          <a:lnRef idx="2">
+            <a:schemeClr val="accent1">
+              <a:shade val="50000"/>
+            </a:schemeClr>
+          </a:lnRef>
+          <a:fillRef idx="1">
+            <a:schemeClr val="accent1"/>
+          </a:fillRef>
+          <a:effectRef idx="0">
+            <a:schemeClr val="accent1"/>
+          </a:effectRef>
+          <a:fontRef idx="minor">
+            <a:schemeClr val="lt1"/>
+          </a:fontRef>
+        </p:style>
+        <p:txBody>
+          <a:bodyPr rtlCol="0" anchor="ctr"/>
+          <a:lstStyle/>
+          <a:p>
+            <a:pPr algn="ctr"/>
+            <a:endParaRPr lang="ru-RU"/>
+          </a:p>
+        </p:txBody>
+      </p:sp>
+      <p:sp>
+        <p:nvSpPr>
+          <p:cNvPr id="62" name="Прямоугольник 61">
+            <a:extLst>
+              <a:ext uri="{FF2B5EF4-FFF2-40B4-BE49-F238E27FC236}">
+                <a16:creationId xmlns:a16="http://schemas.microsoft.com/office/drawing/2014/main" id="{C9F0D3C2-A059-469F-97E3-8A377ACD363A}"/>
+              </a:ext>
+            </a:extLst>
+          </p:cNvPr>
+          <p:cNvSpPr/>
+          <p:nvPr/>
+        </p:nvSpPr>
+        <p:spPr>
+          <a:xfrm>
+            <a:off x="4026435" y="4105782"/>
+            <a:ext cx="5607857" cy="413092"/>
+          </a:xfrm>
+          <a:prstGeom prst="rect">
+            <a:avLst/>
+          </a:prstGeom>
+          <a:noFill/>
+          <a:ln w="76200">
+            <a:solidFill>
+              <a:srgbClr val="00B050"/>
+            </a:solidFill>
+          </a:ln>
+          <a:effectLst>
+            <a:glow rad="127000">
+              <a:srgbClr val="92D050">
+                <a:alpha val="66000"/>
+              </a:srgbClr>
+            </a:glow>
+          </a:effectLst>
+          <a:scene3d>
+            <a:camera prst="orthographicFront">
+              <a:rot lat="1800000" lon="1800000" rev="0"/>
+            </a:camera>
+            <a:lightRig rig="threePt" dir="t"/>
+          </a:scene3d>
+        </p:spPr>
+        <p:style>
+          <a:lnRef idx="2">
+            <a:schemeClr val="accent1">
+              <a:shade val="50000"/>
+            </a:schemeClr>
+          </a:lnRef>
+          <a:fillRef idx="1">
+            <a:schemeClr val="accent1"/>
+          </a:fillRef>
+          <a:effectRef idx="0">
+            <a:schemeClr val="accent1"/>
+          </a:effectRef>
+          <a:fontRef idx="minor">
+            <a:schemeClr val="lt1"/>
+          </a:fontRef>
+        </p:style>
+        <p:txBody>
+          <a:bodyPr rtlCol="0" anchor="ctr"/>
+          <a:lstStyle/>
+          <a:p>
+            <a:pPr algn="ctr"/>
+            <a:endParaRPr lang="ru-RU"/>
+          </a:p>
+        </p:txBody>
+      </p:sp>
+      <p:cxnSp>
+        <p:nvCxnSpPr>
+          <p:cNvPr id="59" name="Соединитель: изогнутый 58">
+            <a:extLst>
+              <a:ext uri="{FF2B5EF4-FFF2-40B4-BE49-F238E27FC236}">
+                <a16:creationId xmlns:a16="http://schemas.microsoft.com/office/drawing/2014/main" id="{0DB96A12-6119-413C-B235-8FB4FC53BC6A}"/>
+              </a:ext>
+            </a:extLst>
+          </p:cNvPr>
+          <p:cNvCxnSpPr>
+            <a:cxnSpLocks/>
+            <a:stCxn id="25" idx="2"/>
+            <a:endCxn id="58" idx="0"/>
+          </p:cNvCxnSpPr>
+          <p:nvPr/>
+        </p:nvCxnSpPr>
+        <p:spPr>
+          <a:xfrm rot="5400000">
+            <a:off x="7324141" y="3117846"/>
+            <a:ext cx="418936" cy="1434149"/>
+          </a:xfrm>
+          <a:prstGeom prst="curvedConnector3">
+            <a:avLst>
+              <a:gd name="adj1" fmla="val 50000"/>
+            </a:avLst>
+          </a:prstGeom>
+          <a:ln w="28575">
+            <a:solidFill>
+              <a:srgbClr val="00B050"/>
+            </a:solidFill>
+            <a:tailEnd type="triangle"/>
+          </a:ln>
+          <a:effectLst>
+            <a:glow rad="63500">
+              <a:schemeClr val="accent1">
+                <a:satMod val="175000"/>
+                <a:alpha val="40000"/>
+              </a:schemeClr>
+            </a:glow>
+          </a:effectLst>
+          <a:scene3d>
+            <a:camera prst="orthographicFront">
+              <a:rot lat="1800000" lon="1800000" rev="0"/>
+            </a:camera>
+            <a:lightRig rig="threePt" dir="t"/>
+          </a:scene3d>
+        </p:spPr>
+        <p:style>
+          <a:lnRef idx="1">
+            <a:schemeClr val="accent1"/>
+          </a:lnRef>
+          <a:fillRef idx="0">
+            <a:schemeClr val="accent1"/>
+          </a:fillRef>
+          <a:effectRef idx="0">
+            <a:schemeClr val="accent1"/>
+          </a:effectRef>
+          <a:fontRef idx="minor">
+            <a:schemeClr val="tx1"/>
+          </a:fontRef>
+        </p:style>
+      </p:cxnSp>
+      <p:sp>
+        <p:nvSpPr>
+          <p:cNvPr id="34" name="Прямоугольник: скругленные углы 33">
+            <a:extLst>
+              <a:ext uri="{FF2B5EF4-FFF2-40B4-BE49-F238E27FC236}">
+                <a16:creationId xmlns:a16="http://schemas.microsoft.com/office/drawing/2014/main" id="{5E2FB36D-1896-468E-8832-5AB91E49C974}"/>
+              </a:ext>
+            </a:extLst>
+          </p:cNvPr>
+          <p:cNvSpPr/>
+          <p:nvPr/>
+        </p:nvSpPr>
+        <p:spPr>
+          <a:xfrm>
+            <a:off x="3741636" y="1268014"/>
+            <a:ext cx="5976673" cy="4714875"/>
+          </a:xfrm>
+          <a:prstGeom prst="roundRect">
+            <a:avLst/>
+          </a:prstGeom>
+          <a:solidFill>
+            <a:schemeClr val="accent2">
+              <a:lumMod val="60000"/>
+              <a:lumOff val="40000"/>
+            </a:schemeClr>
+          </a:solidFill>
+          <a:ln>
+            <a:noFill/>
+          </a:ln>
+          <a:scene3d>
+            <a:camera prst="orthographicFront">
+              <a:rot lat="1800000" lon="1800000" rev="0"/>
+            </a:camera>
+            <a:lightRig rig="threePt" dir="t"/>
+          </a:scene3d>
+          <a:sp3d extrusionH="25400" contourW="12700" prstMaterial="softEdge">
+            <a:bevelT w="63500"/>
+            <a:contourClr>
+              <a:schemeClr val="accent1">
+                <a:lumMod val="50000"/>
+              </a:schemeClr>
+            </a:contourClr>
+          </a:sp3d>
+        </p:spPr>
+        <p:style>
+          <a:lnRef idx="2">
+            <a:schemeClr val="accent1">
+              <a:shade val="50000"/>
+            </a:schemeClr>
+          </a:lnRef>
+          <a:fillRef idx="1">
+            <a:schemeClr val="accent1"/>
+          </a:fillRef>
+          <a:effectRef idx="0">
+            <a:schemeClr val="accent1"/>
+          </a:effectRef>
+          <a:fontRef idx="minor">
+            <a:schemeClr val="lt1"/>
+          </a:fontRef>
+        </p:style>
+        <p:txBody>
+          <a:bodyPr rtlCol="0" anchor="ctr"/>
+          <a:lstStyle/>
+          <a:p>
+            <a:pPr algn="ctr"/>
+            <a:endParaRPr lang="ru-RU"/>
+          </a:p>
+        </p:txBody>
+      </p:sp>
+      <p:sp>
+        <p:nvSpPr>
+          <p:cNvPr id="45" name="Прямоугольник: скругленные углы 44">
+            <a:extLst>
+              <a:ext uri="{FF2B5EF4-FFF2-40B4-BE49-F238E27FC236}">
+                <a16:creationId xmlns:a16="http://schemas.microsoft.com/office/drawing/2014/main" id="{F6FF2776-F4CF-46EC-AF50-AD8836E9DBBE}"/>
+              </a:ext>
+            </a:extLst>
+          </p:cNvPr>
+          <p:cNvSpPr/>
+          <p:nvPr/>
+        </p:nvSpPr>
+        <p:spPr>
+          <a:xfrm>
+            <a:off x="3247084" y="1544239"/>
+            <a:ext cx="5976673" cy="4714875"/>
+          </a:xfrm>
+          <a:prstGeom prst="roundRect">
+            <a:avLst/>
+          </a:prstGeom>
+          <a:solidFill>
+            <a:schemeClr val="accent2">
+              <a:lumMod val="60000"/>
+              <a:lumOff val="40000"/>
+            </a:schemeClr>
+          </a:solidFill>
+          <a:ln>
+            <a:noFill/>
+          </a:ln>
+          <a:scene3d>
+            <a:camera prst="orthographicFront">
+              <a:rot lat="1800000" lon="1800000" rev="0"/>
+            </a:camera>
+            <a:lightRig rig="threePt" dir="t"/>
+          </a:scene3d>
+          <a:sp3d extrusionH="25400" contourW="12700" prstMaterial="softEdge">
+            <a:bevelT w="63500"/>
+            <a:contourClr>
+              <a:schemeClr val="accent1">
+                <a:lumMod val="50000"/>
+              </a:schemeClr>
+            </a:contourClr>
+          </a:sp3d>
+        </p:spPr>
+        <p:style>
+          <a:lnRef idx="2">
+            <a:schemeClr val="accent1">
+              <a:shade val="50000"/>
+            </a:schemeClr>
+          </a:lnRef>
+          <a:fillRef idx="1">
+            <a:schemeClr val="accent1"/>
+          </a:fillRef>
+          <a:effectRef idx="0">
+            <a:schemeClr val="accent1"/>
+          </a:effectRef>
+          <a:fontRef idx="minor">
+            <a:schemeClr val="lt1"/>
+          </a:fontRef>
+        </p:style>
+        <p:txBody>
+          <a:bodyPr rtlCol="0" anchor="ctr"/>
+          <a:lstStyle/>
+          <a:p>
+            <a:pPr algn="ctr"/>
+            <a:endParaRPr lang="ru-RU"/>
+          </a:p>
+        </p:txBody>
+      </p:sp>
+      <p:sp>
+        <p:nvSpPr>
+          <p:cNvPr id="47" name="Прямоугольник: скругленные углы 46">
+            <a:extLst>
+              <a:ext uri="{FF2B5EF4-FFF2-40B4-BE49-F238E27FC236}">
+                <a16:creationId xmlns:a16="http://schemas.microsoft.com/office/drawing/2014/main" id="{3E21AD6D-F374-4358-BF3C-D93BA7AA9C61}"/>
+              </a:ext>
+            </a:extLst>
+          </p:cNvPr>
+          <p:cNvSpPr/>
+          <p:nvPr/>
+        </p:nvSpPr>
+        <p:spPr>
+          <a:xfrm>
+            <a:off x="2769063" y="1820464"/>
+            <a:ext cx="5976673" cy="4714875"/>
+          </a:xfrm>
+          <a:prstGeom prst="roundRect">
+            <a:avLst/>
+          </a:prstGeom>
+          <a:solidFill>
+            <a:schemeClr val="accent2">
+              <a:lumMod val="60000"/>
+              <a:lumOff val="40000"/>
+            </a:schemeClr>
+          </a:solidFill>
+          <a:ln>
+            <a:noFill/>
+          </a:ln>
+          <a:scene3d>
+            <a:camera prst="orthographicFront">
+              <a:rot lat="1800000" lon="1800000" rev="0"/>
+            </a:camera>
+            <a:lightRig rig="threePt" dir="t"/>
+          </a:scene3d>
+          <a:sp3d extrusionH="25400" contourW="12700" prstMaterial="softEdge">
+            <a:bevelT w="63500"/>
+            <a:contourClr>
+              <a:schemeClr val="accent1">
+                <a:lumMod val="50000"/>
+              </a:schemeClr>
+            </a:contourClr>
+          </a:sp3d>
+        </p:spPr>
+        <p:style>
+          <a:lnRef idx="2">
+            <a:schemeClr val="accent1">
+              <a:shade val="50000"/>
+            </a:schemeClr>
+          </a:lnRef>
+          <a:fillRef idx="1">
+            <a:schemeClr val="accent1"/>
+          </a:fillRef>
+          <a:effectRef idx="0">
+            <a:schemeClr val="accent1"/>
+          </a:effectRef>
+          <a:fontRef idx="minor">
+            <a:schemeClr val="lt1"/>
+          </a:fontRef>
+        </p:style>
+        <p:txBody>
+          <a:bodyPr rtlCol="0" anchor="ctr"/>
+          <a:lstStyle/>
+          <a:p>
+            <a:pPr algn="ctr"/>
+            <a:endParaRPr lang="ru-RU"/>
+          </a:p>
+        </p:txBody>
+      </p:sp>
+      <p:sp>
+        <p:nvSpPr>
+          <p:cNvPr id="48" name="Прямоугольник: скругленные углы 47">
+            <a:extLst>
+              <a:ext uri="{FF2B5EF4-FFF2-40B4-BE49-F238E27FC236}">
+                <a16:creationId xmlns:a16="http://schemas.microsoft.com/office/drawing/2014/main" id="{52318FB4-042F-4A99-BC38-30E058D736E6}"/>
+              </a:ext>
+            </a:extLst>
+          </p:cNvPr>
+          <p:cNvSpPr/>
+          <p:nvPr/>
+        </p:nvSpPr>
+        <p:spPr>
+          <a:xfrm>
+            <a:off x="2134665" y="2146748"/>
+            <a:ext cx="5976673" cy="4714875"/>
+          </a:xfrm>
+          <a:prstGeom prst="roundRect">
+            <a:avLst/>
+          </a:prstGeom>
+          <a:solidFill>
+            <a:schemeClr val="accent2">
+              <a:lumMod val="60000"/>
+              <a:lumOff val="40000"/>
+            </a:schemeClr>
+          </a:solidFill>
+          <a:ln>
+            <a:noFill/>
+          </a:ln>
+          <a:scene3d>
+            <a:camera prst="orthographicFront">
+              <a:rot lat="1800000" lon="1800000" rev="0"/>
+            </a:camera>
+            <a:lightRig rig="threePt" dir="t"/>
+          </a:scene3d>
+          <a:sp3d extrusionH="25400" contourW="12700" prstMaterial="softEdge">
+            <a:bevelT w="63500"/>
+            <a:contourClr>
+              <a:schemeClr val="accent1">
+                <a:lumMod val="50000"/>
+              </a:schemeClr>
+            </a:contourClr>
+          </a:sp3d>
+        </p:spPr>
+        <p:style>
+          <a:lnRef idx="2">
+            <a:schemeClr val="accent1">
+              <a:shade val="50000"/>
+            </a:schemeClr>
+          </a:lnRef>
+          <a:fillRef idx="1">
+            <a:schemeClr val="accent1"/>
+          </a:fillRef>
+          <a:effectRef idx="0">
+            <a:schemeClr val="accent1"/>
+          </a:effectRef>
+          <a:fontRef idx="minor">
+            <a:schemeClr val="lt1"/>
+          </a:fontRef>
+        </p:style>
+        <p:txBody>
+          <a:bodyPr rtlCol="0" anchor="ctr"/>
+          <a:lstStyle/>
+          <a:p>
+            <a:pPr algn="ctr"/>
+            <a:endParaRPr lang="ru-RU"/>
+          </a:p>
+        </p:txBody>
+      </p:sp>
+      <p:sp>
+        <p:nvSpPr>
+          <p:cNvPr id="49" name="Прямоугольник: скругленные углы 48">
+            <a:extLst>
+              <a:ext uri="{FF2B5EF4-FFF2-40B4-BE49-F238E27FC236}">
+                <a16:creationId xmlns:a16="http://schemas.microsoft.com/office/drawing/2014/main" id="{015D1E57-92DA-4982-9F3D-06FC68EABB14}"/>
+              </a:ext>
+            </a:extLst>
+          </p:cNvPr>
+          <p:cNvSpPr/>
+          <p:nvPr/>
+        </p:nvSpPr>
+        <p:spPr>
+          <a:xfrm>
+            <a:off x="1546710" y="2540356"/>
+            <a:ext cx="5976673" cy="4714875"/>
+          </a:xfrm>
+          <a:prstGeom prst="roundRect">
+            <a:avLst/>
+          </a:prstGeom>
+          <a:solidFill>
+            <a:schemeClr val="accent2">
+              <a:lumMod val="60000"/>
+              <a:lumOff val="40000"/>
+            </a:schemeClr>
+          </a:solidFill>
+          <a:ln>
+            <a:noFill/>
+          </a:ln>
+          <a:scene3d>
+            <a:camera prst="orthographicFront">
+              <a:rot lat="1800000" lon="1800000" rev="0"/>
+            </a:camera>
+            <a:lightRig rig="threePt" dir="t"/>
+          </a:scene3d>
+          <a:sp3d extrusionH="25400" contourW="12700" prstMaterial="softEdge">
+            <a:bevelT w="63500"/>
+            <a:contourClr>
+              <a:schemeClr val="accent1">
+                <a:lumMod val="50000"/>
+              </a:schemeClr>
+            </a:contourClr>
+          </a:sp3d>
+        </p:spPr>
+        <p:style>
+          <a:lnRef idx="2">
+            <a:schemeClr val="accent1">
+              <a:shade val="50000"/>
+            </a:schemeClr>
+          </a:lnRef>
+          <a:fillRef idx="1">
+            <a:schemeClr val="accent1"/>
+          </a:fillRef>
+          <a:effectRef idx="0">
+            <a:schemeClr val="accent1"/>
+          </a:effectRef>
+          <a:fontRef idx="minor">
+            <a:schemeClr val="lt1"/>
+          </a:fontRef>
+        </p:style>
+        <p:txBody>
+          <a:bodyPr rtlCol="0" anchor="ctr"/>
+          <a:lstStyle/>
+          <a:p>
+            <a:pPr algn="ctr"/>
+            <a:endParaRPr lang="ru-RU"/>
+          </a:p>
+        </p:txBody>
+      </p:sp>
+      <p:sp>
+        <p:nvSpPr>
+          <p:cNvPr id="50" name="Прямоугольник: скругленные углы 49">
+            <a:extLst>
+              <a:ext uri="{FF2B5EF4-FFF2-40B4-BE49-F238E27FC236}">
+                <a16:creationId xmlns:a16="http://schemas.microsoft.com/office/drawing/2014/main" id="{263892EC-77F9-46CB-9DF1-505957F1A84F}"/>
+              </a:ext>
+            </a:extLst>
+          </p:cNvPr>
+          <p:cNvSpPr/>
+          <p:nvPr/>
+        </p:nvSpPr>
+        <p:spPr>
+          <a:xfrm>
+            <a:off x="907780" y="2956294"/>
+            <a:ext cx="5976673" cy="4714875"/>
+          </a:xfrm>
+          <a:prstGeom prst="roundRect">
+            <a:avLst/>
+          </a:prstGeom>
+          <a:solidFill>
+            <a:schemeClr val="accent2">
+              <a:lumMod val="60000"/>
+              <a:lumOff val="40000"/>
+            </a:schemeClr>
+          </a:solidFill>
+          <a:ln>
+            <a:noFill/>
+          </a:ln>
+          <a:scene3d>
+            <a:camera prst="orthographicFront">
+              <a:rot lat="1800000" lon="1800000" rev="0"/>
+            </a:camera>
+            <a:lightRig rig="threePt" dir="t"/>
+          </a:scene3d>
+          <a:sp3d extrusionH="25400" contourW="12700" prstMaterial="softEdge">
+            <a:bevelT w="63500"/>
+            <a:contourClr>
+              <a:schemeClr val="accent1">
+                <a:lumMod val="50000"/>
+              </a:schemeClr>
+            </a:contourClr>
+          </a:sp3d>
+        </p:spPr>
+        <p:style>
+          <a:lnRef idx="2">
+            <a:schemeClr val="accent1">
+              <a:shade val="50000"/>
+            </a:schemeClr>
+          </a:lnRef>
+          <a:fillRef idx="1">
+            <a:schemeClr val="accent1"/>
+          </a:fillRef>
+          <a:effectRef idx="0">
+            <a:schemeClr val="accent1"/>
+          </a:effectRef>
+          <a:fontRef idx="minor">
+            <a:schemeClr val="lt1"/>
+          </a:fontRef>
+        </p:style>
+        <p:txBody>
+          <a:bodyPr rtlCol="0" anchor="ctr"/>
+          <a:lstStyle/>
+          <a:p>
+            <a:pPr algn="ctr"/>
+            <a:endParaRPr lang="ru-RU"/>
+          </a:p>
+        </p:txBody>
+      </p:sp>
+      <p:sp>
+        <p:nvSpPr>
+          <p:cNvPr id="51" name="Прямоугольник: скругленные углы 50">
+            <a:extLst>
+              <a:ext uri="{FF2B5EF4-FFF2-40B4-BE49-F238E27FC236}">
+                <a16:creationId xmlns:a16="http://schemas.microsoft.com/office/drawing/2014/main" id="{A8847059-DA52-4CBE-8828-9DCC7F94A81D}"/>
+              </a:ext>
+            </a:extLst>
+          </p:cNvPr>
+          <p:cNvSpPr/>
+          <p:nvPr/>
+        </p:nvSpPr>
+        <p:spPr>
+          <a:xfrm>
+            <a:off x="273320" y="3287253"/>
+            <a:ext cx="5976673" cy="4714875"/>
+          </a:xfrm>
+          <a:prstGeom prst="roundRect">
+            <a:avLst/>
+          </a:prstGeom>
+          <a:solidFill>
+            <a:schemeClr val="accent2">
+              <a:lumMod val="60000"/>
+              <a:lumOff val="40000"/>
+            </a:schemeClr>
+          </a:solidFill>
+          <a:ln>
+            <a:noFill/>
+          </a:ln>
+          <a:scene3d>
+            <a:camera prst="orthographicFront">
+              <a:rot lat="1800000" lon="1800000" rev="0"/>
+            </a:camera>
+            <a:lightRig rig="threePt" dir="t"/>
+          </a:scene3d>
+          <a:sp3d extrusionH="25400" contourW="12700" prstMaterial="softEdge">
+            <a:bevelT w="63500"/>
+            <a:contourClr>
+              <a:schemeClr val="accent1">
+                <a:lumMod val="50000"/>
+              </a:schemeClr>
+            </a:contourClr>
+          </a:sp3d>
+        </p:spPr>
+        <p:style>
+          <a:lnRef idx="2">
+            <a:schemeClr val="accent1">
+              <a:shade val="50000"/>
+            </a:schemeClr>
+          </a:lnRef>
+          <a:fillRef idx="1">
+            <a:schemeClr val="accent1"/>
+          </a:fillRef>
+          <a:effectRef idx="0">
+            <a:schemeClr val="accent1"/>
+          </a:effectRef>
+          <a:fontRef idx="minor">
+            <a:schemeClr val="lt1"/>
+          </a:fontRef>
+        </p:style>
+        <p:txBody>
+          <a:bodyPr rtlCol="0" anchor="ctr"/>
+          <a:lstStyle/>
+          <a:p>
+            <a:pPr algn="ctr"/>
+            <a:endParaRPr lang="ru-RU"/>
+          </a:p>
+        </p:txBody>
+      </p:sp>
+      <p:sp>
+        <p:nvSpPr>
+          <p:cNvPr id="52" name="Прямоугольник: скругленные углы 51">
+            <a:extLst>
+              <a:ext uri="{FF2B5EF4-FFF2-40B4-BE49-F238E27FC236}">
+                <a16:creationId xmlns:a16="http://schemas.microsoft.com/office/drawing/2014/main" id="{63B130D5-72E0-40A9-B358-3867410BA012}"/>
+              </a:ext>
+            </a:extLst>
+          </p:cNvPr>
+          <p:cNvSpPr/>
+          <p:nvPr/>
+        </p:nvSpPr>
+        <p:spPr>
+          <a:xfrm>
+            <a:off x="-380182" y="3713426"/>
+            <a:ext cx="5976673" cy="4714875"/>
+          </a:xfrm>
+          <a:prstGeom prst="roundRect">
+            <a:avLst/>
+          </a:prstGeom>
+          <a:solidFill>
+            <a:schemeClr val="accent2">
+              <a:lumMod val="60000"/>
+              <a:lumOff val="40000"/>
+            </a:schemeClr>
+          </a:solidFill>
+          <a:ln>
+            <a:noFill/>
+          </a:ln>
+          <a:scene3d>
+            <a:camera prst="orthographicFront">
+              <a:rot lat="1800000" lon="1800000" rev="0"/>
+            </a:camera>
+            <a:lightRig rig="threePt" dir="t"/>
+          </a:scene3d>
+          <a:sp3d extrusionH="25400" contourW="12700" prstMaterial="softEdge">
+            <a:bevelT w="63500"/>
+            <a:contourClr>
+              <a:schemeClr val="accent1">
+                <a:lumMod val="50000"/>
+              </a:schemeClr>
+            </a:contourClr>
+          </a:sp3d>
+        </p:spPr>
+        <p:style>
+          <a:lnRef idx="2">
+            <a:schemeClr val="accent1">
+              <a:shade val="50000"/>
+            </a:schemeClr>
+          </a:lnRef>
+          <a:fillRef idx="1">
+            <a:schemeClr val="accent1"/>
+          </a:fillRef>
+          <a:effectRef idx="0">
+            <a:schemeClr val="accent1"/>
+          </a:effectRef>
+          <a:fontRef idx="minor">
+            <a:schemeClr val="lt1"/>
+          </a:fontRef>
+        </p:style>
+        <p:txBody>
+          <a:bodyPr rtlCol="0" anchor="ctr"/>
+          <a:lstStyle/>
+          <a:p>
+            <a:pPr algn="ctr"/>
+            <a:endParaRPr lang="ru-RU"/>
+          </a:p>
+        </p:txBody>
+      </p:sp>
+      <p:sp>
+        <p:nvSpPr>
+          <p:cNvPr id="53" name="Прямоугольник: скругленные углы 52">
+            <a:extLst>
+              <a:ext uri="{FF2B5EF4-FFF2-40B4-BE49-F238E27FC236}">
+                <a16:creationId xmlns:a16="http://schemas.microsoft.com/office/drawing/2014/main" id="{58554EB2-3867-460A-BAFB-EAEB7B930445}"/>
+              </a:ext>
+            </a:extLst>
+          </p:cNvPr>
+          <p:cNvSpPr/>
+          <p:nvPr/>
+        </p:nvSpPr>
+        <p:spPr>
+          <a:xfrm>
+            <a:off x="-968137" y="4191825"/>
+            <a:ext cx="5976673" cy="4714875"/>
+          </a:xfrm>
+          <a:prstGeom prst="roundRect">
+            <a:avLst/>
+          </a:prstGeom>
+          <a:solidFill>
+            <a:schemeClr val="accent2">
+              <a:lumMod val="60000"/>
+              <a:lumOff val="40000"/>
+            </a:schemeClr>
+          </a:solidFill>
+          <a:ln>
+            <a:noFill/>
+          </a:ln>
+          <a:scene3d>
+            <a:camera prst="orthographicFront">
+              <a:rot lat="1800000" lon="1800000" rev="0"/>
+            </a:camera>
+            <a:lightRig rig="threePt" dir="t"/>
+          </a:scene3d>
+          <a:sp3d extrusionH="25400" contourW="12700" prstMaterial="softEdge">
+            <a:bevelT w="63500"/>
+            <a:contourClr>
+              <a:schemeClr val="accent1">
+                <a:lumMod val="50000"/>
+              </a:schemeClr>
+            </a:contourClr>
+          </a:sp3d>
+        </p:spPr>
+        <p:style>
+          <a:lnRef idx="2">
+            <a:schemeClr val="accent1">
+              <a:shade val="50000"/>
+            </a:schemeClr>
+          </a:lnRef>
+          <a:fillRef idx="1">
+            <a:schemeClr val="accent1"/>
+          </a:fillRef>
+          <a:effectRef idx="0">
+            <a:schemeClr val="accent1"/>
+          </a:effectRef>
+          <a:fontRef idx="minor">
+            <a:schemeClr val="lt1"/>
+          </a:fontRef>
+        </p:style>
+        <p:txBody>
+          <a:bodyPr rtlCol="0" anchor="ctr"/>
+          <a:lstStyle/>
+          <a:p>
+            <a:pPr algn="ctr"/>
+            <a:endParaRPr lang="ru-RU"/>
+          </a:p>
+        </p:txBody>
+      </p:sp>
+    </p:spTree>
+    <p:extLst>
+      <p:ext uri="{BB962C8B-B14F-4D97-AF65-F5344CB8AC3E}">
+        <p14:creationId xmlns:p14="http://schemas.microsoft.com/office/powerpoint/2010/main" val="1206663147"/>
+      </p:ext>
+    </p:extLst>
+  </p:cSld>
+  <p:clrMapOvr>
+    <a:masterClrMapping/>
+  </p:clrMapOvr>
+  <p:timing>
+    <p:tnLst>
+      <p:par>
+        <p:cTn id="1" dur="indefinite" restart="never" nodeType="tmRoot">
+          <p:childTnLst>
+            <p:seq concurrent="1" nextAc="seek">
+              <p:cTn id="2" dur="indefinite" nodeType="mainSeq">
+                <p:childTnLst>
+                  <p:par>
+                    <p:cTn id="3" fill="hold">
+                      <p:stCondLst>
+                        <p:cond delay="indefinite"/>
+                        <p:cond evt="onBegin" delay="0">
+                          <p:tn val="2"/>
+                        </p:cond>
+                      </p:stCondLst>
+                      <p:childTnLst>
+                        <p:par>
+                          <p:cTn id="4" fill="hold">
+                            <p:stCondLst>
+                              <p:cond delay="0"/>
+                            </p:stCondLst>
+                            <p:childTnLst>
+                              <p:par>
+                                <p:cTn id="5" presetID="14" presetClass="entr" presetSubtype="10" fill="hold" grpId="0" nodeType="afterEffect">
+                                  <p:stCondLst>
+                                    <p:cond delay="0"/>
+                                  </p:stCondLst>
+                                  <p:childTnLst>
+                                    <p:set>
+                                      <p:cBhvr>
+                                        <p:cTn id="6" dur="1" fill="hold">
+                                          <p:stCondLst>
+                                            <p:cond delay="0"/>
+                                          </p:stCondLst>
+                                        </p:cTn>
+                                        <p:tgtEl>
+                                          <p:spTgt spid="2"/>
+                                        </p:tgtEl>
+                                        <p:attrNameLst>
+                                          <p:attrName>style.visibility</p:attrName>
+                                        </p:attrNameLst>
+                                      </p:cBhvr>
+                                      <p:to>
+                                        <p:strVal val="visible"/>
+                                      </p:to>
+                                    </p:set>
+                                    <p:animEffect transition="in" filter="randombar(horizontal)">
+                                      <p:cBhvr>
+                                        <p:cTn id="7" dur="500"/>
+                                        <p:tgtEl>
+                                          <p:spTgt spid="2"/>
+                                        </p:tgtEl>
+                                      </p:cBhvr>
+                                    </p:animEffect>
+                                  </p:childTnLst>
+                                </p:cTn>
+                              </p:par>
+                            </p:childTnLst>
+                          </p:cTn>
+                        </p:par>
+                        <p:par>
+                          <p:cTn id="8" fill="hold">
+                            <p:stCondLst>
+                              <p:cond delay="500"/>
+                            </p:stCondLst>
+                            <p:childTnLst>
+                              <p:par>
+                                <p:cTn id="9" presetID="14" presetClass="entr" presetSubtype="10" fill="hold" nodeType="afterEffect">
+                                  <p:stCondLst>
+                                    <p:cond delay="0"/>
+                                  </p:stCondLst>
+                                  <p:childTnLst>
+                                    <p:set>
+                                      <p:cBhvr>
+                                        <p:cTn id="10" dur="1" fill="hold">
+                                          <p:stCondLst>
+                                            <p:cond delay="0"/>
+                                          </p:stCondLst>
+                                        </p:cTn>
+                                        <p:tgtEl>
+                                          <p:spTgt spid="11"/>
+                                        </p:tgtEl>
+                                        <p:attrNameLst>
+                                          <p:attrName>style.visibility</p:attrName>
+                                        </p:attrNameLst>
+                                      </p:cBhvr>
+                                      <p:to>
+                                        <p:strVal val="visible"/>
+                                      </p:to>
+                                    </p:set>
+                                    <p:animEffect transition="in" filter="randombar(horizontal)">
+                                      <p:cBhvr>
+                                        <p:cTn id="11" dur="250"/>
+                                        <p:tgtEl>
+                                          <p:spTgt spid="11"/>
+                                        </p:tgtEl>
+                                      </p:cBhvr>
+                                    </p:animEffect>
+                                  </p:childTnLst>
+                                </p:cTn>
+                              </p:par>
+                            </p:childTnLst>
+                          </p:cTn>
+                        </p:par>
+                        <p:par>
+                          <p:cTn id="12" fill="hold">
+                            <p:stCondLst>
+                              <p:cond delay="750"/>
+                            </p:stCondLst>
+                            <p:childTnLst>
+                              <p:par>
+                                <p:cTn id="13" presetID="14" presetClass="entr" presetSubtype="10" fill="hold" nodeType="afterEffect">
+                                  <p:stCondLst>
+                                    <p:cond delay="0"/>
+                                  </p:stCondLst>
+                                  <p:childTnLst>
+                                    <p:set>
+                                      <p:cBhvr>
+                                        <p:cTn id="14" dur="1" fill="hold">
+                                          <p:stCondLst>
+                                            <p:cond delay="0"/>
+                                          </p:stCondLst>
+                                        </p:cTn>
+                                        <p:tgtEl>
+                                          <p:spTgt spid="13"/>
+                                        </p:tgtEl>
+                                        <p:attrNameLst>
+                                          <p:attrName>style.visibility</p:attrName>
+                                        </p:attrNameLst>
+                                      </p:cBhvr>
+                                      <p:to>
+                                        <p:strVal val="visible"/>
+                                      </p:to>
+                                    </p:set>
+                                    <p:animEffect transition="in" filter="randombar(horizontal)">
+                                      <p:cBhvr>
+                                        <p:cTn id="15" dur="500"/>
+                                        <p:tgtEl>
+                                          <p:spTgt spid="13"/>
+                                        </p:tgtEl>
+                                      </p:cBhvr>
+                                    </p:animEffect>
+                                  </p:childTnLst>
+                                </p:cTn>
+                              </p:par>
+                            </p:childTnLst>
+                          </p:cTn>
+                        </p:par>
+                        <p:par>
+                          <p:cTn id="16" fill="hold">
+                            <p:stCondLst>
+                              <p:cond delay="1250"/>
+                            </p:stCondLst>
+                            <p:childTnLst>
+                              <p:par>
+                                <p:cTn id="17" presetID="14" presetClass="entr" presetSubtype="10" fill="hold" grpId="0" nodeType="afterEffect">
+                                  <p:stCondLst>
+                                    <p:cond delay="0"/>
+                                  </p:stCondLst>
+                                  <p:childTnLst>
+                                    <p:set>
+                                      <p:cBhvr>
+                                        <p:cTn id="18" dur="1" fill="hold">
+                                          <p:stCondLst>
+                                            <p:cond delay="0"/>
+                                          </p:stCondLst>
+                                        </p:cTn>
+                                        <p:tgtEl>
+                                          <p:spTgt spid="15"/>
+                                        </p:tgtEl>
+                                        <p:attrNameLst>
+                                          <p:attrName>style.visibility</p:attrName>
+                                        </p:attrNameLst>
+                                      </p:cBhvr>
+                                      <p:to>
+                                        <p:strVal val="visible"/>
+                                      </p:to>
+                                    </p:set>
+                                    <p:animEffect transition="in" filter="randombar(horizontal)">
+                                      <p:cBhvr>
+                                        <p:cTn id="19" dur="500"/>
+                                        <p:tgtEl>
+                                          <p:spTgt spid="15"/>
+                                        </p:tgtEl>
+                                      </p:cBhvr>
+                                    </p:animEffect>
+                                  </p:childTnLst>
+                                </p:cTn>
+                              </p:par>
+                            </p:childTnLst>
+                          </p:cTn>
+                        </p:par>
+                        <p:par>
+                          <p:cTn id="20" fill="hold">
+                            <p:stCondLst>
+                              <p:cond delay="1750"/>
+                            </p:stCondLst>
+                            <p:childTnLst>
+                              <p:par>
+                                <p:cTn id="21" presetID="14" presetClass="entr" presetSubtype="10" fill="hold" nodeType="afterEffect">
+                                  <p:stCondLst>
+                                    <p:cond delay="0"/>
+                                  </p:stCondLst>
+                                  <p:childTnLst>
+                                    <p:set>
+                                      <p:cBhvr>
+                                        <p:cTn id="22" dur="1" fill="hold">
+                                          <p:stCondLst>
+                                            <p:cond delay="0"/>
+                                          </p:stCondLst>
+                                        </p:cTn>
+                                        <p:tgtEl>
+                                          <p:spTgt spid="16"/>
+                                        </p:tgtEl>
+                                        <p:attrNameLst>
+                                          <p:attrName>style.visibility</p:attrName>
+                                        </p:attrNameLst>
+                                      </p:cBhvr>
+                                      <p:to>
+                                        <p:strVal val="visible"/>
+                                      </p:to>
+                                    </p:set>
+                                    <p:animEffect transition="in" filter="randombar(horizontal)">
+                                      <p:cBhvr>
+                                        <p:cTn id="23" dur="500"/>
+                                        <p:tgtEl>
+                                          <p:spTgt spid="16"/>
+                                        </p:tgtEl>
+                                      </p:cBhvr>
+                                    </p:animEffect>
+                                  </p:childTnLst>
+                                </p:cTn>
+                              </p:par>
+                            </p:childTnLst>
+                          </p:cTn>
+                        </p:par>
+                        <p:par>
+                          <p:cTn id="24" fill="hold">
+                            <p:stCondLst>
+                              <p:cond delay="2250"/>
+                            </p:stCondLst>
+                            <p:childTnLst>
+                              <p:par>
+                                <p:cTn id="25" presetID="14" presetClass="entr" presetSubtype="10" fill="hold" grpId="0" nodeType="afterEffect">
+                                  <p:stCondLst>
+                                    <p:cond delay="0"/>
+                                  </p:stCondLst>
+                                  <p:childTnLst>
+                                    <p:set>
+                                      <p:cBhvr>
+                                        <p:cTn id="26" dur="1" fill="hold">
+                                          <p:stCondLst>
+                                            <p:cond delay="0"/>
+                                          </p:stCondLst>
+                                        </p:cTn>
+                                        <p:tgtEl>
+                                          <p:spTgt spid="21"/>
+                                        </p:tgtEl>
+                                        <p:attrNameLst>
+                                          <p:attrName>style.visibility</p:attrName>
+                                        </p:attrNameLst>
+                                      </p:cBhvr>
+                                      <p:to>
+                                        <p:strVal val="visible"/>
+                                      </p:to>
+                                    </p:set>
+                                    <p:animEffect transition="in" filter="randombar(horizontal)">
+                                      <p:cBhvr>
+                                        <p:cTn id="27" dur="500"/>
+                                        <p:tgtEl>
+                                          <p:spTgt spid="21"/>
+                                        </p:tgtEl>
+                                      </p:cBhvr>
+                                    </p:animEffect>
+                                  </p:childTnLst>
+                                </p:cTn>
+                              </p:par>
+                            </p:childTnLst>
+                          </p:cTn>
+                        </p:par>
+                        <p:par>
+                          <p:cTn id="28" fill="hold">
+                            <p:stCondLst>
+                              <p:cond delay="2750"/>
+                            </p:stCondLst>
+                            <p:childTnLst>
+                              <p:par>
+                                <p:cTn id="29" presetID="14" presetClass="entr" presetSubtype="10" fill="hold" grpId="0" nodeType="afterEffect">
+                                  <p:stCondLst>
+                                    <p:cond delay="0"/>
+                                  </p:stCondLst>
+                                  <p:childTnLst>
+                                    <p:set>
+                                      <p:cBhvr>
+                                        <p:cTn id="30" dur="1" fill="hold">
+                                          <p:stCondLst>
+                                            <p:cond delay="0"/>
+                                          </p:stCondLst>
+                                        </p:cTn>
+                                        <p:tgtEl>
+                                          <p:spTgt spid="19"/>
+                                        </p:tgtEl>
+                                        <p:attrNameLst>
+                                          <p:attrName>style.visibility</p:attrName>
+                                        </p:attrNameLst>
+                                      </p:cBhvr>
+                                      <p:to>
+                                        <p:strVal val="visible"/>
+                                      </p:to>
+                                    </p:set>
+                                    <p:animEffect transition="in" filter="randombar(horizontal)">
+                                      <p:cBhvr>
+                                        <p:cTn id="31" dur="500"/>
+                                        <p:tgtEl>
+                                          <p:spTgt spid="19"/>
+                                        </p:tgtEl>
+                                      </p:cBhvr>
+                                    </p:animEffect>
+                                  </p:childTnLst>
+                                </p:cTn>
+                              </p:par>
+                            </p:childTnLst>
+                          </p:cTn>
+                        </p:par>
+                        <p:par>
+                          <p:cTn id="32" fill="hold">
+                            <p:stCondLst>
+                              <p:cond delay="3250"/>
+                            </p:stCondLst>
+                            <p:childTnLst>
+                              <p:par>
+                                <p:cTn id="33" presetID="14" presetClass="entr" presetSubtype="10" fill="hold" grpId="0" nodeType="afterEffect">
+                                  <p:stCondLst>
+                                    <p:cond delay="0"/>
+                                  </p:stCondLst>
+                                  <p:childTnLst>
+                                    <p:set>
+                                      <p:cBhvr>
+                                        <p:cTn id="34" dur="1" fill="hold">
+                                          <p:stCondLst>
+                                            <p:cond delay="0"/>
+                                          </p:stCondLst>
+                                        </p:cTn>
+                                        <p:tgtEl>
+                                          <p:spTgt spid="22"/>
+                                        </p:tgtEl>
+                                        <p:attrNameLst>
+                                          <p:attrName>style.visibility</p:attrName>
+                                        </p:attrNameLst>
+                                      </p:cBhvr>
+                                      <p:to>
+                                        <p:strVal val="visible"/>
+                                      </p:to>
+                                    </p:set>
+                                    <p:animEffect transition="in" filter="randombar(horizontal)">
+                                      <p:cBhvr>
+                                        <p:cTn id="35" dur="500"/>
+                                        <p:tgtEl>
+                                          <p:spTgt spid="22"/>
+                                        </p:tgtEl>
+                                      </p:cBhvr>
+                                    </p:animEffect>
+                                  </p:childTnLst>
+                                </p:cTn>
+                              </p:par>
+                            </p:childTnLst>
+                          </p:cTn>
+                        </p:par>
+                        <p:par>
+                          <p:cTn id="36" fill="hold">
+                            <p:stCondLst>
+                              <p:cond delay="3750"/>
+                            </p:stCondLst>
+                            <p:childTnLst>
+                              <p:par>
+                                <p:cTn id="37" presetID="14" presetClass="entr" presetSubtype="10" fill="hold" grpId="0" nodeType="afterEffect">
+                                  <p:stCondLst>
+                                    <p:cond delay="0"/>
+                                  </p:stCondLst>
+                                  <p:childTnLst>
+                                    <p:set>
+                                      <p:cBhvr>
+                                        <p:cTn id="38" dur="1" fill="hold">
+                                          <p:stCondLst>
+                                            <p:cond delay="0"/>
+                                          </p:stCondLst>
+                                        </p:cTn>
+                                        <p:tgtEl>
+                                          <p:spTgt spid="25"/>
+                                        </p:tgtEl>
+                                        <p:attrNameLst>
+                                          <p:attrName>style.visibility</p:attrName>
+                                        </p:attrNameLst>
+                                      </p:cBhvr>
+                                      <p:to>
+                                        <p:strVal val="visible"/>
+                                      </p:to>
+                                    </p:set>
+                                    <p:animEffect transition="in" filter="randombar(horizontal)">
+                                      <p:cBhvr>
+                                        <p:cTn id="39" dur="500"/>
+                                        <p:tgtEl>
+                                          <p:spTgt spid="25"/>
+                                        </p:tgtEl>
+                                      </p:cBhvr>
+                                    </p:animEffect>
+                                  </p:childTnLst>
+                                </p:cTn>
+                              </p:par>
+                            </p:childTnLst>
+                          </p:cTn>
+                        </p:par>
+                        <p:par>
+                          <p:cTn id="40" fill="hold">
+                            <p:stCondLst>
+                              <p:cond delay="4250"/>
+                            </p:stCondLst>
+                            <p:childTnLst>
+                              <p:par>
+                                <p:cTn id="41" presetID="14" presetClass="entr" presetSubtype="10" fill="hold" nodeType="afterEffect">
+                                  <p:stCondLst>
+                                    <p:cond delay="0"/>
+                                  </p:stCondLst>
+                                  <p:childTnLst>
+                                    <p:set>
+                                      <p:cBhvr>
+                                        <p:cTn id="42" dur="1" fill="hold">
+                                          <p:stCondLst>
+                                            <p:cond delay="0"/>
+                                          </p:stCondLst>
+                                        </p:cTn>
+                                        <p:tgtEl>
+                                          <p:spTgt spid="26"/>
+                                        </p:tgtEl>
+                                        <p:attrNameLst>
+                                          <p:attrName>style.visibility</p:attrName>
+                                        </p:attrNameLst>
+                                      </p:cBhvr>
+                                      <p:to>
+                                        <p:strVal val="visible"/>
+                                      </p:to>
+                                    </p:set>
+                                    <p:animEffect transition="in" filter="randombar(horizontal)">
+                                      <p:cBhvr>
+                                        <p:cTn id="43" dur="500"/>
+                                        <p:tgtEl>
+                                          <p:spTgt spid="26"/>
+                                        </p:tgtEl>
+                                      </p:cBhvr>
+                                    </p:animEffect>
+                                  </p:childTnLst>
+                                </p:cTn>
+                              </p:par>
+                            </p:childTnLst>
+                          </p:cTn>
+                        </p:par>
+                        <p:par>
+                          <p:cTn id="44" fill="hold">
+                            <p:stCondLst>
+                              <p:cond delay="4750"/>
+                            </p:stCondLst>
+                            <p:childTnLst>
+                              <p:par>
+                                <p:cTn id="45" presetID="14" presetClass="entr" presetSubtype="10" fill="hold" grpId="0" nodeType="afterEffect">
+                                  <p:stCondLst>
+                                    <p:cond delay="0"/>
+                                  </p:stCondLst>
+                                  <p:childTnLst>
+                                    <p:set>
+                                      <p:cBhvr>
+                                        <p:cTn id="46" dur="1" fill="hold">
+                                          <p:stCondLst>
+                                            <p:cond delay="0"/>
+                                          </p:stCondLst>
+                                        </p:cTn>
+                                        <p:tgtEl>
+                                          <p:spTgt spid="46"/>
+                                        </p:tgtEl>
+                                        <p:attrNameLst>
+                                          <p:attrName>style.visibility</p:attrName>
+                                        </p:attrNameLst>
+                                      </p:cBhvr>
+                                      <p:to>
+                                        <p:strVal val="visible"/>
+                                      </p:to>
+                                    </p:set>
+                                    <p:animEffect transition="in" filter="randombar(horizontal)">
+                                      <p:cBhvr>
+                                        <p:cTn id="47" dur="500"/>
+                                        <p:tgtEl>
+                                          <p:spTgt spid="46"/>
+                                        </p:tgtEl>
+                                      </p:cBhvr>
+                                    </p:animEffect>
+                                  </p:childTnLst>
+                                </p:cTn>
+                              </p:par>
+                            </p:childTnLst>
+                          </p:cTn>
+                        </p:par>
+                        <p:par>
+                          <p:cTn id="48" fill="hold">
+                            <p:stCondLst>
+                              <p:cond delay="5250"/>
+                            </p:stCondLst>
+                            <p:childTnLst>
+                              <p:par>
+                                <p:cTn id="49" presetID="14" presetClass="entr" presetSubtype="10" fill="hold" nodeType="afterEffect">
+                                  <p:stCondLst>
+                                    <p:cond delay="0"/>
+                                  </p:stCondLst>
+                                  <p:childTnLst>
+                                    <p:set>
+                                      <p:cBhvr>
+                                        <p:cTn id="50" dur="1" fill="hold">
+                                          <p:stCondLst>
+                                            <p:cond delay="0"/>
+                                          </p:stCondLst>
+                                        </p:cTn>
+                                        <p:tgtEl>
+                                          <p:spTgt spid="54"/>
+                                        </p:tgtEl>
+                                        <p:attrNameLst>
+                                          <p:attrName>style.visibility</p:attrName>
+                                        </p:attrNameLst>
+                                      </p:cBhvr>
+                                      <p:to>
+                                        <p:strVal val="visible"/>
+                                      </p:to>
+                                    </p:set>
+                                    <p:animEffect transition="in" filter="randombar(horizontal)">
+                                      <p:cBhvr>
+                                        <p:cTn id="51" dur="500"/>
+                                        <p:tgtEl>
+                                          <p:spTgt spid="54"/>
+                                        </p:tgtEl>
+                                      </p:cBhvr>
+                                    </p:animEffect>
+                                  </p:childTnLst>
+                                </p:cTn>
+                              </p:par>
+                            </p:childTnLst>
+                          </p:cTn>
+                        </p:par>
+                        <p:par>
+                          <p:cTn id="52" fill="hold">
+                            <p:stCondLst>
+                              <p:cond delay="5750"/>
+                            </p:stCondLst>
+                            <p:childTnLst>
+                              <p:par>
+                                <p:cTn id="53" presetID="14" presetClass="entr" presetSubtype="10" fill="hold" grpId="0" nodeType="afterEffect">
+                                  <p:stCondLst>
+                                    <p:cond delay="0"/>
+                                  </p:stCondLst>
+                                  <p:childTnLst>
+                                    <p:set>
+                                      <p:cBhvr>
+                                        <p:cTn id="54" dur="1" fill="hold">
+                                          <p:stCondLst>
+                                            <p:cond delay="0"/>
+                                          </p:stCondLst>
+                                        </p:cTn>
+                                        <p:tgtEl>
+                                          <p:spTgt spid="58"/>
+                                        </p:tgtEl>
+                                        <p:attrNameLst>
+                                          <p:attrName>style.visibility</p:attrName>
+                                        </p:attrNameLst>
+                                      </p:cBhvr>
+                                      <p:to>
+                                        <p:strVal val="visible"/>
+                                      </p:to>
+                                    </p:set>
+                                    <p:animEffect transition="in" filter="randombar(horizontal)">
+                                      <p:cBhvr>
+                                        <p:cTn id="55" dur="500"/>
+                                        <p:tgtEl>
+                                          <p:spTgt spid="58"/>
+                                        </p:tgtEl>
+                                      </p:cBhvr>
+                                    </p:animEffect>
+                                  </p:childTnLst>
+                                </p:cTn>
+                              </p:par>
+                            </p:childTnLst>
+                          </p:cTn>
+                        </p:par>
+                        <p:par>
+                          <p:cTn id="56" fill="hold">
+                            <p:stCondLst>
+                              <p:cond delay="6250"/>
+                            </p:stCondLst>
+                            <p:childTnLst>
+                              <p:par>
+                                <p:cTn id="57" presetID="14" presetClass="entr" presetSubtype="10" fill="hold" grpId="0" nodeType="afterEffect">
+                                  <p:stCondLst>
+                                    <p:cond delay="0"/>
+                                  </p:stCondLst>
+                                  <p:childTnLst>
+                                    <p:set>
+                                      <p:cBhvr>
+                                        <p:cTn id="58" dur="1" fill="hold">
+                                          <p:stCondLst>
+                                            <p:cond delay="0"/>
+                                          </p:stCondLst>
+                                        </p:cTn>
+                                        <p:tgtEl>
+                                          <p:spTgt spid="62"/>
+                                        </p:tgtEl>
+                                        <p:attrNameLst>
+                                          <p:attrName>style.visibility</p:attrName>
+                                        </p:attrNameLst>
+                                      </p:cBhvr>
+                                      <p:to>
+                                        <p:strVal val="visible"/>
+                                      </p:to>
+                                    </p:set>
+                                    <p:animEffect transition="in" filter="randombar(horizontal)">
+                                      <p:cBhvr>
+                                        <p:cTn id="59" dur="500"/>
+                                        <p:tgtEl>
+                                          <p:spTgt spid="62"/>
+                                        </p:tgtEl>
+                                      </p:cBhvr>
+                                    </p:animEffect>
+                                  </p:childTnLst>
+                                </p:cTn>
+                              </p:par>
+                            </p:childTnLst>
+                          </p:cTn>
+                        </p:par>
+                        <p:par>
+                          <p:cTn id="60" fill="hold">
+                            <p:stCondLst>
+                              <p:cond delay="6750"/>
+                            </p:stCondLst>
+                            <p:childTnLst>
+                              <p:par>
+                                <p:cTn id="61" presetID="14" presetClass="entr" presetSubtype="10" fill="hold" nodeType="afterEffect">
+                                  <p:stCondLst>
+                                    <p:cond delay="0"/>
+                                  </p:stCondLst>
+                                  <p:childTnLst>
+                                    <p:set>
+                                      <p:cBhvr>
+                                        <p:cTn id="62" dur="1" fill="hold">
+                                          <p:stCondLst>
+                                            <p:cond delay="0"/>
+                                          </p:stCondLst>
+                                        </p:cTn>
+                                        <p:tgtEl>
+                                          <p:spTgt spid="59"/>
+                                        </p:tgtEl>
+                                        <p:attrNameLst>
+                                          <p:attrName>style.visibility</p:attrName>
+                                        </p:attrNameLst>
+                                      </p:cBhvr>
+                                      <p:to>
+                                        <p:strVal val="visible"/>
+                                      </p:to>
+                                    </p:set>
+                                    <p:animEffect transition="in" filter="randombar(horizontal)">
+                                      <p:cBhvr>
+                                        <p:cTn id="63" dur="500"/>
+                                        <p:tgtEl>
+                                          <p:spTgt spid="59"/>
+                                        </p:tgtEl>
+                                      </p:cBhvr>
+                                    </p:animEffect>
+                                  </p:childTnLst>
+                                </p:cTn>
+                              </p:par>
+                            </p:childTnLst>
+                          </p:cTn>
+                        </p:par>
+                        <p:par>
+                          <p:cTn id="64" fill="hold">
+                            <p:stCondLst>
+                              <p:cond delay="7250"/>
+                            </p:stCondLst>
+                            <p:childTnLst>
+                              <p:par>
+                                <p:cTn id="65" presetID="14" presetClass="entr" presetSubtype="10" fill="hold" grpId="0" nodeType="afterEffect">
+                                  <p:stCondLst>
+                                    <p:cond delay="0"/>
+                                  </p:stCondLst>
+                                  <p:childTnLst>
+                                    <p:set>
+                                      <p:cBhvr>
+                                        <p:cTn id="66" dur="1" fill="hold">
+                                          <p:stCondLst>
+                                            <p:cond delay="0"/>
+                                          </p:stCondLst>
+                                        </p:cTn>
+                                        <p:tgtEl>
+                                          <p:spTgt spid="34"/>
+                                        </p:tgtEl>
+                                        <p:attrNameLst>
+                                          <p:attrName>style.visibility</p:attrName>
+                                        </p:attrNameLst>
+                                      </p:cBhvr>
+                                      <p:to>
+                                        <p:strVal val="visible"/>
+                                      </p:to>
+                                    </p:set>
+                                    <p:animEffect transition="in" filter="randombar(horizontal)">
+                                      <p:cBhvr>
+                                        <p:cTn id="67" dur="500"/>
+                                        <p:tgtEl>
+                                          <p:spTgt spid="34"/>
+                                        </p:tgtEl>
+                                      </p:cBhvr>
+                                    </p:animEffect>
+                                  </p:childTnLst>
+                                </p:cTn>
+                              </p:par>
+                            </p:childTnLst>
+                          </p:cTn>
+                        </p:par>
+                        <p:par>
+                          <p:cTn id="68" fill="hold">
+                            <p:stCondLst>
+                              <p:cond delay="7750"/>
+                            </p:stCondLst>
+                            <p:childTnLst>
+                              <p:par>
+                                <p:cTn id="69" presetID="14" presetClass="entr" presetSubtype="10" fill="hold" grpId="0" nodeType="afterEffect">
+                                  <p:stCondLst>
+                                    <p:cond delay="0"/>
+                                  </p:stCondLst>
+                                  <p:childTnLst>
+                                    <p:set>
+                                      <p:cBhvr>
+                                        <p:cTn id="70" dur="1" fill="hold">
+                                          <p:stCondLst>
+                                            <p:cond delay="0"/>
+                                          </p:stCondLst>
+                                        </p:cTn>
+                                        <p:tgtEl>
+                                          <p:spTgt spid="45"/>
+                                        </p:tgtEl>
+                                        <p:attrNameLst>
+                                          <p:attrName>style.visibility</p:attrName>
+                                        </p:attrNameLst>
+                                      </p:cBhvr>
+                                      <p:to>
+                                        <p:strVal val="visible"/>
+                                      </p:to>
+                                    </p:set>
+                                    <p:animEffect transition="in" filter="randombar(horizontal)">
+                                      <p:cBhvr>
+                                        <p:cTn id="71" dur="500"/>
+                                        <p:tgtEl>
+                                          <p:spTgt spid="45"/>
+                                        </p:tgtEl>
+                                      </p:cBhvr>
+                                    </p:animEffect>
+                                  </p:childTnLst>
+                                </p:cTn>
+                              </p:par>
+                            </p:childTnLst>
+                          </p:cTn>
+                        </p:par>
+                        <p:par>
+                          <p:cTn id="72" fill="hold">
+                            <p:stCondLst>
+                              <p:cond delay="8250"/>
+                            </p:stCondLst>
+                            <p:childTnLst>
+                              <p:par>
+                                <p:cTn id="73" presetID="14" presetClass="entr" presetSubtype="10" fill="hold" grpId="0" nodeType="afterEffect">
+                                  <p:stCondLst>
+                                    <p:cond delay="0"/>
+                                  </p:stCondLst>
+                                  <p:childTnLst>
+                                    <p:set>
+                                      <p:cBhvr>
+                                        <p:cTn id="74" dur="1" fill="hold">
+                                          <p:stCondLst>
+                                            <p:cond delay="0"/>
+                                          </p:stCondLst>
+                                        </p:cTn>
+                                        <p:tgtEl>
+                                          <p:spTgt spid="47"/>
+                                        </p:tgtEl>
+                                        <p:attrNameLst>
+                                          <p:attrName>style.visibility</p:attrName>
+                                        </p:attrNameLst>
+                                      </p:cBhvr>
+                                      <p:to>
+                                        <p:strVal val="visible"/>
+                                      </p:to>
+                                    </p:set>
+                                    <p:animEffect transition="in" filter="randombar(horizontal)">
+                                      <p:cBhvr>
+                                        <p:cTn id="75" dur="500"/>
+                                        <p:tgtEl>
+                                          <p:spTgt spid="47"/>
+                                        </p:tgtEl>
+                                      </p:cBhvr>
+                                    </p:animEffect>
+                                  </p:childTnLst>
+                                </p:cTn>
+                              </p:par>
+                            </p:childTnLst>
+                          </p:cTn>
+                        </p:par>
+                        <p:par>
+                          <p:cTn id="76" fill="hold">
+                            <p:stCondLst>
+                              <p:cond delay="8750"/>
+                            </p:stCondLst>
+                            <p:childTnLst>
+                              <p:par>
+                                <p:cTn id="77" presetID="14" presetClass="entr" presetSubtype="10" fill="hold" grpId="0" nodeType="afterEffect">
+                                  <p:stCondLst>
+                                    <p:cond delay="0"/>
+                                  </p:stCondLst>
+                                  <p:childTnLst>
+                                    <p:set>
+                                      <p:cBhvr>
+                                        <p:cTn id="78" dur="1" fill="hold">
+                                          <p:stCondLst>
+                                            <p:cond delay="0"/>
+                                          </p:stCondLst>
+                                        </p:cTn>
+                                        <p:tgtEl>
+                                          <p:spTgt spid="48"/>
+                                        </p:tgtEl>
+                                        <p:attrNameLst>
+                                          <p:attrName>style.visibility</p:attrName>
+                                        </p:attrNameLst>
+                                      </p:cBhvr>
+                                      <p:to>
+                                        <p:strVal val="visible"/>
+                                      </p:to>
+                                    </p:set>
+                                    <p:animEffect transition="in" filter="randombar(horizontal)">
+                                      <p:cBhvr>
+                                        <p:cTn id="79" dur="500"/>
+                                        <p:tgtEl>
+                                          <p:spTgt spid="48"/>
+                                        </p:tgtEl>
+                                      </p:cBhvr>
+                                    </p:animEffect>
+                                  </p:childTnLst>
+                                </p:cTn>
+                              </p:par>
+                            </p:childTnLst>
+                          </p:cTn>
+                        </p:par>
+                        <p:par>
+                          <p:cTn id="80" fill="hold">
+                            <p:stCondLst>
+                              <p:cond delay="9250"/>
+                            </p:stCondLst>
+                            <p:childTnLst>
+                              <p:par>
+                                <p:cTn id="81" presetID="14" presetClass="entr" presetSubtype="10" fill="hold" grpId="0" nodeType="afterEffect">
+                                  <p:stCondLst>
+                                    <p:cond delay="0"/>
+                                  </p:stCondLst>
+                                  <p:childTnLst>
+                                    <p:set>
+                                      <p:cBhvr>
+                                        <p:cTn id="82" dur="1" fill="hold">
+                                          <p:stCondLst>
+                                            <p:cond delay="0"/>
+                                          </p:stCondLst>
+                                        </p:cTn>
+                                        <p:tgtEl>
+                                          <p:spTgt spid="49"/>
+                                        </p:tgtEl>
+                                        <p:attrNameLst>
+                                          <p:attrName>style.visibility</p:attrName>
+                                        </p:attrNameLst>
+                                      </p:cBhvr>
+                                      <p:to>
+                                        <p:strVal val="visible"/>
+                                      </p:to>
+                                    </p:set>
+                                    <p:animEffect transition="in" filter="randombar(horizontal)">
+                                      <p:cBhvr>
+                                        <p:cTn id="83" dur="500"/>
+                                        <p:tgtEl>
+                                          <p:spTgt spid="49"/>
+                                        </p:tgtEl>
+                                      </p:cBhvr>
+                                    </p:animEffect>
+                                  </p:childTnLst>
+                                </p:cTn>
+                              </p:par>
+                            </p:childTnLst>
+                          </p:cTn>
+                        </p:par>
+                        <p:par>
+                          <p:cTn id="84" fill="hold">
+                            <p:stCondLst>
+                              <p:cond delay="9750"/>
+                            </p:stCondLst>
+                            <p:childTnLst>
+                              <p:par>
+                                <p:cTn id="85" presetID="14" presetClass="entr" presetSubtype="10" fill="hold" grpId="0" nodeType="afterEffect">
+                                  <p:stCondLst>
+                                    <p:cond delay="0"/>
+                                  </p:stCondLst>
+                                  <p:childTnLst>
+                                    <p:set>
+                                      <p:cBhvr>
+                                        <p:cTn id="86" dur="1" fill="hold">
+                                          <p:stCondLst>
+                                            <p:cond delay="0"/>
+                                          </p:stCondLst>
+                                        </p:cTn>
+                                        <p:tgtEl>
+                                          <p:spTgt spid="50"/>
+                                        </p:tgtEl>
+                                        <p:attrNameLst>
+                                          <p:attrName>style.visibility</p:attrName>
+                                        </p:attrNameLst>
+                                      </p:cBhvr>
+                                      <p:to>
+                                        <p:strVal val="visible"/>
+                                      </p:to>
+                                    </p:set>
+                                    <p:animEffect transition="in" filter="randombar(horizontal)">
+                                      <p:cBhvr>
+                                        <p:cTn id="87" dur="500"/>
+                                        <p:tgtEl>
+                                          <p:spTgt spid="50"/>
+                                        </p:tgtEl>
+                                      </p:cBhvr>
+                                    </p:animEffect>
+                                  </p:childTnLst>
+                                </p:cTn>
+                              </p:par>
+                            </p:childTnLst>
+                          </p:cTn>
+                        </p:par>
+                        <p:par>
+                          <p:cTn id="88" fill="hold">
+                            <p:stCondLst>
+                              <p:cond delay="10250"/>
+                            </p:stCondLst>
+                            <p:childTnLst>
+                              <p:par>
+                                <p:cTn id="89" presetID="14" presetClass="entr" presetSubtype="10" fill="hold" grpId="0" nodeType="afterEffect">
+                                  <p:stCondLst>
+                                    <p:cond delay="0"/>
+                                  </p:stCondLst>
+                                  <p:childTnLst>
+                                    <p:set>
+                                      <p:cBhvr>
+                                        <p:cTn id="90" dur="1" fill="hold">
+                                          <p:stCondLst>
+                                            <p:cond delay="0"/>
+                                          </p:stCondLst>
+                                        </p:cTn>
+                                        <p:tgtEl>
+                                          <p:spTgt spid="51"/>
+                                        </p:tgtEl>
+                                        <p:attrNameLst>
+                                          <p:attrName>style.visibility</p:attrName>
+                                        </p:attrNameLst>
+                                      </p:cBhvr>
+                                      <p:to>
+                                        <p:strVal val="visible"/>
+                                      </p:to>
+                                    </p:set>
+                                    <p:animEffect transition="in" filter="randombar(horizontal)">
+                                      <p:cBhvr>
+                                        <p:cTn id="91" dur="500"/>
+                                        <p:tgtEl>
+                                          <p:spTgt spid="51"/>
+                                        </p:tgtEl>
+                                      </p:cBhvr>
+                                    </p:animEffect>
+                                  </p:childTnLst>
+                                </p:cTn>
+                              </p:par>
+                            </p:childTnLst>
+                          </p:cTn>
+                        </p:par>
+                        <p:par>
+                          <p:cTn id="92" fill="hold">
+                            <p:stCondLst>
+                              <p:cond delay="10750"/>
+                            </p:stCondLst>
+                            <p:childTnLst>
+                              <p:par>
+                                <p:cTn id="93" presetID="14" presetClass="entr" presetSubtype="10" fill="hold" grpId="0" nodeType="afterEffect">
+                                  <p:stCondLst>
+                                    <p:cond delay="0"/>
+                                  </p:stCondLst>
+                                  <p:childTnLst>
+                                    <p:set>
+                                      <p:cBhvr>
+                                        <p:cTn id="94" dur="1" fill="hold">
+                                          <p:stCondLst>
+                                            <p:cond delay="0"/>
+                                          </p:stCondLst>
+                                        </p:cTn>
+                                        <p:tgtEl>
+                                          <p:spTgt spid="52"/>
+                                        </p:tgtEl>
+                                        <p:attrNameLst>
+                                          <p:attrName>style.visibility</p:attrName>
+                                        </p:attrNameLst>
+                                      </p:cBhvr>
+                                      <p:to>
+                                        <p:strVal val="visible"/>
+                                      </p:to>
+                                    </p:set>
+                                    <p:animEffect transition="in" filter="randombar(horizontal)">
+                                      <p:cBhvr>
+                                        <p:cTn id="95" dur="500"/>
+                                        <p:tgtEl>
+                                          <p:spTgt spid="52"/>
+                                        </p:tgtEl>
+                                      </p:cBhvr>
+                                    </p:animEffect>
+                                  </p:childTnLst>
+                                </p:cTn>
+                              </p:par>
+                            </p:childTnLst>
+                          </p:cTn>
+                        </p:par>
+                        <p:par>
+                          <p:cTn id="96" fill="hold">
+                            <p:stCondLst>
+                              <p:cond delay="11250"/>
+                            </p:stCondLst>
+                            <p:childTnLst>
+                              <p:par>
+                                <p:cTn id="97" presetID="14" presetClass="entr" presetSubtype="10" fill="hold" grpId="0" nodeType="afterEffect">
+                                  <p:stCondLst>
+                                    <p:cond delay="0"/>
+                                  </p:stCondLst>
+                                  <p:childTnLst>
+                                    <p:set>
+                                      <p:cBhvr>
+                                        <p:cTn id="98" dur="1" fill="hold">
+                                          <p:stCondLst>
+                                            <p:cond delay="0"/>
+                                          </p:stCondLst>
+                                        </p:cTn>
+                                        <p:tgtEl>
+                                          <p:spTgt spid="53"/>
+                                        </p:tgtEl>
+                                        <p:attrNameLst>
+                                          <p:attrName>style.visibility</p:attrName>
+                                        </p:attrNameLst>
+                                      </p:cBhvr>
+                                      <p:to>
+                                        <p:strVal val="visible"/>
+                                      </p:to>
+                                    </p:set>
+                                    <p:animEffect transition="in" filter="randombar(horizontal)">
+                                      <p:cBhvr>
+                                        <p:cTn id="99" dur="500"/>
+                                        <p:tgtEl>
+                                          <p:spTgt spid="53"/>
+                                        </p:tgtEl>
+                                      </p:cBhvr>
+                                    </p:animEffect>
+                                  </p:childTnLst>
+                                </p:cTn>
+                              </p:par>
+                            </p:childTnLst>
+                          </p:cTn>
+                        </p:par>
+                      </p:childTnLst>
+                    </p:cTn>
+                  </p:par>
+                </p:childTnLst>
+              </p:cTn>
+              <p:prevCondLst>
+                <p:cond evt="onPrev" delay="0">
+                  <p:tgtEl>
+                    <p:sldTgt/>
+                  </p:tgtEl>
+                </p:cond>
+              </p:prevCondLst>
+              <p:nextCondLst>
+                <p:cond evt="onNext" delay="0">
+                  <p:tgtEl>
+                    <p:sldTgt/>
+                  </p:tgtEl>
+                </p:cond>
+              </p:nextCondLst>
+            </p:seq>
+          </p:childTnLst>
+        </p:cTn>
+      </p:par>
+    </p:tnLst>
+    <p:bldLst>
+      <p:bldP spid="2" grpId="0"/>
+      <p:bldP spid="15" grpId="0" animBg="1"/>
+      <p:bldP spid="21" grpId="0" animBg="1"/>
+      <p:bldP spid="19" grpId="0" animBg="1"/>
+      <p:bldP spid="22" grpId="0"/>
+      <p:bldP spid="25" grpId="0" animBg="1"/>
+      <p:bldP spid="46" grpId="0"/>
+      <p:bldP spid="58" grpId="0" animBg="1"/>
+      <p:bldP spid="62" grpId="0" animBg="1"/>
+      <p:bldP spid="34" grpId="0" animBg="1"/>
+      <p:bldP spid="45" grpId="0" animBg="1"/>
+      <p:bldP spid="47" grpId="0" animBg="1"/>
+      <p:bldP spid="48" grpId="0" animBg="1"/>
+      <p:bldP spid="49" grpId="0" animBg="1"/>
+      <p:bldP spid="50" grpId="0" animBg="1"/>
+      <p:bldP spid="51" grpId="0" animBg="1"/>
+      <p:bldP spid="52" grpId="0" animBg="1"/>
+      <p:bldP spid="53" grpId="0" animBg="1"/>
+    </p:bldLst>
+  </p:timing>
+</p:sld>
+</file>
+
 <file path=ppt/slides/slide2.xml><?xml version="1.0" encoding="utf-8"?>
 <p:sld xmlns:a="http://schemas.openxmlformats.org/drawingml/2006/main" xmlns:r="http://schemas.openxmlformats.org/officeDocument/2006/relationships" xmlns:p="http://schemas.openxmlformats.org/presentationml/2006/main">
   <p:cSld>
@@ -4922,7 +9226,7 @@
         <p:spPr>
           <a:xfrm>
             <a:off x="876982" y="3611193"/>
-            <a:ext cx="4175185" cy="1323439"/>
+            <a:ext cx="4175185" cy="1477328"/>
           </a:xfrm>
           <a:prstGeom prst="rect">
             <a:avLst/>
@@ -4965,11 +9269,19 @@
             </a:r>
             <a:r>
               <a:rPr lang="ru-RU" sz="1000" dirty="0"/>
-              <a:t>. На выход же читалка отдает уже обработанный кусок </a:t>
+              <a:t>. На выход же читалка отдает уже обработанный и в том числе агрегированный кусок </a:t>
             </a:r>
             <a:r>
               <a:rPr lang="ru-RU" sz="1000" dirty="0" err="1"/>
               <a:t>датасета</a:t>
+            </a:r>
+            <a:r>
+              <a:rPr lang="ru-RU" sz="1000" dirty="0"/>
+              <a:t>, который может состоять из от одной до 12 частей всего предоставленного </a:t>
+            </a:r>
+            <a:r>
+              <a:rPr lang="ru-RU" sz="1000" dirty="0" err="1"/>
+              <a:t>датасеть</a:t>
             </a:r>
             <a:endParaRPr lang="ru-RU" sz="1000" dirty="0"/>
           </a:p>
@@ -5813,21 +10125,175 @@
             <p:ph type="title"/>
           </p:nvPr>
         </p:nvSpPr>
-        <p:spPr/>
-        <p:txBody>
-          <a:bodyPr/>
+        <p:spPr>
+          <a:xfrm>
+            <a:off x="1099647" y="1023450"/>
+            <a:ext cx="9992705" cy="659971"/>
+          </a:xfrm>
+        </p:spPr>
+        <p:txBody>
+          <a:bodyPr>
+            <a:normAutofit fontScale="90000"/>
+          </a:bodyPr>
           <a:lstStyle/>
           <a:p>
-            <a:endParaRPr lang="ru-RU"/>
-          </a:p>
-        </p:txBody>
-      </p:sp>
-      <p:sp>
-        <p:nvSpPr>
-          <p:cNvPr id="3" name="Объект 2">
+            <a:r>
+              <a:rPr lang="en-US" dirty="0"/>
+              <a:t>Feature</a:t>
+            </a:r>
+            <a:r>
+              <a:rPr lang="ru-RU" dirty="0"/>
+              <a:t> …</a:t>
+            </a:r>
+          </a:p>
+        </p:txBody>
+      </p:sp>
+      <p:sp>
+        <p:nvSpPr>
+          <p:cNvPr id="18" name="TextBox 17">
             <a:extLst>
               <a:ext uri="{FF2B5EF4-FFF2-40B4-BE49-F238E27FC236}">
-                <a16:creationId xmlns:a16="http://schemas.microsoft.com/office/drawing/2014/main" id="{360AD40A-FF46-4B12-8F79-88DDCC2A4052}"/>
+                <a16:creationId xmlns:a16="http://schemas.microsoft.com/office/drawing/2014/main" id="{A88D7D84-40B6-4D89-993B-39FFE31DCD66}"/>
+              </a:ext>
+            </a:extLst>
+          </p:cNvPr>
+          <p:cNvSpPr txBox="1"/>
+          <p:nvPr/>
+        </p:nvSpPr>
+        <p:spPr>
+          <a:xfrm>
+            <a:off x="7705817" y="2396970"/>
+            <a:ext cx="3647099" cy="2516073"/>
+          </a:xfrm>
+          <a:prstGeom prst="rect">
+            <a:avLst/>
+          </a:prstGeom>
+          <a:noFill/>
+        </p:spPr>
+        <p:txBody>
+          <a:bodyPr wrap="square" rtlCol="0">
+            <a:spAutoFit/>
+          </a:bodyPr>
+          <a:lstStyle/>
+          <a:p>
+            <a:r>
+              <a:rPr lang="ru-RU" sz="1050" dirty="0"/>
+              <a:t>*На слайде вы можете наблюдать список </a:t>
+            </a:r>
+            <a:r>
+              <a:rPr lang="ru-RU" sz="1050" dirty="0" err="1"/>
+              <a:t>функий</a:t>
+            </a:r>
+            <a:r>
+              <a:rPr lang="ru-RU" sz="1050" dirty="0"/>
+              <a:t>, которые были написаны специально для обработки этого конкретного </a:t>
+            </a:r>
+            <a:r>
+              <a:rPr lang="ru-RU" sz="1050" dirty="0" err="1"/>
+              <a:t>датасета</a:t>
+            </a:r>
+            <a:r>
+              <a:rPr lang="ru-RU" sz="1050" dirty="0"/>
+              <a:t>, а так же в двух словах логику каждой из них. </a:t>
+            </a:r>
+          </a:p>
+          <a:p>
+            <a:r>
+              <a:rPr lang="ru-RU" sz="1050" dirty="0"/>
+              <a:t>Никакой некромантии применено тут не было – в основном мы старались максимально развить потенциал колонок с ключевой, как нам кажется, информацией, которая может повлиять на целевую переменную, т.е. одобрение нового кредитного продукта для пользователя.</a:t>
+            </a:r>
+          </a:p>
+          <a:p>
+            <a:r>
+              <a:rPr lang="ru-RU" sz="1050" dirty="0"/>
+              <a:t>К примеру, мы посчитали важным, сколько на текущий момент у пользователя неоплаченных займов, по скольким из них имеются просрочки.</a:t>
+            </a:r>
+          </a:p>
+          <a:p>
+            <a:r>
+              <a:rPr lang="ru-RU" sz="1050" dirty="0"/>
+              <a:t>Какой доход при этом пользователь займов приносит займодавцу – </a:t>
+            </a:r>
+            <a:r>
+              <a:rPr lang="ru-RU" sz="1050" b="1" i="1" dirty="0"/>
+              <a:t>это кстати юридический термин я не придумал сейчас это слово</a:t>
+            </a:r>
+            <a:r>
+              <a:rPr lang="en-US" sz="1050" b="1" i="1" dirty="0">
+                <a:sym typeface="Wingdings" panose="05000000000000000000" pitchFamily="2" charset="2"/>
+              </a:rPr>
+              <a:t></a:t>
+            </a:r>
+            <a:endParaRPr lang="ru-RU" sz="1050" b="1" i="1" dirty="0"/>
+          </a:p>
+        </p:txBody>
+      </p:sp>
+      <p:pic>
+        <p:nvPicPr>
+          <p:cNvPr id="16" name="Рисунок 15">
+            <a:extLst>
+              <a:ext uri="{FF2B5EF4-FFF2-40B4-BE49-F238E27FC236}">
+                <a16:creationId xmlns:a16="http://schemas.microsoft.com/office/drawing/2014/main" id="{C6CB46D8-34EB-4C40-9180-611C16305859}"/>
+              </a:ext>
+            </a:extLst>
+          </p:cNvPr>
+          <p:cNvPicPr>
+            <a:picLocks noChangeAspect="1"/>
+          </p:cNvPicPr>
+          <p:nvPr/>
+        </p:nvPicPr>
+        <p:blipFill>
+          <a:blip r:embed="rId2"/>
+          <a:stretch>
+            <a:fillRect/>
+          </a:stretch>
+        </p:blipFill>
+        <p:spPr>
+          <a:xfrm>
+            <a:off x="1099646" y="1876048"/>
+            <a:ext cx="9455903" cy="4019184"/>
+          </a:xfrm>
+          <a:prstGeom prst="rect">
+            <a:avLst/>
+          </a:prstGeom>
+        </p:spPr>
+      </p:pic>
+    </p:spTree>
+    <p:extLst>
+      <p:ext uri="{BB962C8B-B14F-4D97-AF65-F5344CB8AC3E}">
+        <p14:creationId xmlns:p14="http://schemas.microsoft.com/office/powerpoint/2010/main" val="833477454"/>
+      </p:ext>
+    </p:extLst>
+  </p:cSld>
+  <p:clrMapOvr>
+    <a:masterClrMapping/>
+  </p:clrMapOvr>
+</p:sld>
+</file>
+
+<file path=ppt/slides/slide8.xml><?xml version="1.0" encoding="utf-8"?>
+<p:sld xmlns:a="http://schemas.openxmlformats.org/drawingml/2006/main" xmlns:r="http://schemas.openxmlformats.org/officeDocument/2006/relationships" xmlns:p="http://schemas.openxmlformats.org/presentationml/2006/main">
+  <p:cSld>
+    <p:spTree>
+      <p:nvGrpSpPr>
+        <p:cNvPr id="1" name=""/>
+        <p:cNvGrpSpPr/>
+        <p:nvPr/>
+      </p:nvGrpSpPr>
+      <p:grpSpPr>
+        <a:xfrm>
+          <a:off x="0" y="0"/>
+          <a:ext cx="0" cy="0"/>
+          <a:chOff x="0" y="0"/>
+          <a:chExt cx="0" cy="0"/>
+        </a:xfrm>
+      </p:grpSpPr>
+      <p:sp>
+        <p:nvSpPr>
+          <p:cNvPr id="2" name="Заголовок 1">
+            <a:extLst>
+              <a:ext uri="{FF2B5EF4-FFF2-40B4-BE49-F238E27FC236}">
+                <a16:creationId xmlns:a16="http://schemas.microsoft.com/office/drawing/2014/main" id="{D579B1CC-5619-4A05-801A-EBF944BA2BF6}"/>
               </a:ext>
             </a:extLst>
           </p:cNvPr>
@@ -5835,22 +10301,1321 @@
             <a:spLocks noGrp="1"/>
           </p:cNvSpPr>
           <p:nvPr>
-            <p:ph idx="1"/>
+            <p:ph type="title"/>
           </p:nvPr>
         </p:nvSpPr>
-        <p:spPr/>
-        <p:txBody>
-          <a:bodyPr/>
+        <p:spPr>
+          <a:xfrm>
+            <a:off x="1099647" y="1023450"/>
+            <a:ext cx="9992705" cy="659971"/>
+          </a:xfrm>
+        </p:spPr>
+        <p:txBody>
+          <a:bodyPr>
+            <a:normAutofit fontScale="90000"/>
+          </a:bodyPr>
           <a:lstStyle/>
           <a:p>
-            <a:endParaRPr lang="ru-RU"/>
-          </a:p>
-        </p:txBody>
-      </p:sp>
+            <a:r>
+              <a:rPr lang="ru-RU" dirty="0"/>
+              <a:t>…</a:t>
+            </a:r>
+            <a:r>
+              <a:rPr lang="en-US" dirty="0"/>
+              <a:t> engineering</a:t>
+            </a:r>
+            <a:endParaRPr lang="ru-RU" dirty="0"/>
+          </a:p>
+        </p:txBody>
+      </p:sp>
+      <p:sp>
+        <p:nvSpPr>
+          <p:cNvPr id="18" name="TextBox 17">
+            <a:extLst>
+              <a:ext uri="{FF2B5EF4-FFF2-40B4-BE49-F238E27FC236}">
+                <a16:creationId xmlns:a16="http://schemas.microsoft.com/office/drawing/2014/main" id="{A88D7D84-40B6-4D89-993B-39FFE31DCD66}"/>
+              </a:ext>
+            </a:extLst>
+          </p:cNvPr>
+          <p:cNvSpPr txBox="1"/>
+          <p:nvPr/>
+        </p:nvSpPr>
+        <p:spPr>
+          <a:xfrm>
+            <a:off x="7732450" y="2405848"/>
+            <a:ext cx="3746377" cy="2354491"/>
+          </a:xfrm>
+          <a:prstGeom prst="rect">
+            <a:avLst/>
+          </a:prstGeom>
+          <a:noFill/>
+        </p:spPr>
+        <p:txBody>
+          <a:bodyPr wrap="square" rtlCol="0">
+            <a:spAutoFit/>
+          </a:bodyPr>
+          <a:lstStyle/>
+          <a:p>
+            <a:r>
+              <a:rPr lang="ru-RU" sz="1050" dirty="0"/>
+              <a:t>*Еще мы посчитали важным отразить насколько часто пользователь закрывает займы раньше планируемой даты или насколько часто допускает просрочки по регулярным платежам.</a:t>
+            </a:r>
+          </a:p>
+          <a:p>
+            <a:r>
+              <a:rPr lang="ru-RU" sz="1050" dirty="0"/>
+              <a:t>В общем и целом как я уже отметил, мы старались развить потенциал «говорящих», как нам показалось колонок.</a:t>
+            </a:r>
+            <a:endParaRPr lang="en-US" sz="1050" dirty="0"/>
+          </a:p>
+          <a:p>
+            <a:r>
+              <a:rPr lang="ru-RU" sz="1050" dirty="0"/>
+              <a:t>Помимо этих функций в </a:t>
+            </a:r>
+            <a:r>
+              <a:rPr lang="ru-RU" sz="1050" dirty="0" err="1"/>
+              <a:t>пайплайн</a:t>
+            </a:r>
+            <a:r>
+              <a:rPr lang="ru-RU" sz="1050" dirty="0"/>
+              <a:t> по обработке мы так же добавили некоторое количество технических функций – скажем так, административных – на слайде они выделены серым, т.к. не несут в себе ничего интересного, к примеру одна из таких функций просто «пришивает» целевую переменную к </a:t>
+            </a:r>
+            <a:r>
+              <a:rPr lang="ru-RU" sz="1050" dirty="0" err="1"/>
+              <a:t>датасету</a:t>
+            </a:r>
+            <a:r>
+              <a:rPr lang="ru-RU" sz="1050" dirty="0"/>
+              <a:t>, а другая удаляет ненужные колонки.</a:t>
+            </a:r>
+          </a:p>
+          <a:p>
+            <a:r>
+              <a:rPr lang="ru-RU" sz="1050" dirty="0"/>
+              <a:t>А вот о чем мы бы хотели рассказать немного подробнее, это о нашем агрегаторе</a:t>
+            </a:r>
+            <a:r>
+              <a:rPr lang="en-US" sz="1050" dirty="0"/>
+              <a:t>:</a:t>
+            </a:r>
+            <a:endParaRPr lang="ru-RU" sz="1050" dirty="0"/>
+          </a:p>
+        </p:txBody>
+      </p:sp>
+      <p:pic>
+        <p:nvPicPr>
+          <p:cNvPr id="5" name="Рисунок 4">
+            <a:extLst>
+              <a:ext uri="{FF2B5EF4-FFF2-40B4-BE49-F238E27FC236}">
+                <a16:creationId xmlns:a16="http://schemas.microsoft.com/office/drawing/2014/main" id="{2CC5D247-FEE2-4ABC-A402-0248D8FD6DFF}"/>
+              </a:ext>
+            </a:extLst>
+          </p:cNvPr>
+          <p:cNvPicPr>
+            <a:picLocks noChangeAspect="1"/>
+          </p:cNvPicPr>
+          <p:nvPr/>
+        </p:nvPicPr>
+        <p:blipFill>
+          <a:blip r:embed="rId2"/>
+          <a:stretch>
+            <a:fillRect/>
+          </a:stretch>
+        </p:blipFill>
+        <p:spPr>
+          <a:xfrm>
+            <a:off x="1099647" y="1823183"/>
+            <a:ext cx="9077922" cy="3858525"/>
+          </a:xfrm>
+          <a:prstGeom prst="rect">
+            <a:avLst/>
+          </a:prstGeom>
+        </p:spPr>
+      </p:pic>
     </p:spTree>
     <p:extLst>
       <p:ext uri="{BB962C8B-B14F-4D97-AF65-F5344CB8AC3E}">
-        <p14:creationId xmlns:p14="http://schemas.microsoft.com/office/powerpoint/2010/main" val="833477454"/>
+        <p14:creationId xmlns:p14="http://schemas.microsoft.com/office/powerpoint/2010/main" val="365932338"/>
+      </p:ext>
+    </p:extLst>
+  </p:cSld>
+  <p:clrMapOvr>
+    <a:masterClrMapping/>
+  </p:clrMapOvr>
+</p:sld>
+</file>
+
+<file path=ppt/slides/slide9.xml><?xml version="1.0" encoding="utf-8"?>
+<p:sld xmlns:a="http://schemas.openxmlformats.org/drawingml/2006/main" xmlns:r="http://schemas.openxmlformats.org/officeDocument/2006/relationships" xmlns:p="http://schemas.openxmlformats.org/presentationml/2006/main">
+  <p:cSld>
+    <p:spTree>
+      <p:nvGrpSpPr>
+        <p:cNvPr id="1" name=""/>
+        <p:cNvGrpSpPr/>
+        <p:nvPr/>
+      </p:nvGrpSpPr>
+      <p:grpSpPr>
+        <a:xfrm>
+          <a:off x="0" y="0"/>
+          <a:ext cx="0" cy="0"/>
+          <a:chOff x="0" y="0"/>
+          <a:chExt cx="0" cy="0"/>
+        </a:xfrm>
+      </p:grpSpPr>
+      <p:sp>
+        <p:nvSpPr>
+          <p:cNvPr id="2" name="Заголовок 1">
+            <a:extLst>
+              <a:ext uri="{FF2B5EF4-FFF2-40B4-BE49-F238E27FC236}">
+                <a16:creationId xmlns:a16="http://schemas.microsoft.com/office/drawing/2014/main" id="{D579B1CC-5619-4A05-801A-EBF944BA2BF6}"/>
+              </a:ext>
+            </a:extLst>
+          </p:cNvPr>
+          <p:cNvSpPr>
+            <a:spLocks noGrp="1"/>
+          </p:cNvSpPr>
+          <p:nvPr>
+            <p:ph type="title"/>
+          </p:nvPr>
+        </p:nvSpPr>
+        <p:spPr>
+          <a:xfrm>
+            <a:off x="371185" y="253748"/>
+            <a:ext cx="9992705" cy="659971"/>
+          </a:xfrm>
+        </p:spPr>
+        <p:txBody>
+          <a:bodyPr>
+            <a:normAutofit fontScale="90000"/>
+          </a:bodyPr>
+          <a:lstStyle/>
+          <a:p>
+            <a:r>
+              <a:rPr lang="ru-RU" dirty="0"/>
+              <a:t>Агрегация</a:t>
+            </a:r>
+          </a:p>
+        </p:txBody>
+      </p:sp>
+      <p:pic>
+        <p:nvPicPr>
+          <p:cNvPr id="11" name="Рисунок 10">
+            <a:extLst>
+              <a:ext uri="{FF2B5EF4-FFF2-40B4-BE49-F238E27FC236}">
+                <a16:creationId xmlns:a16="http://schemas.microsoft.com/office/drawing/2014/main" id="{8ACFD1FD-8A59-4699-AFA1-F288C71AA139}"/>
+              </a:ext>
+            </a:extLst>
+          </p:cNvPr>
+          <p:cNvPicPr>
+            <a:picLocks noChangeAspect="1"/>
+          </p:cNvPicPr>
+          <p:nvPr/>
+        </p:nvPicPr>
+        <p:blipFill>
+          <a:blip r:embed="rId2"/>
+          <a:stretch>
+            <a:fillRect/>
+          </a:stretch>
+        </p:blipFill>
+        <p:spPr>
+          <a:xfrm>
+            <a:off x="371185" y="937082"/>
+            <a:ext cx="5926836" cy="437388"/>
+          </a:xfrm>
+          <a:prstGeom prst="rect">
+            <a:avLst/>
+          </a:prstGeom>
+        </p:spPr>
+      </p:pic>
+      <p:pic>
+        <p:nvPicPr>
+          <p:cNvPr id="13" name="Рисунок 12">
+            <a:extLst>
+              <a:ext uri="{FF2B5EF4-FFF2-40B4-BE49-F238E27FC236}">
+                <a16:creationId xmlns:a16="http://schemas.microsoft.com/office/drawing/2014/main" id="{E9AF7EA7-24A0-4919-A160-B6682A389869}"/>
+              </a:ext>
+            </a:extLst>
+          </p:cNvPr>
+          <p:cNvPicPr>
+            <a:picLocks noChangeAspect="1"/>
+          </p:cNvPicPr>
+          <p:nvPr/>
+        </p:nvPicPr>
+        <p:blipFill>
+          <a:blip r:embed="rId3"/>
+          <a:stretch>
+            <a:fillRect/>
+          </a:stretch>
+        </p:blipFill>
+        <p:spPr>
+          <a:xfrm>
+            <a:off x="1197542" y="1402847"/>
+            <a:ext cx="1456923" cy="2354491"/>
+          </a:xfrm>
+          <a:prstGeom prst="rect">
+            <a:avLst/>
+          </a:prstGeom>
+        </p:spPr>
+      </p:pic>
+      <p:sp>
+        <p:nvSpPr>
+          <p:cNvPr id="15" name="Прямоугольник 14">
+            <a:extLst>
+              <a:ext uri="{FF2B5EF4-FFF2-40B4-BE49-F238E27FC236}">
+                <a16:creationId xmlns:a16="http://schemas.microsoft.com/office/drawing/2014/main" id="{C7F8511F-5909-4444-ADC6-40C6839CDF9E}"/>
+              </a:ext>
+            </a:extLst>
+          </p:cNvPr>
+          <p:cNvSpPr/>
+          <p:nvPr/>
+        </p:nvSpPr>
+        <p:spPr>
+          <a:xfrm>
+            <a:off x="1197542" y="1402847"/>
+            <a:ext cx="1456923" cy="2354491"/>
+          </a:xfrm>
+          <a:prstGeom prst="rect">
+            <a:avLst/>
+          </a:prstGeom>
+          <a:noFill/>
+          <a:ln w="76200">
+            <a:solidFill>
+              <a:schemeClr val="accent1">
+                <a:lumMod val="60000"/>
+                <a:lumOff val="40000"/>
+              </a:schemeClr>
+            </a:solidFill>
+          </a:ln>
+        </p:spPr>
+        <p:style>
+          <a:lnRef idx="2">
+            <a:schemeClr val="accent1">
+              <a:shade val="50000"/>
+            </a:schemeClr>
+          </a:lnRef>
+          <a:fillRef idx="1">
+            <a:schemeClr val="accent1"/>
+          </a:fillRef>
+          <a:effectRef idx="0">
+            <a:schemeClr val="accent1"/>
+          </a:effectRef>
+          <a:fontRef idx="minor">
+            <a:schemeClr val="lt1"/>
+          </a:fontRef>
+        </p:style>
+        <p:txBody>
+          <a:bodyPr rtlCol="0" anchor="ctr"/>
+          <a:lstStyle/>
+          <a:p>
+            <a:pPr algn="ctr"/>
+            <a:endParaRPr lang="ru-RU"/>
+          </a:p>
+        </p:txBody>
+      </p:sp>
+      <p:pic>
+        <p:nvPicPr>
+          <p:cNvPr id="16" name="Рисунок 15">
+            <a:extLst>
+              <a:ext uri="{FF2B5EF4-FFF2-40B4-BE49-F238E27FC236}">
+                <a16:creationId xmlns:a16="http://schemas.microsoft.com/office/drawing/2014/main" id="{B4A4C056-3F45-4A37-AAF7-A271768B6465}"/>
+              </a:ext>
+            </a:extLst>
+          </p:cNvPr>
+          <p:cNvPicPr>
+            <a:picLocks noChangeAspect="1"/>
+          </p:cNvPicPr>
+          <p:nvPr/>
+        </p:nvPicPr>
+        <p:blipFill>
+          <a:blip r:embed="rId4"/>
+          <a:stretch>
+            <a:fillRect/>
+          </a:stretch>
+        </p:blipFill>
+        <p:spPr>
+          <a:xfrm>
+            <a:off x="2822059" y="1374470"/>
+            <a:ext cx="3273941" cy="2382868"/>
+          </a:xfrm>
+          <a:prstGeom prst="rect">
+            <a:avLst/>
+          </a:prstGeom>
+        </p:spPr>
+      </p:pic>
+      <p:sp>
+        <p:nvSpPr>
+          <p:cNvPr id="21" name="Прямоугольник 20">
+            <a:extLst>
+              <a:ext uri="{FF2B5EF4-FFF2-40B4-BE49-F238E27FC236}">
+                <a16:creationId xmlns:a16="http://schemas.microsoft.com/office/drawing/2014/main" id="{640ABE35-872E-4876-87C2-F8C9F5C10F64}"/>
+              </a:ext>
+            </a:extLst>
+          </p:cNvPr>
+          <p:cNvSpPr/>
+          <p:nvPr/>
+        </p:nvSpPr>
+        <p:spPr>
+          <a:xfrm>
+            <a:off x="2822059" y="1402168"/>
+            <a:ext cx="3273941" cy="2354491"/>
+          </a:xfrm>
+          <a:prstGeom prst="rect">
+            <a:avLst/>
+          </a:prstGeom>
+          <a:noFill/>
+          <a:ln w="76200">
+            <a:solidFill>
+              <a:schemeClr val="accent1">
+                <a:lumMod val="60000"/>
+                <a:lumOff val="40000"/>
+              </a:schemeClr>
+            </a:solidFill>
+          </a:ln>
+        </p:spPr>
+        <p:style>
+          <a:lnRef idx="2">
+            <a:schemeClr val="accent1">
+              <a:shade val="50000"/>
+            </a:schemeClr>
+          </a:lnRef>
+          <a:fillRef idx="1">
+            <a:schemeClr val="accent1"/>
+          </a:fillRef>
+          <a:effectRef idx="0">
+            <a:schemeClr val="accent1"/>
+          </a:effectRef>
+          <a:fontRef idx="minor">
+            <a:schemeClr val="lt1"/>
+          </a:fontRef>
+        </p:style>
+        <p:txBody>
+          <a:bodyPr rtlCol="0" anchor="ctr"/>
+          <a:lstStyle/>
+          <a:p>
+            <a:pPr algn="ctr"/>
+            <a:endParaRPr lang="ru-RU"/>
+          </a:p>
+        </p:txBody>
+      </p:sp>
+      <p:sp>
+        <p:nvSpPr>
+          <p:cNvPr id="19" name="Прямоугольник 18">
+            <a:extLst>
+              <a:ext uri="{FF2B5EF4-FFF2-40B4-BE49-F238E27FC236}">
+                <a16:creationId xmlns:a16="http://schemas.microsoft.com/office/drawing/2014/main" id="{E4A2D469-4A90-4EE1-A122-25B6E21CD7AE}"/>
+              </a:ext>
+            </a:extLst>
+          </p:cNvPr>
+          <p:cNvSpPr/>
+          <p:nvPr/>
+        </p:nvSpPr>
+        <p:spPr>
+          <a:xfrm>
+            <a:off x="4412938" y="1428713"/>
+            <a:ext cx="1109707" cy="2327945"/>
+          </a:xfrm>
+          <a:prstGeom prst="rect">
+            <a:avLst/>
+          </a:prstGeom>
+          <a:noFill/>
+          <a:ln w="76200">
+            <a:solidFill>
+              <a:srgbClr val="92D050"/>
+            </a:solidFill>
+          </a:ln>
+        </p:spPr>
+        <p:style>
+          <a:lnRef idx="2">
+            <a:schemeClr val="accent1">
+              <a:shade val="50000"/>
+            </a:schemeClr>
+          </a:lnRef>
+          <a:fillRef idx="1">
+            <a:schemeClr val="accent1"/>
+          </a:fillRef>
+          <a:effectRef idx="0">
+            <a:schemeClr val="accent1"/>
+          </a:effectRef>
+          <a:fontRef idx="minor">
+            <a:schemeClr val="lt1"/>
+          </a:fontRef>
+        </p:style>
+        <p:txBody>
+          <a:bodyPr rtlCol="0" anchor="ctr"/>
+          <a:lstStyle/>
+          <a:p>
+            <a:pPr algn="ctr"/>
+            <a:endParaRPr lang="ru-RU"/>
+          </a:p>
+        </p:txBody>
+      </p:sp>
+      <p:sp>
+        <p:nvSpPr>
+          <p:cNvPr id="22" name="TextBox 21">
+            <a:extLst>
+              <a:ext uri="{FF2B5EF4-FFF2-40B4-BE49-F238E27FC236}">
+                <a16:creationId xmlns:a16="http://schemas.microsoft.com/office/drawing/2014/main" id="{DE31F991-3CF4-42A8-9829-781A5DB48BB0}"/>
+              </a:ext>
+            </a:extLst>
+          </p:cNvPr>
+          <p:cNvSpPr txBox="1"/>
+          <p:nvPr/>
+        </p:nvSpPr>
+        <p:spPr>
+          <a:xfrm>
+            <a:off x="7431344" y="2091657"/>
+            <a:ext cx="3746377" cy="492443"/>
+          </a:xfrm>
+          <a:prstGeom prst="rect">
+            <a:avLst/>
+          </a:prstGeom>
+          <a:noFill/>
+        </p:spPr>
+        <p:txBody>
+          <a:bodyPr wrap="square" rtlCol="0">
+            <a:spAutoFit/>
+          </a:bodyPr>
+          <a:lstStyle/>
+          <a:p>
+            <a:r>
+              <a:rPr lang="ru-RU" sz="1400" b="1" dirty="0">
+                <a:solidFill>
+                  <a:srgbClr val="00B050"/>
+                </a:solidFill>
+              </a:rPr>
+              <a:t>[ 9,  1, 12,  0]</a:t>
+            </a:r>
+            <a:endParaRPr lang="en-US" sz="1400" b="1" dirty="0">
+              <a:solidFill>
+                <a:srgbClr val="00B050"/>
+              </a:solidFill>
+            </a:endParaRPr>
+          </a:p>
+          <a:p>
+            <a:r>
+              <a:rPr lang="en-US" sz="1200" b="1" dirty="0">
+                <a:solidFill>
+                  <a:srgbClr val="0070C0"/>
+                </a:solidFill>
+              </a:rPr>
+              <a:t> x7   x1   </a:t>
+            </a:r>
+            <a:r>
+              <a:rPr lang="en-US" sz="1200" b="1" dirty="0" err="1">
+                <a:solidFill>
+                  <a:srgbClr val="0070C0"/>
+                </a:solidFill>
+              </a:rPr>
+              <a:t>x1</a:t>
+            </a:r>
+            <a:r>
+              <a:rPr lang="en-US" sz="1200" b="1" dirty="0">
+                <a:solidFill>
+                  <a:srgbClr val="0070C0"/>
+                </a:solidFill>
+              </a:rPr>
+              <a:t>   </a:t>
+            </a:r>
+            <a:r>
+              <a:rPr lang="en-US" sz="1200" b="1" dirty="0" err="1">
+                <a:solidFill>
+                  <a:srgbClr val="0070C0"/>
+                </a:solidFill>
+              </a:rPr>
+              <a:t>x1</a:t>
+            </a:r>
+            <a:endParaRPr lang="ru-RU" sz="1200" b="1" dirty="0">
+              <a:solidFill>
+                <a:srgbClr val="0070C0"/>
+              </a:solidFill>
+            </a:endParaRPr>
+          </a:p>
+        </p:txBody>
+      </p:sp>
+      <p:sp>
+        <p:nvSpPr>
+          <p:cNvPr id="25" name="Прямоугольник 24">
+            <a:extLst>
+              <a:ext uri="{FF2B5EF4-FFF2-40B4-BE49-F238E27FC236}">
+                <a16:creationId xmlns:a16="http://schemas.microsoft.com/office/drawing/2014/main" id="{598E920A-43D8-47F1-9A92-345EA8FDBE22}"/>
+              </a:ext>
+            </a:extLst>
+          </p:cNvPr>
+          <p:cNvSpPr/>
+          <p:nvPr/>
+        </p:nvSpPr>
+        <p:spPr>
+          <a:xfrm>
+            <a:off x="6601282" y="2091657"/>
+            <a:ext cx="2081813" cy="492443"/>
+          </a:xfrm>
+          <a:prstGeom prst="rect">
+            <a:avLst/>
+          </a:prstGeom>
+          <a:noFill/>
+          <a:ln w="76200">
+            <a:solidFill>
+              <a:srgbClr val="92D050"/>
+            </a:solidFill>
+          </a:ln>
+        </p:spPr>
+        <p:style>
+          <a:lnRef idx="2">
+            <a:schemeClr val="accent1">
+              <a:shade val="50000"/>
+            </a:schemeClr>
+          </a:lnRef>
+          <a:fillRef idx="1">
+            <a:schemeClr val="accent1"/>
+          </a:fillRef>
+          <a:effectRef idx="0">
+            <a:schemeClr val="accent1"/>
+          </a:effectRef>
+          <a:fontRef idx="minor">
+            <a:schemeClr val="lt1"/>
+          </a:fontRef>
+        </p:style>
+        <p:txBody>
+          <a:bodyPr rtlCol="0" anchor="ctr"/>
+          <a:lstStyle/>
+          <a:p>
+            <a:pPr algn="ctr"/>
+            <a:endParaRPr lang="ru-RU"/>
+          </a:p>
+        </p:txBody>
+      </p:sp>
+      <p:cxnSp>
+        <p:nvCxnSpPr>
+          <p:cNvPr id="26" name="Соединитель: изогнутый 25">
+            <a:extLst>
+              <a:ext uri="{FF2B5EF4-FFF2-40B4-BE49-F238E27FC236}">
+                <a16:creationId xmlns:a16="http://schemas.microsoft.com/office/drawing/2014/main" id="{9E941BE0-928E-487F-BCAB-C81DAD73D3B0}"/>
+              </a:ext>
+            </a:extLst>
+          </p:cNvPr>
+          <p:cNvCxnSpPr>
+            <a:cxnSpLocks/>
+            <a:stCxn id="19" idx="1"/>
+            <a:endCxn id="25" idx="0"/>
+          </p:cNvCxnSpPr>
+          <p:nvPr/>
+        </p:nvCxnSpPr>
+        <p:spPr>
+          <a:xfrm rot="10800000" flipH="1">
+            <a:off x="4412937" y="2091658"/>
+            <a:ext cx="3229251" cy="501029"/>
+          </a:xfrm>
+          <a:prstGeom prst="curvedConnector4">
+            <a:avLst>
+              <a:gd name="adj1" fmla="val -7079"/>
+              <a:gd name="adj2" fmla="val 368309"/>
+            </a:avLst>
+          </a:prstGeom>
+          <a:ln w="28575">
+            <a:solidFill>
+              <a:srgbClr val="00B050"/>
+            </a:solidFill>
+            <a:tailEnd type="triangle"/>
+          </a:ln>
+          <a:effectLst>
+            <a:glow rad="63500">
+              <a:schemeClr val="accent1">
+                <a:satMod val="175000"/>
+                <a:alpha val="40000"/>
+              </a:schemeClr>
+            </a:glow>
+          </a:effectLst>
+        </p:spPr>
+        <p:style>
+          <a:lnRef idx="1">
+            <a:schemeClr val="accent1"/>
+          </a:lnRef>
+          <a:fillRef idx="0">
+            <a:schemeClr val="accent1"/>
+          </a:fillRef>
+          <a:effectRef idx="0">
+            <a:schemeClr val="accent1"/>
+          </a:effectRef>
+          <a:fontRef idx="minor">
+            <a:schemeClr val="tx1"/>
+          </a:fontRef>
+        </p:style>
+      </p:cxnSp>
+      <p:sp>
+        <p:nvSpPr>
+          <p:cNvPr id="46" name="TextBox 45">
+            <a:extLst>
+              <a:ext uri="{FF2B5EF4-FFF2-40B4-BE49-F238E27FC236}">
+                <a16:creationId xmlns:a16="http://schemas.microsoft.com/office/drawing/2014/main" id="{ACA730E8-062B-4464-B034-4587E48CA60F}"/>
+              </a:ext>
+            </a:extLst>
+          </p:cNvPr>
+          <p:cNvSpPr txBox="1"/>
+          <p:nvPr/>
+        </p:nvSpPr>
+        <p:spPr>
+          <a:xfrm>
+            <a:off x="6667864" y="2183989"/>
+            <a:ext cx="3746377" cy="307777"/>
+          </a:xfrm>
+          <a:prstGeom prst="rect">
+            <a:avLst/>
+          </a:prstGeom>
+          <a:noFill/>
+        </p:spPr>
+        <p:txBody>
+          <a:bodyPr wrap="square" rtlCol="0">
+            <a:spAutoFit/>
+          </a:bodyPr>
+          <a:lstStyle/>
+          <a:p>
+            <a:r>
+              <a:rPr lang="en-US" sz="1400" b="1" dirty="0">
+                <a:solidFill>
+                  <a:srgbClr val="00B050"/>
+                </a:solidFill>
+              </a:rPr>
+              <a:t>‘id’ == 0</a:t>
+            </a:r>
+            <a:endParaRPr lang="ru-RU" sz="1400" b="1" dirty="0">
+              <a:solidFill>
+                <a:srgbClr val="00B050"/>
+              </a:solidFill>
+            </a:endParaRPr>
+          </a:p>
+        </p:txBody>
+      </p:sp>
+      <p:pic>
+        <p:nvPicPr>
+          <p:cNvPr id="54" name="Рисунок 53">
+            <a:extLst>
+              <a:ext uri="{FF2B5EF4-FFF2-40B4-BE49-F238E27FC236}">
+                <a16:creationId xmlns:a16="http://schemas.microsoft.com/office/drawing/2014/main" id="{7BF77D5C-DE1A-437B-86BD-A989D6100CB8}"/>
+              </a:ext>
+            </a:extLst>
+          </p:cNvPr>
+          <p:cNvPicPr>
+            <a:picLocks noChangeAspect="1"/>
+          </p:cNvPicPr>
+          <p:nvPr/>
+        </p:nvPicPr>
+        <p:blipFill>
+          <a:blip r:embed="rId5"/>
+          <a:stretch>
+            <a:fillRect/>
+          </a:stretch>
+        </p:blipFill>
+        <p:spPr>
+          <a:xfrm>
+            <a:off x="563414" y="3911031"/>
+            <a:ext cx="11423198" cy="2198543"/>
+          </a:xfrm>
+          <a:prstGeom prst="rect">
+            <a:avLst/>
+          </a:prstGeom>
+        </p:spPr>
+      </p:pic>
+      <p:sp>
+        <p:nvSpPr>
+          <p:cNvPr id="58" name="Прямоугольник 57">
+            <a:extLst>
+              <a:ext uri="{FF2B5EF4-FFF2-40B4-BE49-F238E27FC236}">
+                <a16:creationId xmlns:a16="http://schemas.microsoft.com/office/drawing/2014/main" id="{D7E56B55-2E8B-475D-82B0-43D19B85D735}"/>
+              </a:ext>
+            </a:extLst>
+          </p:cNvPr>
+          <p:cNvSpPr/>
+          <p:nvPr/>
+        </p:nvSpPr>
+        <p:spPr>
+          <a:xfrm>
+            <a:off x="563414" y="3911031"/>
+            <a:ext cx="11423198" cy="2198543"/>
+          </a:xfrm>
+          <a:prstGeom prst="rect">
+            <a:avLst/>
+          </a:prstGeom>
+          <a:noFill/>
+          <a:ln w="76200">
+            <a:solidFill>
+              <a:srgbClr val="92D050"/>
+            </a:solidFill>
+          </a:ln>
+        </p:spPr>
+        <p:style>
+          <a:lnRef idx="2">
+            <a:schemeClr val="accent1">
+              <a:shade val="50000"/>
+            </a:schemeClr>
+          </a:lnRef>
+          <a:fillRef idx="1">
+            <a:schemeClr val="accent1"/>
+          </a:fillRef>
+          <a:effectRef idx="0">
+            <a:schemeClr val="accent1"/>
+          </a:effectRef>
+          <a:fontRef idx="minor">
+            <a:schemeClr val="lt1"/>
+          </a:fontRef>
+        </p:style>
+        <p:txBody>
+          <a:bodyPr rtlCol="0" anchor="ctr"/>
+          <a:lstStyle/>
+          <a:p>
+            <a:pPr algn="ctr"/>
+            <a:endParaRPr lang="ru-RU"/>
+          </a:p>
+        </p:txBody>
+      </p:sp>
+      <p:sp>
+        <p:nvSpPr>
+          <p:cNvPr id="62" name="Прямоугольник 61">
+            <a:extLst>
+              <a:ext uri="{FF2B5EF4-FFF2-40B4-BE49-F238E27FC236}">
+                <a16:creationId xmlns:a16="http://schemas.microsoft.com/office/drawing/2014/main" id="{C9F0D3C2-A059-469F-97E3-8A377ACD363A}"/>
+              </a:ext>
+            </a:extLst>
+          </p:cNvPr>
+          <p:cNvSpPr/>
+          <p:nvPr/>
+        </p:nvSpPr>
+        <p:spPr>
+          <a:xfrm>
+            <a:off x="705974" y="3919618"/>
+            <a:ext cx="11280637" cy="845638"/>
+          </a:xfrm>
+          <a:prstGeom prst="rect">
+            <a:avLst/>
+          </a:prstGeom>
+          <a:noFill/>
+          <a:ln w="76200">
+            <a:solidFill>
+              <a:srgbClr val="00B050"/>
+            </a:solidFill>
+          </a:ln>
+          <a:effectLst>
+            <a:glow rad="127000">
+              <a:srgbClr val="92D050">
+                <a:alpha val="66000"/>
+              </a:srgbClr>
+            </a:glow>
+          </a:effectLst>
+        </p:spPr>
+        <p:style>
+          <a:lnRef idx="2">
+            <a:schemeClr val="accent1">
+              <a:shade val="50000"/>
+            </a:schemeClr>
+          </a:lnRef>
+          <a:fillRef idx="1">
+            <a:schemeClr val="accent1"/>
+          </a:fillRef>
+          <a:effectRef idx="0">
+            <a:schemeClr val="accent1"/>
+          </a:effectRef>
+          <a:fontRef idx="minor">
+            <a:schemeClr val="lt1"/>
+          </a:fontRef>
+        </p:style>
+        <p:txBody>
+          <a:bodyPr rtlCol="0" anchor="ctr"/>
+          <a:lstStyle/>
+          <a:p>
+            <a:pPr algn="ctr"/>
+            <a:endParaRPr lang="ru-RU"/>
+          </a:p>
+        </p:txBody>
+      </p:sp>
+      <p:cxnSp>
+        <p:nvCxnSpPr>
+          <p:cNvPr id="64" name="Прямая соединительная линия 63">
+            <a:extLst>
+              <a:ext uri="{FF2B5EF4-FFF2-40B4-BE49-F238E27FC236}">
+                <a16:creationId xmlns:a16="http://schemas.microsoft.com/office/drawing/2014/main" id="{37EF44F2-B806-4603-8462-7E2C9369291B}"/>
+              </a:ext>
+            </a:extLst>
+          </p:cNvPr>
+          <p:cNvCxnSpPr>
+            <a:cxnSpLocks/>
+          </p:cNvCxnSpPr>
+          <p:nvPr/>
+        </p:nvCxnSpPr>
+        <p:spPr>
+          <a:xfrm>
+            <a:off x="9223900" y="4578018"/>
+            <a:ext cx="435007" cy="0"/>
+          </a:xfrm>
+          <a:prstGeom prst="line">
+            <a:avLst/>
+          </a:prstGeom>
+          <a:ln w="28575">
+            <a:solidFill>
+              <a:srgbClr val="0070C0"/>
+            </a:solidFill>
+          </a:ln>
+        </p:spPr>
+        <p:style>
+          <a:lnRef idx="1">
+            <a:schemeClr val="dk1"/>
+          </a:lnRef>
+          <a:fillRef idx="0">
+            <a:schemeClr val="dk1"/>
+          </a:fillRef>
+          <a:effectRef idx="0">
+            <a:schemeClr val="dk1"/>
+          </a:effectRef>
+          <a:fontRef idx="minor">
+            <a:schemeClr val="tx1"/>
+          </a:fontRef>
+        </p:style>
+      </p:cxnSp>
+      <p:cxnSp>
+        <p:nvCxnSpPr>
+          <p:cNvPr id="68" name="Прямая соединительная линия 67">
+            <a:extLst>
+              <a:ext uri="{FF2B5EF4-FFF2-40B4-BE49-F238E27FC236}">
+                <a16:creationId xmlns:a16="http://schemas.microsoft.com/office/drawing/2014/main" id="{F6EFB0F9-F798-41EE-8DD4-34565BC4877F}"/>
+              </a:ext>
+            </a:extLst>
+          </p:cNvPr>
+          <p:cNvCxnSpPr>
+            <a:cxnSpLocks/>
+          </p:cNvCxnSpPr>
+          <p:nvPr/>
+        </p:nvCxnSpPr>
+        <p:spPr>
+          <a:xfrm>
+            <a:off x="11462559" y="4579497"/>
+            <a:ext cx="435007" cy="0"/>
+          </a:xfrm>
+          <a:prstGeom prst="line">
+            <a:avLst/>
+          </a:prstGeom>
+          <a:ln w="28575">
+            <a:solidFill>
+              <a:srgbClr val="0070C0"/>
+            </a:solidFill>
+          </a:ln>
+        </p:spPr>
+        <p:style>
+          <a:lnRef idx="1">
+            <a:schemeClr val="dk1"/>
+          </a:lnRef>
+          <a:fillRef idx="0">
+            <a:schemeClr val="dk1"/>
+          </a:fillRef>
+          <a:effectRef idx="0">
+            <a:schemeClr val="dk1"/>
+          </a:effectRef>
+          <a:fontRef idx="minor">
+            <a:schemeClr val="tx1"/>
+          </a:fontRef>
+        </p:style>
+      </p:cxnSp>
+      <p:cxnSp>
+        <p:nvCxnSpPr>
+          <p:cNvPr id="69" name="Прямая соединительная линия 68">
+            <a:extLst>
+              <a:ext uri="{FF2B5EF4-FFF2-40B4-BE49-F238E27FC236}">
+                <a16:creationId xmlns:a16="http://schemas.microsoft.com/office/drawing/2014/main" id="{9B08870A-9563-493B-8FA6-3EF349FCB662}"/>
+              </a:ext>
+            </a:extLst>
+          </p:cNvPr>
+          <p:cNvCxnSpPr>
+            <a:cxnSpLocks/>
+          </p:cNvCxnSpPr>
+          <p:nvPr/>
+        </p:nvCxnSpPr>
+        <p:spPr>
+          <a:xfrm>
+            <a:off x="4946331" y="4579495"/>
+            <a:ext cx="435007" cy="0"/>
+          </a:xfrm>
+          <a:prstGeom prst="line">
+            <a:avLst/>
+          </a:prstGeom>
+          <a:ln w="28575">
+            <a:solidFill>
+              <a:srgbClr val="0070C0"/>
+            </a:solidFill>
+          </a:ln>
+        </p:spPr>
+        <p:style>
+          <a:lnRef idx="1">
+            <a:schemeClr val="dk1"/>
+          </a:lnRef>
+          <a:fillRef idx="0">
+            <a:schemeClr val="dk1"/>
+          </a:fillRef>
+          <a:effectRef idx="0">
+            <a:schemeClr val="dk1"/>
+          </a:effectRef>
+          <a:fontRef idx="minor">
+            <a:schemeClr val="tx1"/>
+          </a:fontRef>
+        </p:style>
+      </p:cxnSp>
+      <p:cxnSp>
+        <p:nvCxnSpPr>
+          <p:cNvPr id="70" name="Прямая соединительная линия 69">
+            <a:extLst>
+              <a:ext uri="{FF2B5EF4-FFF2-40B4-BE49-F238E27FC236}">
+                <a16:creationId xmlns:a16="http://schemas.microsoft.com/office/drawing/2014/main" id="{CDB29D31-6F07-4309-A19C-701D4A125751}"/>
+              </a:ext>
+            </a:extLst>
+          </p:cNvPr>
+          <p:cNvCxnSpPr>
+            <a:cxnSpLocks/>
+          </p:cNvCxnSpPr>
+          <p:nvPr/>
+        </p:nvCxnSpPr>
+        <p:spPr>
+          <a:xfrm>
+            <a:off x="2806811" y="4579495"/>
+            <a:ext cx="435007" cy="0"/>
+          </a:xfrm>
+          <a:prstGeom prst="line">
+            <a:avLst/>
+          </a:prstGeom>
+          <a:ln w="28575">
+            <a:solidFill>
+              <a:srgbClr val="0070C0"/>
+            </a:solidFill>
+          </a:ln>
+        </p:spPr>
+        <p:style>
+          <a:lnRef idx="1">
+            <a:schemeClr val="dk1"/>
+          </a:lnRef>
+          <a:fillRef idx="0">
+            <a:schemeClr val="dk1"/>
+          </a:fillRef>
+          <a:effectRef idx="0">
+            <a:schemeClr val="dk1"/>
+          </a:effectRef>
+          <a:fontRef idx="minor">
+            <a:schemeClr val="tx1"/>
+          </a:fontRef>
+        </p:style>
+      </p:cxnSp>
+      <p:cxnSp>
+        <p:nvCxnSpPr>
+          <p:cNvPr id="71" name="Прямая соединительная линия 70">
+            <a:extLst>
+              <a:ext uri="{FF2B5EF4-FFF2-40B4-BE49-F238E27FC236}">
+                <a16:creationId xmlns:a16="http://schemas.microsoft.com/office/drawing/2014/main" id="{323E14B1-D738-4529-AF79-ECEE11EA2D5C}"/>
+              </a:ext>
+            </a:extLst>
+          </p:cNvPr>
+          <p:cNvCxnSpPr>
+            <a:cxnSpLocks/>
+          </p:cNvCxnSpPr>
+          <p:nvPr/>
+        </p:nvCxnSpPr>
+        <p:spPr>
+          <a:xfrm>
+            <a:off x="7094730" y="4579496"/>
+            <a:ext cx="435007" cy="0"/>
+          </a:xfrm>
+          <a:prstGeom prst="line">
+            <a:avLst/>
+          </a:prstGeom>
+          <a:ln w="28575">
+            <a:solidFill>
+              <a:srgbClr val="FF0000"/>
+            </a:solidFill>
+          </a:ln>
+        </p:spPr>
+        <p:style>
+          <a:lnRef idx="1">
+            <a:schemeClr val="dk1"/>
+          </a:lnRef>
+          <a:fillRef idx="0">
+            <a:schemeClr val="dk1"/>
+          </a:fillRef>
+          <a:effectRef idx="0">
+            <a:schemeClr val="dk1"/>
+          </a:effectRef>
+          <a:fontRef idx="minor">
+            <a:schemeClr val="tx1"/>
+          </a:fontRef>
+        </p:style>
+      </p:cxnSp>
+      <p:cxnSp>
+        <p:nvCxnSpPr>
+          <p:cNvPr id="59" name="Соединитель: изогнутый 58">
+            <a:extLst>
+              <a:ext uri="{FF2B5EF4-FFF2-40B4-BE49-F238E27FC236}">
+                <a16:creationId xmlns:a16="http://schemas.microsoft.com/office/drawing/2014/main" id="{0DB96A12-6119-413C-B235-8FB4FC53BC6A}"/>
+              </a:ext>
+            </a:extLst>
+          </p:cNvPr>
+          <p:cNvCxnSpPr>
+            <a:cxnSpLocks/>
+            <a:stCxn id="25" idx="2"/>
+            <a:endCxn id="58" idx="0"/>
+          </p:cNvCxnSpPr>
+          <p:nvPr/>
+        </p:nvCxnSpPr>
+        <p:spPr>
+          <a:xfrm rot="5400000">
+            <a:off x="6295136" y="2563977"/>
+            <a:ext cx="1326931" cy="1367176"/>
+          </a:xfrm>
+          <a:prstGeom prst="curvedConnector3">
+            <a:avLst>
+              <a:gd name="adj1" fmla="val 50000"/>
+            </a:avLst>
+          </a:prstGeom>
+          <a:ln w="28575">
+            <a:solidFill>
+              <a:srgbClr val="00B050"/>
+            </a:solidFill>
+            <a:tailEnd type="triangle"/>
+          </a:ln>
+          <a:effectLst>
+            <a:glow rad="63500">
+              <a:schemeClr val="accent1">
+                <a:satMod val="175000"/>
+                <a:alpha val="40000"/>
+              </a:schemeClr>
+            </a:glow>
+          </a:effectLst>
+        </p:spPr>
+        <p:style>
+          <a:lnRef idx="1">
+            <a:schemeClr val="accent1"/>
+          </a:lnRef>
+          <a:fillRef idx="0">
+            <a:schemeClr val="accent1"/>
+          </a:fillRef>
+          <a:effectRef idx="0">
+            <a:schemeClr val="accent1"/>
+          </a:effectRef>
+          <a:fontRef idx="minor">
+            <a:schemeClr val="tx1"/>
+          </a:fontRef>
+        </p:style>
+      </p:cxnSp>
+      <p:sp>
+        <p:nvSpPr>
+          <p:cNvPr id="18" name="TextBox 17">
+            <a:extLst>
+              <a:ext uri="{FF2B5EF4-FFF2-40B4-BE49-F238E27FC236}">
+                <a16:creationId xmlns:a16="http://schemas.microsoft.com/office/drawing/2014/main" id="{A88D7D84-40B6-4D89-993B-39FFE31DCD66}"/>
+              </a:ext>
+            </a:extLst>
+          </p:cNvPr>
+          <p:cNvSpPr txBox="1"/>
+          <p:nvPr/>
+        </p:nvSpPr>
+        <p:spPr>
+          <a:xfrm>
+            <a:off x="7336544" y="81959"/>
+            <a:ext cx="4659258" cy="4455066"/>
+          </a:xfrm>
+          <a:prstGeom prst="rect">
+            <a:avLst/>
+          </a:prstGeom>
+          <a:noFill/>
+        </p:spPr>
+        <p:txBody>
+          <a:bodyPr wrap="square" rtlCol="0">
+            <a:spAutoFit/>
+          </a:bodyPr>
+          <a:lstStyle/>
+          <a:p>
+            <a:r>
+              <a:rPr lang="ru-RU" sz="1050" dirty="0"/>
+              <a:t>*перед нами стояла задача ужать данные на двадцати шести  миллионах строк в сет на 3 миллиона и, желательно, сохранить при этом их информативность.</a:t>
+            </a:r>
+          </a:p>
+          <a:p>
+            <a:r>
+              <a:rPr lang="ru-RU" sz="1050" dirty="0"/>
+              <a:t>Как это сделать? </a:t>
+            </a:r>
+          </a:p>
+          <a:p>
+            <a:r>
+              <a:rPr lang="ru-RU" sz="1050" dirty="0"/>
+              <a:t>Просуммировать по пользователям? Не пойдет – колонки категориальные, мы исказили бы смысл</a:t>
+            </a:r>
+          </a:p>
+          <a:p>
+            <a:r>
+              <a:rPr lang="ru-RU" sz="1050" dirty="0"/>
+              <a:t>Оставить только самые последние записи? – тоже не пойдет, ведь смысл кредитной истории в, собственно, истории, а не в последней записи</a:t>
+            </a:r>
+          </a:p>
+          <a:p>
+            <a:r>
+              <a:rPr lang="ru-RU" sz="1050" dirty="0"/>
+              <a:t>Так мы пришли к нашему варианту – это своего рода вариация на тему зарекомендовавшего себя </a:t>
+            </a:r>
+            <a:r>
+              <a:rPr lang="en-US" sz="1050" dirty="0"/>
+              <a:t>one hot encoder</a:t>
+            </a:r>
+            <a:r>
+              <a:rPr lang="ru-RU" sz="1050" dirty="0"/>
+              <a:t>, только немного наоборот. </a:t>
+            </a:r>
+          </a:p>
+          <a:p>
+            <a:r>
+              <a:rPr lang="ru-RU" sz="1050" dirty="0"/>
+              <a:t>Рассмотрим процесс на примере одной из колонок</a:t>
+            </a:r>
+            <a:r>
+              <a:rPr lang="en-US" sz="1050" dirty="0"/>
+              <a:t>:</a:t>
+            </a:r>
+            <a:r>
+              <a:rPr lang="ru-RU" sz="1050" dirty="0"/>
+              <a:t> </a:t>
+            </a:r>
+          </a:p>
+          <a:p>
+            <a:pPr marL="228600" indent="-228600">
+              <a:buAutoNum type="arabicParenR"/>
+            </a:pPr>
+            <a:r>
+              <a:rPr lang="ru-RU" sz="1050" dirty="0"/>
+              <a:t>Возьмем колонку </a:t>
+            </a:r>
+            <a:r>
+              <a:rPr lang="en-US" sz="1050" dirty="0" err="1"/>
+              <a:t>pre_since_confirmed</a:t>
+            </a:r>
+            <a:r>
+              <a:rPr lang="en-US" sz="1050" dirty="0"/>
+              <a:t> </a:t>
+            </a:r>
+            <a:r>
+              <a:rPr lang="ru-RU" sz="1050" dirty="0"/>
+              <a:t>для пользователя с </a:t>
+            </a:r>
+            <a:r>
+              <a:rPr lang="en-US" sz="1050" dirty="0"/>
+              <a:t>id 0. </a:t>
+            </a:r>
+            <a:r>
+              <a:rPr lang="ru-RU" sz="1050" dirty="0"/>
+              <a:t>У клиента в истории 10 записей, 7 из них имеют </a:t>
+            </a:r>
+            <a:r>
+              <a:rPr lang="ru-RU" sz="1050" dirty="0" err="1"/>
+              <a:t>бинаризированную</a:t>
+            </a:r>
+            <a:r>
+              <a:rPr lang="ru-RU" sz="1050" dirty="0"/>
+              <a:t> категорию 9, а так же категории 1, 0 и 12 – по одной записи на каждую.</a:t>
+            </a:r>
+          </a:p>
+          <a:p>
+            <a:pPr marL="228600" indent="-228600">
+              <a:buAutoNum type="arabicParenR"/>
+            </a:pPr>
+            <a:r>
+              <a:rPr lang="ru-RU" sz="1050" dirty="0"/>
+              <a:t>Каждая из имеющихся категорий превращается в колонку, значение в которой будет отражать сколько раз эта категория встречалась в изначальной колонке для этого клиента. К примеру для клиента с </a:t>
+            </a:r>
+            <a:r>
+              <a:rPr lang="en-US" sz="1050" dirty="0"/>
+              <a:t>id </a:t>
+            </a:r>
+            <a:r>
+              <a:rPr lang="ru-RU" sz="1050" dirty="0"/>
+              <a:t>0 после агрегации в </a:t>
+            </a:r>
+            <a:r>
+              <a:rPr lang="ru-RU" sz="1050" dirty="0" err="1"/>
+              <a:t>датасете</a:t>
+            </a:r>
+            <a:r>
+              <a:rPr lang="ru-RU" sz="1050" dirty="0"/>
+              <a:t> появится колонка </a:t>
+            </a:r>
+            <a:r>
+              <a:rPr lang="en-US" sz="1050" dirty="0"/>
+              <a:t>pre_since_confirmed_9_agg</a:t>
+            </a:r>
+            <a:r>
+              <a:rPr lang="ru-RU" sz="1050" dirty="0"/>
+              <a:t> и значение в ней будет – 7 – ровно 7 раз за имеющуюся у нас кредитную история этого клиента в изначальной колонке фигурировала категория 7.</a:t>
+            </a:r>
+          </a:p>
+          <a:p>
+            <a:pPr marL="228600" indent="-228600">
+              <a:buAutoNum type="arabicParenR"/>
+            </a:pPr>
+            <a:r>
+              <a:rPr lang="ru-RU" sz="1050" dirty="0"/>
+              <a:t>По такому же принципу в колонках </a:t>
+            </a:r>
+            <a:r>
+              <a:rPr lang="en-US" sz="1050" dirty="0" err="1"/>
+              <a:t>pre_since_confirmed</a:t>
+            </a:r>
+            <a:r>
+              <a:rPr lang="en-US" sz="1050" dirty="0"/>
+              <a:t>_</a:t>
+            </a:r>
+            <a:r>
+              <a:rPr lang="ru-RU" sz="1050" dirty="0"/>
+              <a:t> 0, 1 и 12 _</a:t>
+            </a:r>
+            <a:r>
+              <a:rPr lang="en-US" sz="1050" dirty="0" err="1"/>
+              <a:t>agg</a:t>
+            </a:r>
+            <a:r>
+              <a:rPr lang="ru-RU" sz="1050" dirty="0"/>
+              <a:t> будут стоять единички.</a:t>
+            </a:r>
+          </a:p>
+          <a:p>
+            <a:pPr marL="228600" indent="-228600">
+              <a:buAutoNum type="arabicParenR"/>
+            </a:pPr>
+            <a:r>
+              <a:rPr lang="ru-RU" sz="1050" dirty="0"/>
+              <a:t>Так минуточку – а откуда взялась колонка с нулем? Все просто – у нас есть и другие клиенты с другим набором категорий в изначальной колонке, по этому если у клиента с </a:t>
+            </a:r>
+            <a:r>
+              <a:rPr lang="en-US" sz="1050" dirty="0"/>
+              <a:t>id 0 </a:t>
+            </a:r>
+            <a:r>
+              <a:rPr lang="ru-RU" sz="1050" dirty="0"/>
+              <a:t>такая категория не появлялась, то уже у клиента с </a:t>
+            </a:r>
+            <a:r>
+              <a:rPr lang="en-US" sz="1050" dirty="0"/>
+              <a:t>id </a:t>
+            </a:r>
+            <a:r>
+              <a:rPr lang="ru-RU" sz="1050" dirty="0"/>
+              <a:t>1 в агрегированной колонке будет красоваться единичка. </a:t>
+            </a:r>
+          </a:p>
+          <a:p>
+            <a:pPr marL="228600" indent="-228600">
+              <a:buAutoNum type="arabicParenR"/>
+            </a:pPr>
+            <a:r>
+              <a:rPr lang="ru-RU" sz="1050" dirty="0"/>
+              <a:t>а клиентов у нас 3 миллиона…</a:t>
+            </a:r>
+          </a:p>
+        </p:txBody>
+      </p:sp>
+    </p:spTree>
+    <p:extLst>
+      <p:ext uri="{BB962C8B-B14F-4D97-AF65-F5344CB8AC3E}">
+        <p14:creationId xmlns:p14="http://schemas.microsoft.com/office/powerpoint/2010/main" val="2932080227"/>
       </p:ext>
     </p:extLst>
   </p:cSld>
